--- a/Work-Flow & ERP/Presentation/Cost Accounting Proposal AR.pptx
+++ b/Work-Flow & ERP/Presentation/Cost Accounting Proposal AR.pptx
@@ -352,7 +352,7 @@
           <a:p>
             <a:fld id="{4FC6680F-2F28-467A-B048-359D6C03831E}" type="datetimeFigureOut">
               <a:rPr lang="ar-EG" smtClean="0"/>
-              <a:t>17/12/1445</a:t>
+              <a:t>03/01/1446</a:t>
             </a:fld>
             <a:endParaRPr lang="ar-EG"/>
           </a:p>
@@ -754,7 +754,7 @@
           <a:noFill/>
           <a:extLst>
             <a:ext uri="{909E8E84-426E-40dd-AFC4-6F175D3DCCD1}">
-              <a14:hiddenFill xmlns:a14="http://schemas.microsoft.com/office/drawing/2010/main" xmlns="">
+              <a14:hiddenFill xmlns="" xmlns:a14="http://schemas.microsoft.com/office/drawing/2010/main">
                 <a:solidFill>
                   <a:srgbClr val="FFFFFF"/>
                 </a:solidFill>
@@ -814,7 +814,7 @@
             </a:ln>
             <a:extLst>
               <a:ext uri="{91240B29-F687-4f45-9708-019B960494DF}">
-                <a14:hiddenLine xmlns:a14="http://schemas.microsoft.com/office/drawing/2010/main" xmlns="" w="9525">
+                <a14:hiddenLine xmlns="" xmlns:a14="http://schemas.microsoft.com/office/drawing/2010/main" w="9525">
                   <a:solidFill>
                     <a:srgbClr val="000000"/>
                   </a:solidFill>
@@ -904,7 +904,7 @@
             </a:ln>
             <a:extLst>
               <a:ext uri="{91240B29-F687-4f45-9708-019B960494DF}">
-                <a14:hiddenLine xmlns:a14="http://schemas.microsoft.com/office/drawing/2010/main" xmlns="" w="9525">
+                <a14:hiddenLine xmlns="" xmlns:a14="http://schemas.microsoft.com/office/drawing/2010/main" w="9525">
                   <a:solidFill>
                     <a:srgbClr val="000000"/>
                   </a:solidFill>
@@ -994,7 +994,7 @@
             </a:ln>
             <a:extLst>
               <a:ext uri="{91240B29-F687-4f45-9708-019B960494DF}">
-                <a14:hiddenLine xmlns:a14="http://schemas.microsoft.com/office/drawing/2010/main" xmlns="" w="9525">
+                <a14:hiddenLine xmlns="" xmlns:a14="http://schemas.microsoft.com/office/drawing/2010/main" w="9525">
                   <a:solidFill>
                     <a:srgbClr val="000000"/>
                   </a:solidFill>
@@ -1028,7 +1028,7 @@
             </a:ln>
             <a:extLst>
               <a:ext uri="{91240B29-F687-4f45-9708-019B960494DF}">
-                <a14:hiddenLine xmlns:a14="http://schemas.microsoft.com/office/drawing/2010/main" xmlns="" w="9525">
+                <a14:hiddenLine xmlns="" xmlns:a14="http://schemas.microsoft.com/office/drawing/2010/main" w="9525">
                   <a:solidFill>
                     <a:srgbClr val="000000"/>
                   </a:solidFill>
@@ -1118,7 +1118,7 @@
             </a:ln>
             <a:extLst>
               <a:ext uri="{91240B29-F687-4f45-9708-019B960494DF}">
-                <a14:hiddenLine xmlns:a14="http://schemas.microsoft.com/office/drawing/2010/main" xmlns="" w="9525">
+                <a14:hiddenLine xmlns="" xmlns:a14="http://schemas.microsoft.com/office/drawing/2010/main" w="9525">
                   <a:solidFill>
                     <a:srgbClr val="000000"/>
                   </a:solidFill>
@@ -1180,7 +1180,7 @@
             </a:ln>
             <a:extLst>
               <a:ext uri="{91240B29-F687-4f45-9708-019B960494DF}">
-                <a14:hiddenLine xmlns:a14="http://schemas.microsoft.com/office/drawing/2010/main" xmlns="" w="9525">
+                <a14:hiddenLine xmlns="" xmlns:a14="http://schemas.microsoft.com/office/drawing/2010/main" w="9525">
                   <a:solidFill>
                     <a:srgbClr val="000000"/>
                   </a:solidFill>
@@ -1242,7 +1242,7 @@
             </a:ln>
             <a:extLst>
               <a:ext uri="{91240B29-F687-4f45-9708-019B960494DF}">
-                <a14:hiddenLine xmlns:a14="http://schemas.microsoft.com/office/drawing/2010/main" xmlns="" w="9525">
+                <a14:hiddenLine xmlns="" xmlns:a14="http://schemas.microsoft.com/office/drawing/2010/main" w="9525">
                   <a:solidFill>
                     <a:srgbClr val="000000"/>
                   </a:solidFill>
@@ -1332,7 +1332,7 @@
             </a:ln>
             <a:extLst>
               <a:ext uri="{91240B29-F687-4f45-9708-019B960494DF}">
-                <a14:hiddenLine xmlns:a14="http://schemas.microsoft.com/office/drawing/2010/main" xmlns="" w="9525">
+                <a14:hiddenLine xmlns="" xmlns:a14="http://schemas.microsoft.com/office/drawing/2010/main" w="9525">
                   <a:solidFill>
                     <a:srgbClr val="000000"/>
                   </a:solidFill>
@@ -1394,7 +1394,7 @@
             </a:ln>
             <a:extLst>
               <a:ext uri="{91240B29-F687-4f45-9708-019B960494DF}">
-                <a14:hiddenLine xmlns:a14="http://schemas.microsoft.com/office/drawing/2010/main" xmlns="" w="9525">
+                <a14:hiddenLine xmlns="" xmlns:a14="http://schemas.microsoft.com/office/drawing/2010/main" w="9525">
                   <a:solidFill>
                     <a:srgbClr val="000000"/>
                   </a:solidFill>
@@ -1456,7 +1456,7 @@
             </a:ln>
             <a:extLst>
               <a:ext uri="{91240B29-F687-4f45-9708-019B960494DF}">
-                <a14:hiddenLine xmlns:a14="http://schemas.microsoft.com/office/drawing/2010/main" xmlns="" w="9525">
+                <a14:hiddenLine xmlns="" xmlns:a14="http://schemas.microsoft.com/office/drawing/2010/main" w="9525">
                   <a:solidFill>
                     <a:srgbClr val="000000"/>
                   </a:solidFill>
@@ -1546,7 +1546,7 @@
             </a:ln>
             <a:extLst>
               <a:ext uri="{91240B29-F687-4f45-9708-019B960494DF}">
-                <a14:hiddenLine xmlns:a14="http://schemas.microsoft.com/office/drawing/2010/main" xmlns="" w="9525">
+                <a14:hiddenLine xmlns="" xmlns:a14="http://schemas.microsoft.com/office/drawing/2010/main" w="9525">
                   <a:solidFill>
                     <a:srgbClr val="000000"/>
                   </a:solidFill>
@@ -1636,7 +1636,7 @@
             </a:ln>
             <a:extLst>
               <a:ext uri="{91240B29-F687-4f45-9708-019B960494DF}">
-                <a14:hiddenLine xmlns:a14="http://schemas.microsoft.com/office/drawing/2010/main" xmlns="" w="9525">
+                <a14:hiddenLine xmlns="" xmlns:a14="http://schemas.microsoft.com/office/drawing/2010/main" w="9525">
                   <a:solidFill>
                     <a:srgbClr val="000000"/>
                   </a:solidFill>
@@ -1698,7 +1698,7 @@
             </a:ln>
             <a:extLst>
               <a:ext uri="{91240B29-F687-4f45-9708-019B960494DF}">
-                <a14:hiddenLine xmlns:a14="http://schemas.microsoft.com/office/drawing/2010/main" xmlns="" w="9525">
+                <a14:hiddenLine xmlns="" xmlns:a14="http://schemas.microsoft.com/office/drawing/2010/main" w="9525">
                   <a:solidFill>
                     <a:srgbClr val="000000"/>
                   </a:solidFill>
@@ -1808,7 +1808,7 @@
             </a:ln>
             <a:extLst>
               <a:ext uri="{91240B29-F687-4f45-9708-019B960494DF}">
-                <a14:hiddenLine xmlns:a14="http://schemas.microsoft.com/office/drawing/2010/main" xmlns="" w="9525">
+                <a14:hiddenLine xmlns="" xmlns:a14="http://schemas.microsoft.com/office/drawing/2010/main" w="9525">
                   <a:solidFill>
                     <a:srgbClr val="000000"/>
                   </a:solidFill>
@@ -1870,7 +1870,7 @@
             </a:ln>
             <a:extLst>
               <a:ext uri="{91240B29-F687-4f45-9708-019B960494DF}">
-                <a14:hiddenLine xmlns:a14="http://schemas.microsoft.com/office/drawing/2010/main" xmlns="" w="9525">
+                <a14:hiddenLine xmlns="" xmlns:a14="http://schemas.microsoft.com/office/drawing/2010/main" w="9525">
                   <a:solidFill>
                     <a:srgbClr val="000000"/>
                   </a:solidFill>
@@ -1960,7 +1960,7 @@
             </a:ln>
             <a:extLst>
               <a:ext uri="{91240B29-F687-4f45-9708-019B960494DF}">
-                <a14:hiddenLine xmlns:a14="http://schemas.microsoft.com/office/drawing/2010/main" xmlns="" w="9525">
+                <a14:hiddenLine xmlns="" xmlns:a14="http://schemas.microsoft.com/office/drawing/2010/main" w="9525">
                   <a:solidFill>
                     <a:srgbClr val="000000"/>
                   </a:solidFill>
@@ -2050,7 +2050,7 @@
             </a:ln>
             <a:extLst>
               <a:ext uri="{91240B29-F687-4f45-9708-019B960494DF}">
-                <a14:hiddenLine xmlns:a14="http://schemas.microsoft.com/office/drawing/2010/main" xmlns="" w="9525">
+                <a14:hiddenLine xmlns="" xmlns:a14="http://schemas.microsoft.com/office/drawing/2010/main" w="9525">
                   <a:solidFill>
                     <a:srgbClr val="000000"/>
                   </a:solidFill>
@@ -2112,7 +2112,7 @@
             </a:ln>
             <a:extLst>
               <a:ext uri="{91240B29-F687-4f45-9708-019B960494DF}">
-                <a14:hiddenLine xmlns:a14="http://schemas.microsoft.com/office/drawing/2010/main" xmlns="" w="9525">
+                <a14:hiddenLine xmlns="" xmlns:a14="http://schemas.microsoft.com/office/drawing/2010/main" w="9525">
                   <a:solidFill>
                     <a:srgbClr val="000000"/>
                   </a:solidFill>
@@ -2202,7 +2202,7 @@
             </a:ln>
             <a:extLst>
               <a:ext uri="{91240B29-F687-4f45-9708-019B960494DF}">
-                <a14:hiddenLine xmlns:a14="http://schemas.microsoft.com/office/drawing/2010/main" xmlns="" w="9525">
+                <a14:hiddenLine xmlns="" xmlns:a14="http://schemas.microsoft.com/office/drawing/2010/main" w="9525">
                   <a:solidFill>
                     <a:srgbClr val="000000"/>
                   </a:solidFill>
@@ -2292,7 +2292,7 @@
             </a:ln>
             <a:extLst>
               <a:ext uri="{91240B29-F687-4f45-9708-019B960494DF}">
-                <a14:hiddenLine xmlns:a14="http://schemas.microsoft.com/office/drawing/2010/main" xmlns="" w="9525">
+                <a14:hiddenLine xmlns="" xmlns:a14="http://schemas.microsoft.com/office/drawing/2010/main" w="9525">
                   <a:solidFill>
                     <a:srgbClr val="000000"/>
                   </a:solidFill>
@@ -2348,7 +2348,7 @@
             </a:ln>
             <a:extLst>
               <a:ext uri="{91240B29-F687-4f45-9708-019B960494DF}">
-                <a14:hiddenLine xmlns:a14="http://schemas.microsoft.com/office/drawing/2010/main" xmlns="" w="9525">
+                <a14:hiddenLine xmlns="" xmlns:a14="http://schemas.microsoft.com/office/drawing/2010/main" w="9525">
                   <a:solidFill>
                     <a:srgbClr val="000000"/>
                   </a:solidFill>
@@ -2438,7 +2438,7 @@
             </a:ln>
             <a:extLst>
               <a:ext uri="{91240B29-F687-4f45-9708-019B960494DF}">
-                <a14:hiddenLine xmlns:a14="http://schemas.microsoft.com/office/drawing/2010/main" xmlns="" w="9525">
+                <a14:hiddenLine xmlns="" xmlns:a14="http://schemas.microsoft.com/office/drawing/2010/main" w="9525">
                   <a:solidFill>
                     <a:srgbClr val="000000"/>
                   </a:solidFill>
@@ -2494,7 +2494,7 @@
             </a:ln>
             <a:extLst>
               <a:ext uri="{91240B29-F687-4f45-9708-019B960494DF}">
-                <a14:hiddenLine xmlns:a14="http://schemas.microsoft.com/office/drawing/2010/main" xmlns="" w="9525">
+                <a14:hiddenLine xmlns="" xmlns:a14="http://schemas.microsoft.com/office/drawing/2010/main" w="9525">
                   <a:solidFill>
                     <a:srgbClr val="000000"/>
                   </a:solidFill>
@@ -2584,7 +2584,7 @@
             </a:ln>
             <a:extLst>
               <a:ext uri="{91240B29-F687-4f45-9708-019B960494DF}">
-                <a14:hiddenLine xmlns:a14="http://schemas.microsoft.com/office/drawing/2010/main" xmlns="" w="9525">
+                <a14:hiddenLine xmlns="" xmlns:a14="http://schemas.microsoft.com/office/drawing/2010/main" w="9525">
                   <a:solidFill>
                     <a:srgbClr val="000000"/>
                   </a:solidFill>
@@ -2652,7 +2652,7 @@
             </a:ln>
             <a:extLst>
               <a:ext uri="{91240B29-F687-4f45-9708-019B960494DF}">
-                <a14:hiddenLine xmlns:a14="http://schemas.microsoft.com/office/drawing/2010/main" xmlns="" w="9525">
+                <a14:hiddenLine xmlns="" xmlns:a14="http://schemas.microsoft.com/office/drawing/2010/main" w="9525">
                   <a:solidFill>
                     <a:srgbClr val="000000"/>
                   </a:solidFill>
@@ -2742,7 +2742,7 @@
             </a:ln>
             <a:extLst>
               <a:ext uri="{91240B29-F687-4f45-9708-019B960494DF}">
-                <a14:hiddenLine xmlns:a14="http://schemas.microsoft.com/office/drawing/2010/main" xmlns="" w="9525">
+                <a14:hiddenLine xmlns="" xmlns:a14="http://schemas.microsoft.com/office/drawing/2010/main" w="9525">
                   <a:solidFill>
                     <a:srgbClr val="000000"/>
                   </a:solidFill>
@@ -2810,7 +2810,7 @@
             </a:ln>
             <a:extLst>
               <a:ext uri="{91240B29-F687-4f45-9708-019B960494DF}">
-                <a14:hiddenLine xmlns:a14="http://schemas.microsoft.com/office/drawing/2010/main" xmlns="" w="9525">
+                <a14:hiddenLine xmlns="" xmlns:a14="http://schemas.microsoft.com/office/drawing/2010/main" w="9525">
                   <a:solidFill>
                     <a:srgbClr val="000000"/>
                   </a:solidFill>
@@ -2900,7 +2900,7 @@
             </a:ln>
             <a:extLst>
               <a:ext uri="{91240B29-F687-4f45-9708-019B960494DF}">
-                <a14:hiddenLine xmlns:a14="http://schemas.microsoft.com/office/drawing/2010/main" xmlns="" w="9525">
+                <a14:hiddenLine xmlns="" xmlns:a14="http://schemas.microsoft.com/office/drawing/2010/main" w="9525">
                   <a:solidFill>
                     <a:srgbClr val="000000"/>
                   </a:solidFill>
@@ -2934,7 +2934,7 @@
             </a:ln>
             <a:extLst>
               <a:ext uri="{91240B29-F687-4f45-9708-019B960494DF}">
-                <a14:hiddenLine xmlns:a14="http://schemas.microsoft.com/office/drawing/2010/main" xmlns="" w="9525">
+                <a14:hiddenLine xmlns="" xmlns:a14="http://schemas.microsoft.com/office/drawing/2010/main" w="9525">
                   <a:solidFill>
                     <a:srgbClr val="000000"/>
                   </a:solidFill>
@@ -3024,7 +3024,7 @@
             </a:ln>
             <a:extLst>
               <a:ext uri="{91240B29-F687-4f45-9708-019B960494DF}">
-                <a14:hiddenLine xmlns:a14="http://schemas.microsoft.com/office/drawing/2010/main" xmlns="" w="9525">
+                <a14:hiddenLine xmlns="" xmlns:a14="http://schemas.microsoft.com/office/drawing/2010/main" w="9525">
                   <a:solidFill>
                     <a:srgbClr val="000000"/>
                   </a:solidFill>
@@ -3086,7 +3086,7 @@
             </a:ln>
             <a:extLst>
               <a:ext uri="{91240B29-F687-4f45-9708-019B960494DF}">
-                <a14:hiddenLine xmlns:a14="http://schemas.microsoft.com/office/drawing/2010/main" xmlns="" w="9525">
+                <a14:hiddenLine xmlns="" xmlns:a14="http://schemas.microsoft.com/office/drawing/2010/main" w="9525">
                   <a:solidFill>
                     <a:srgbClr val="000000"/>
                   </a:solidFill>
@@ -3148,7 +3148,7 @@
             </a:ln>
             <a:extLst>
               <a:ext uri="{91240B29-F687-4f45-9708-019B960494DF}">
-                <a14:hiddenLine xmlns:a14="http://schemas.microsoft.com/office/drawing/2010/main" xmlns="" w="9525">
+                <a14:hiddenLine xmlns="" xmlns:a14="http://schemas.microsoft.com/office/drawing/2010/main" w="9525">
                   <a:solidFill>
                     <a:srgbClr val="000000"/>
                   </a:solidFill>
@@ -3238,7 +3238,7 @@
             </a:ln>
             <a:extLst>
               <a:ext uri="{91240B29-F687-4f45-9708-019B960494DF}">
-                <a14:hiddenLine xmlns:a14="http://schemas.microsoft.com/office/drawing/2010/main" xmlns="" w="9525">
+                <a14:hiddenLine xmlns="" xmlns:a14="http://schemas.microsoft.com/office/drawing/2010/main" w="9525">
                   <a:solidFill>
                     <a:srgbClr val="000000"/>
                   </a:solidFill>
@@ -3306,7 +3306,7 @@
             </a:ln>
             <a:extLst>
               <a:ext uri="{91240B29-F687-4f45-9708-019B960494DF}">
-                <a14:hiddenLine xmlns:a14="http://schemas.microsoft.com/office/drawing/2010/main" xmlns="" w="9525">
+                <a14:hiddenLine xmlns="" xmlns:a14="http://schemas.microsoft.com/office/drawing/2010/main" w="9525">
                   <a:solidFill>
                     <a:srgbClr val="000000"/>
                   </a:solidFill>
@@ -3368,7 +3368,7 @@
             </a:ln>
             <a:extLst>
               <a:ext uri="{91240B29-F687-4f45-9708-019B960494DF}">
-                <a14:hiddenLine xmlns:a14="http://schemas.microsoft.com/office/drawing/2010/main" xmlns="" w="9525">
+                <a14:hiddenLine xmlns="" xmlns:a14="http://schemas.microsoft.com/office/drawing/2010/main" w="9525">
                   <a:solidFill>
                     <a:srgbClr val="000000"/>
                   </a:solidFill>
@@ -3458,7 +3458,7 @@
             </a:ln>
             <a:extLst>
               <a:ext uri="{91240B29-F687-4f45-9708-019B960494DF}">
-                <a14:hiddenLine xmlns:a14="http://schemas.microsoft.com/office/drawing/2010/main" xmlns="" w="9525">
+                <a14:hiddenLine xmlns="" xmlns:a14="http://schemas.microsoft.com/office/drawing/2010/main" w="9525">
                   <a:solidFill>
                     <a:srgbClr val="000000"/>
                   </a:solidFill>
@@ -3520,7 +3520,7 @@
             </a:ln>
             <a:extLst>
               <a:ext uri="{91240B29-F687-4f45-9708-019B960494DF}">
-                <a14:hiddenLine xmlns:a14="http://schemas.microsoft.com/office/drawing/2010/main" xmlns="" w="9525">
+                <a14:hiddenLine xmlns="" xmlns:a14="http://schemas.microsoft.com/office/drawing/2010/main" w="9525">
                   <a:solidFill>
                     <a:srgbClr val="000000"/>
                   </a:solidFill>
@@ -3610,7 +3610,7 @@
             </a:ln>
             <a:extLst>
               <a:ext uri="{91240B29-F687-4f45-9708-019B960494DF}">
-                <a14:hiddenLine xmlns:a14="http://schemas.microsoft.com/office/drawing/2010/main" xmlns="" w="9525">
+                <a14:hiddenLine xmlns="" xmlns:a14="http://schemas.microsoft.com/office/drawing/2010/main" w="9525">
                   <a:solidFill>
                     <a:srgbClr val="000000"/>
                   </a:solidFill>
@@ -3672,7 +3672,7 @@
             </a:ln>
             <a:extLst>
               <a:ext uri="{91240B29-F687-4f45-9708-019B960494DF}">
-                <a14:hiddenLine xmlns:a14="http://schemas.microsoft.com/office/drawing/2010/main" xmlns="" w="9525">
+                <a14:hiddenLine xmlns="" xmlns:a14="http://schemas.microsoft.com/office/drawing/2010/main" w="9525">
                   <a:solidFill>
                     <a:srgbClr val="000000"/>
                   </a:solidFill>
@@ -3762,7 +3762,7 @@
             </a:ln>
             <a:extLst>
               <a:ext uri="{91240B29-F687-4f45-9708-019B960494DF}">
-                <a14:hiddenLine xmlns:a14="http://schemas.microsoft.com/office/drawing/2010/main" xmlns="" w="9525">
+                <a14:hiddenLine xmlns="" xmlns:a14="http://schemas.microsoft.com/office/drawing/2010/main" w="9525">
                   <a:solidFill>
                     <a:srgbClr val="000000"/>
                   </a:solidFill>
@@ -3796,7 +3796,7 @@
             </a:ln>
             <a:extLst>
               <a:ext uri="{91240B29-F687-4f45-9708-019B960494DF}">
-                <a14:hiddenLine xmlns:a14="http://schemas.microsoft.com/office/drawing/2010/main" xmlns="" w="9525">
+                <a14:hiddenLine xmlns="" xmlns:a14="http://schemas.microsoft.com/office/drawing/2010/main" w="9525">
                   <a:solidFill>
                     <a:srgbClr val="000000"/>
                   </a:solidFill>
@@ -3861,7 +3861,7 @@
             </a:ln>
             <a:extLst>
               <a:ext uri="{91240B29-F687-4f45-9708-019B960494DF}">
-                <a14:hiddenLine xmlns:a14="http://schemas.microsoft.com/office/drawing/2010/main" xmlns="" w="9525">
+                <a14:hiddenLine xmlns="" xmlns:a14="http://schemas.microsoft.com/office/drawing/2010/main" w="9525">
                   <a:solidFill>
                     <a:srgbClr val="000000"/>
                   </a:solidFill>
@@ -3951,7 +3951,7 @@
             </a:ln>
             <a:extLst>
               <a:ext uri="{91240B29-F687-4f45-9708-019B960494DF}">
-                <a14:hiddenLine xmlns:a14="http://schemas.microsoft.com/office/drawing/2010/main" xmlns="" w="9525">
+                <a14:hiddenLine xmlns="" xmlns:a14="http://schemas.microsoft.com/office/drawing/2010/main" w="9525">
                   <a:solidFill>
                     <a:srgbClr val="000000"/>
                   </a:solidFill>
@@ -4013,7 +4013,7 @@
             </a:ln>
             <a:extLst>
               <a:ext uri="{91240B29-F687-4f45-9708-019B960494DF}">
-                <a14:hiddenLine xmlns:a14="http://schemas.microsoft.com/office/drawing/2010/main" xmlns="" w="9525">
+                <a14:hiddenLine xmlns="" xmlns:a14="http://schemas.microsoft.com/office/drawing/2010/main" w="9525">
                   <a:solidFill>
                     <a:srgbClr val="000000"/>
                   </a:solidFill>
@@ -4103,7 +4103,7 @@
             </a:ln>
             <a:extLst>
               <a:ext uri="{91240B29-F687-4f45-9708-019B960494DF}">
-                <a14:hiddenLine xmlns:a14="http://schemas.microsoft.com/office/drawing/2010/main" xmlns="" w="9525">
+                <a14:hiddenLine xmlns="" xmlns:a14="http://schemas.microsoft.com/office/drawing/2010/main" w="9525">
                   <a:solidFill>
                     <a:srgbClr val="000000"/>
                   </a:solidFill>
@@ -4193,7 +4193,7 @@
             </a:ln>
             <a:extLst>
               <a:ext uri="{91240B29-F687-4f45-9708-019B960494DF}">
-                <a14:hiddenLine xmlns:a14="http://schemas.microsoft.com/office/drawing/2010/main" xmlns="" w="9525">
+                <a14:hiddenLine xmlns="" xmlns:a14="http://schemas.microsoft.com/office/drawing/2010/main" w="9525">
                   <a:solidFill>
                     <a:srgbClr val="000000"/>
                   </a:solidFill>
@@ -4258,7 +4258,7 @@
             </a:ln>
             <a:extLst>
               <a:ext uri="{91240B29-F687-4f45-9708-019B960494DF}">
-                <a14:hiddenLine xmlns:a14="http://schemas.microsoft.com/office/drawing/2010/main" xmlns="" w="9525">
+                <a14:hiddenLine xmlns="" xmlns:a14="http://schemas.microsoft.com/office/drawing/2010/main" w="9525">
                   <a:solidFill>
                     <a:srgbClr val="000000"/>
                   </a:solidFill>
@@ -4320,7 +4320,7 @@
             </a:ln>
             <a:extLst>
               <a:ext uri="{91240B29-F687-4f45-9708-019B960494DF}">
-                <a14:hiddenLine xmlns:a14="http://schemas.microsoft.com/office/drawing/2010/main" xmlns="" w="9525">
+                <a14:hiddenLine xmlns="" xmlns:a14="http://schemas.microsoft.com/office/drawing/2010/main" w="9525">
                   <a:solidFill>
                     <a:srgbClr val="000000"/>
                   </a:solidFill>
@@ -4410,7 +4410,7 @@
             </a:ln>
             <a:extLst>
               <a:ext uri="{91240B29-F687-4f45-9708-019B960494DF}">
-                <a14:hiddenLine xmlns:a14="http://schemas.microsoft.com/office/drawing/2010/main" xmlns="" w="9525">
+                <a14:hiddenLine xmlns="" xmlns:a14="http://schemas.microsoft.com/office/drawing/2010/main" w="9525">
                   <a:solidFill>
                     <a:srgbClr val="000000"/>
                   </a:solidFill>
@@ -4500,7 +4500,7 @@
             </a:ln>
             <a:extLst>
               <a:ext uri="{91240B29-F687-4f45-9708-019B960494DF}">
-                <a14:hiddenLine xmlns:a14="http://schemas.microsoft.com/office/drawing/2010/main" xmlns="" w="9525">
+                <a14:hiddenLine xmlns="" xmlns:a14="http://schemas.microsoft.com/office/drawing/2010/main" w="9525">
                   <a:solidFill>
                     <a:srgbClr val="000000"/>
                   </a:solidFill>
@@ -4562,7 +4562,7 @@
             </a:ln>
             <a:extLst>
               <a:ext uri="{91240B29-F687-4f45-9708-019B960494DF}">
-                <a14:hiddenLine xmlns:a14="http://schemas.microsoft.com/office/drawing/2010/main" xmlns="" w="9525">
+                <a14:hiddenLine xmlns="" xmlns:a14="http://schemas.microsoft.com/office/drawing/2010/main" w="9525">
                   <a:solidFill>
                     <a:srgbClr val="000000"/>
                   </a:solidFill>
@@ -4682,7 +4682,7 @@
             </a:ln>
             <a:extLst>
               <a:ext uri="{91240B29-F687-4f45-9708-019B960494DF}">
-                <a14:hiddenLine xmlns:a14="http://schemas.microsoft.com/office/drawing/2010/main" xmlns="" w="9525">
+                <a14:hiddenLine xmlns="" xmlns:a14="http://schemas.microsoft.com/office/drawing/2010/main" w="9525">
                   <a:solidFill>
                     <a:srgbClr val="000000"/>
                   </a:solidFill>
@@ -4750,7 +4750,7 @@
             </a:ln>
             <a:extLst>
               <a:ext uri="{91240B29-F687-4f45-9708-019B960494DF}">
-                <a14:hiddenLine xmlns:a14="http://schemas.microsoft.com/office/drawing/2010/main" xmlns="" w="9525">
+                <a14:hiddenLine xmlns="" xmlns:a14="http://schemas.microsoft.com/office/drawing/2010/main" w="9525">
                   <a:solidFill>
                     <a:srgbClr val="000000"/>
                   </a:solidFill>
@@ -4840,7 +4840,7 @@
             </a:ln>
             <a:extLst>
               <a:ext uri="{91240B29-F687-4f45-9708-019B960494DF}">
-                <a14:hiddenLine xmlns:a14="http://schemas.microsoft.com/office/drawing/2010/main" xmlns="" w="9525">
+                <a14:hiddenLine xmlns="" xmlns:a14="http://schemas.microsoft.com/office/drawing/2010/main" w="9525">
                   <a:solidFill>
                     <a:srgbClr val="000000"/>
                   </a:solidFill>
@@ -4980,7 +4980,7 @@
           <a:p>
             <a:fld id="{48A87A34-81AB-432B-8DAE-1953F412C126}" type="datetimeFigureOut">
               <a:rPr lang="en-US" dirty="0"/>
-              <a:t>6/23/2024</a:t>
+              <a:t>7/9/2024</a:t>
             </a:fld>
             <a:endParaRPr lang="en-US" dirty="0"/>
           </a:p>
@@ -5242,7 +5242,7 @@
           <a:p>
             <a:fld id="{48A87A34-81AB-432B-8DAE-1953F412C126}" type="datetimeFigureOut">
               <a:rPr lang="en-US" dirty="0"/>
-              <a:t>6/23/2024</a:t>
+              <a:t>7/9/2024</a:t>
             </a:fld>
             <a:endParaRPr lang="en-US" dirty="0"/>
           </a:p>
@@ -5433,7 +5433,7 @@
           <a:p>
             <a:fld id="{48A87A34-81AB-432B-8DAE-1953F412C126}" type="datetimeFigureOut">
               <a:rPr lang="en-US" dirty="0"/>
-              <a:t>6/23/2024</a:t>
+              <a:t>7/9/2024</a:t>
             </a:fld>
             <a:endParaRPr lang="en-US" dirty="0"/>
           </a:p>
@@ -5691,7 +5691,7 @@
           <a:p>
             <a:fld id="{48A87A34-81AB-432B-8DAE-1953F412C126}" type="datetimeFigureOut">
               <a:rPr lang="en-US" dirty="0"/>
-              <a:t>6/23/2024</a:t>
+              <a:t>7/9/2024</a:t>
             </a:fld>
             <a:endParaRPr lang="en-US" dirty="0"/>
           </a:p>
@@ -6120,7 +6120,7 @@
           <a:p>
             <a:fld id="{48A87A34-81AB-432B-8DAE-1953F412C126}" type="datetimeFigureOut">
               <a:rPr lang="en-US" dirty="0"/>
-              <a:t>6/23/2024</a:t>
+              <a:t>7/9/2024</a:t>
             </a:fld>
             <a:endParaRPr lang="en-US" dirty="0"/>
           </a:p>
@@ -6661,7 +6661,7 @@
           <a:p>
             <a:fld id="{48A87A34-81AB-432B-8DAE-1953F412C126}" type="datetimeFigureOut">
               <a:rPr lang="en-US" dirty="0"/>
-              <a:t>6/23/2024</a:t>
+              <a:t>7/9/2024</a:t>
             </a:fld>
             <a:endParaRPr lang="en-US" dirty="0"/>
           </a:p>
@@ -7376,7 +7376,7 @@
           <a:p>
             <a:fld id="{48A87A34-81AB-432B-8DAE-1953F412C126}" type="datetimeFigureOut">
               <a:rPr lang="en-US" dirty="0"/>
-              <a:t>6/23/2024</a:t>
+              <a:t>7/9/2024</a:t>
             </a:fld>
             <a:endParaRPr lang="en-US" dirty="0"/>
           </a:p>
@@ -7541,7 +7541,7 @@
           <a:p>
             <a:fld id="{48A87A34-81AB-432B-8DAE-1953F412C126}" type="datetimeFigureOut">
               <a:rPr lang="en-US" dirty="0"/>
-              <a:t>6/23/2024</a:t>
+              <a:t>7/9/2024</a:t>
             </a:fld>
             <a:endParaRPr lang="en-US" dirty="0"/>
           </a:p>
@@ -7716,7 +7716,7 @@
           <a:p>
             <a:fld id="{48A87A34-81AB-432B-8DAE-1953F412C126}" type="datetimeFigureOut">
               <a:rPr lang="en-US" dirty="0"/>
-              <a:t>6/23/2024</a:t>
+              <a:t>7/9/2024</a:t>
             </a:fld>
             <a:endParaRPr lang="en-US" dirty="0"/>
           </a:p>
@@ -7881,7 +7881,7 @@
           <a:p>
             <a:fld id="{48A87A34-81AB-432B-8DAE-1953F412C126}" type="datetimeFigureOut">
               <a:rPr lang="en-US" dirty="0"/>
-              <a:t>6/23/2024</a:t>
+              <a:t>7/9/2024</a:t>
             </a:fld>
             <a:endParaRPr lang="en-US" dirty="0"/>
           </a:p>
@@ -8126,7 +8126,7 @@
           <a:p>
             <a:fld id="{48A87A34-81AB-432B-8DAE-1953F412C126}" type="datetimeFigureOut">
               <a:rPr lang="en-US" dirty="0"/>
-              <a:t>6/23/2024</a:t>
+              <a:t>7/9/2024</a:t>
             </a:fld>
             <a:endParaRPr lang="en-US" dirty="0"/>
           </a:p>
@@ -8353,7 +8353,7 @@
           <a:p>
             <a:fld id="{48A87A34-81AB-432B-8DAE-1953F412C126}" type="datetimeFigureOut">
               <a:rPr lang="en-US" dirty="0"/>
-              <a:t>6/23/2024</a:t>
+              <a:t>7/9/2024</a:t>
             </a:fld>
             <a:endParaRPr lang="en-US" dirty="0"/>
           </a:p>
@@ -8729,7 +8729,7 @@
           <a:p>
             <a:fld id="{48A87A34-81AB-432B-8DAE-1953F412C126}" type="datetimeFigureOut">
               <a:rPr lang="en-US" dirty="0"/>
-              <a:t>6/23/2024</a:t>
+              <a:t>7/9/2024</a:t>
             </a:fld>
             <a:endParaRPr lang="en-US" dirty="0"/>
           </a:p>
@@ -8842,7 +8842,7 @@
           <a:p>
             <a:fld id="{48A87A34-81AB-432B-8DAE-1953F412C126}" type="datetimeFigureOut">
               <a:rPr lang="en-US" dirty="0"/>
-              <a:t>6/23/2024</a:t>
+              <a:t>7/9/2024</a:t>
             </a:fld>
             <a:endParaRPr lang="en-US" dirty="0"/>
           </a:p>
@@ -8932,7 +8932,7 @@
           <a:p>
             <a:fld id="{48A87A34-81AB-432B-8DAE-1953F412C126}" type="datetimeFigureOut">
               <a:rPr lang="en-US" dirty="0"/>
-              <a:t>6/23/2024</a:t>
+              <a:t>7/9/2024</a:t>
             </a:fld>
             <a:endParaRPr lang="en-US" dirty="0"/>
           </a:p>
@@ -9176,7 +9176,7 @@
           <a:p>
             <a:fld id="{48A87A34-81AB-432B-8DAE-1953F412C126}" type="datetimeFigureOut">
               <a:rPr lang="en-US" dirty="0"/>
-              <a:t>6/23/2024</a:t>
+              <a:t>7/9/2024</a:t>
             </a:fld>
             <a:endParaRPr lang="en-US" dirty="0"/>
           </a:p>
@@ -9451,7 +9451,7 @@
           <a:p>
             <a:fld id="{48A87A34-81AB-432B-8DAE-1953F412C126}" type="datetimeFigureOut">
               <a:rPr lang="en-US" dirty="0"/>
-              <a:t>6/23/2024</a:t>
+              <a:t>7/9/2024</a:t>
             </a:fld>
             <a:endParaRPr lang="en-US" dirty="0"/>
           </a:p>
@@ -9562,7 +9562,7 @@
           <a:noFill/>
           <a:extLst>
             <a:ext uri="{909E8E84-426E-40dd-AFC4-6F175D3DCCD1}">
-              <a14:hiddenFill xmlns:a14="http://schemas.microsoft.com/office/drawing/2010/main" xmlns="">
+              <a14:hiddenFill xmlns="" xmlns:a14="http://schemas.microsoft.com/office/drawing/2010/main">
                 <a:solidFill>
                   <a:srgbClr val="FFFFFF"/>
                 </a:solidFill>
@@ -9636,7 +9636,7 @@
               </a:ln>
               <a:extLst>
                 <a:ext uri="{91240B29-F687-4f45-9708-019B960494DF}">
-                  <a14:hiddenLine xmlns:a14="http://schemas.microsoft.com/office/drawing/2010/main" xmlns="" w="9525">
+                  <a14:hiddenLine xmlns="" xmlns:a14="http://schemas.microsoft.com/office/drawing/2010/main" w="9525">
                     <a:solidFill>
                       <a:srgbClr val="000000"/>
                     </a:solidFill>
@@ -9726,7 +9726,7 @@
               </a:ln>
               <a:extLst>
                 <a:ext uri="{91240B29-F687-4f45-9708-019B960494DF}">
-                  <a14:hiddenLine xmlns:a14="http://schemas.microsoft.com/office/drawing/2010/main" xmlns="" w="9525">
+                  <a14:hiddenLine xmlns="" xmlns:a14="http://schemas.microsoft.com/office/drawing/2010/main" w="9525">
                     <a:solidFill>
                       <a:srgbClr val="000000"/>
                     </a:solidFill>
@@ -9816,7 +9816,7 @@
               </a:ln>
               <a:extLst>
                 <a:ext uri="{91240B29-F687-4f45-9708-019B960494DF}">
-                  <a14:hiddenLine xmlns:a14="http://schemas.microsoft.com/office/drawing/2010/main" xmlns="" w="9525">
+                  <a14:hiddenLine xmlns="" xmlns:a14="http://schemas.microsoft.com/office/drawing/2010/main" w="9525">
                     <a:solidFill>
                       <a:srgbClr val="000000"/>
                     </a:solidFill>
@@ -9878,7 +9878,7 @@
               </a:ln>
               <a:extLst>
                 <a:ext uri="{91240B29-F687-4f45-9708-019B960494DF}">
-                  <a14:hiddenLine xmlns:a14="http://schemas.microsoft.com/office/drawing/2010/main" xmlns="" w="9525">
+                  <a14:hiddenLine xmlns="" xmlns:a14="http://schemas.microsoft.com/office/drawing/2010/main" w="9525">
                     <a:solidFill>
                       <a:srgbClr val="000000"/>
                     </a:solidFill>
@@ -9968,7 +9968,7 @@
               </a:ln>
               <a:extLst>
                 <a:ext uri="{91240B29-F687-4f45-9708-019B960494DF}">
-                  <a14:hiddenLine xmlns:a14="http://schemas.microsoft.com/office/drawing/2010/main" xmlns="" w="9525">
+                  <a14:hiddenLine xmlns="" xmlns:a14="http://schemas.microsoft.com/office/drawing/2010/main" w="9525">
                     <a:solidFill>
                       <a:srgbClr val="000000"/>
                     </a:solidFill>
@@ -10030,7 +10030,7 @@
               </a:ln>
               <a:extLst>
                 <a:ext uri="{91240B29-F687-4f45-9708-019B960494DF}">
-                  <a14:hiddenLine xmlns:a14="http://schemas.microsoft.com/office/drawing/2010/main" xmlns="" w="9525">
+                  <a14:hiddenLine xmlns="" xmlns:a14="http://schemas.microsoft.com/office/drawing/2010/main" w="9525">
                     <a:solidFill>
                       <a:srgbClr val="000000"/>
                     </a:solidFill>
@@ -10092,7 +10092,7 @@
               </a:ln>
               <a:extLst>
                 <a:ext uri="{91240B29-F687-4f45-9708-019B960494DF}">
-                  <a14:hiddenLine xmlns:a14="http://schemas.microsoft.com/office/drawing/2010/main" xmlns="" w="9525">
+                  <a14:hiddenLine xmlns="" xmlns:a14="http://schemas.microsoft.com/office/drawing/2010/main" w="9525">
                     <a:solidFill>
                       <a:srgbClr val="000000"/>
                     </a:solidFill>
@@ -10182,7 +10182,7 @@
               </a:ln>
               <a:extLst>
                 <a:ext uri="{91240B29-F687-4f45-9708-019B960494DF}">
-                  <a14:hiddenLine xmlns:a14="http://schemas.microsoft.com/office/drawing/2010/main" xmlns="" w="9525">
+                  <a14:hiddenLine xmlns="" xmlns:a14="http://schemas.microsoft.com/office/drawing/2010/main" w="9525">
                     <a:solidFill>
                       <a:srgbClr val="000000"/>
                     </a:solidFill>
@@ -10272,7 +10272,7 @@
               </a:ln>
               <a:extLst>
                 <a:ext uri="{91240B29-F687-4f45-9708-019B960494DF}">
-                  <a14:hiddenLine xmlns:a14="http://schemas.microsoft.com/office/drawing/2010/main" xmlns="" w="9525">
+                  <a14:hiddenLine xmlns="" xmlns:a14="http://schemas.microsoft.com/office/drawing/2010/main" w="9525">
                     <a:solidFill>
                       <a:srgbClr val="000000"/>
                     </a:solidFill>
@@ -10334,7 +10334,7 @@
               </a:ln>
               <a:extLst>
                 <a:ext uri="{91240B29-F687-4f45-9708-019B960494DF}">
-                  <a14:hiddenLine xmlns:a14="http://schemas.microsoft.com/office/drawing/2010/main" xmlns="" w="9525">
+                  <a14:hiddenLine xmlns="" xmlns:a14="http://schemas.microsoft.com/office/drawing/2010/main" w="9525">
                     <a:solidFill>
                       <a:srgbClr val="000000"/>
                     </a:solidFill>
@@ -10444,7 +10444,7 @@
               </a:ln>
               <a:extLst>
                 <a:ext uri="{91240B29-F687-4f45-9708-019B960494DF}">
-                  <a14:hiddenLine xmlns:a14="http://schemas.microsoft.com/office/drawing/2010/main" xmlns="" w="9525">
+                  <a14:hiddenLine xmlns="" xmlns:a14="http://schemas.microsoft.com/office/drawing/2010/main" w="9525">
                     <a:solidFill>
                       <a:srgbClr val="000000"/>
                     </a:solidFill>
@@ -10528,7 +10528,7 @@
               </a:ln>
               <a:extLst>
                 <a:ext uri="{91240B29-F687-4f45-9708-019B960494DF}">
-                  <a14:hiddenLine xmlns:a14="http://schemas.microsoft.com/office/drawing/2010/main" xmlns="" w="9525">
+                  <a14:hiddenLine xmlns="" xmlns:a14="http://schemas.microsoft.com/office/drawing/2010/main" w="9525">
                     <a:solidFill>
                       <a:srgbClr val="000000"/>
                     </a:solidFill>
@@ -10590,7 +10590,7 @@
               </a:ln>
               <a:extLst>
                 <a:ext uri="{91240B29-F687-4f45-9708-019B960494DF}">
-                  <a14:hiddenLine xmlns:a14="http://schemas.microsoft.com/office/drawing/2010/main" xmlns="" w="9525">
+                  <a14:hiddenLine xmlns="" xmlns:a14="http://schemas.microsoft.com/office/drawing/2010/main" w="9525">
                     <a:solidFill>
                       <a:srgbClr val="000000"/>
                     </a:solidFill>
@@ -10652,7 +10652,7 @@
               </a:ln>
               <a:extLst>
                 <a:ext uri="{91240B29-F687-4f45-9708-019B960494DF}">
-                  <a14:hiddenLine xmlns:a14="http://schemas.microsoft.com/office/drawing/2010/main" xmlns="" w="9525">
+                  <a14:hiddenLine xmlns="" xmlns:a14="http://schemas.microsoft.com/office/drawing/2010/main" w="9525">
                     <a:solidFill>
                       <a:srgbClr val="000000"/>
                     </a:solidFill>
@@ -10742,7 +10742,7 @@
               </a:ln>
               <a:extLst>
                 <a:ext uri="{91240B29-F687-4f45-9708-019B960494DF}">
-                  <a14:hiddenLine xmlns:a14="http://schemas.microsoft.com/office/drawing/2010/main" xmlns="" w="9525">
+                  <a14:hiddenLine xmlns="" xmlns:a14="http://schemas.microsoft.com/office/drawing/2010/main" w="9525">
                     <a:solidFill>
                       <a:srgbClr val="000000"/>
                     </a:solidFill>
@@ -10776,7 +10776,7 @@
               </a:ln>
               <a:extLst>
                 <a:ext uri="{91240B29-F687-4f45-9708-019B960494DF}">
-                  <a14:hiddenLine xmlns:a14="http://schemas.microsoft.com/office/drawing/2010/main" xmlns="" w="9525">
+                  <a14:hiddenLine xmlns="" xmlns:a14="http://schemas.microsoft.com/office/drawing/2010/main" w="9525">
                     <a:solidFill>
                       <a:srgbClr val="000000"/>
                     </a:solidFill>
@@ -10841,7 +10841,7 @@
               </a:ln>
               <a:extLst>
                 <a:ext uri="{91240B29-F687-4f45-9708-019B960494DF}">
-                  <a14:hiddenLine xmlns:a14="http://schemas.microsoft.com/office/drawing/2010/main" xmlns="" w="9525">
+                  <a14:hiddenLine xmlns="" xmlns:a14="http://schemas.microsoft.com/office/drawing/2010/main" w="9525">
                     <a:solidFill>
                       <a:srgbClr val="000000"/>
                     </a:solidFill>
@@ -10931,7 +10931,7 @@
               </a:ln>
               <a:extLst>
                 <a:ext uri="{91240B29-F687-4f45-9708-019B960494DF}">
-                  <a14:hiddenLine xmlns:a14="http://schemas.microsoft.com/office/drawing/2010/main" xmlns="" w="9525">
+                  <a14:hiddenLine xmlns="" xmlns:a14="http://schemas.microsoft.com/office/drawing/2010/main" w="9525">
                     <a:solidFill>
                       <a:srgbClr val="000000"/>
                     </a:solidFill>
@@ -10993,7 +10993,7 @@
               </a:ln>
               <a:extLst>
                 <a:ext uri="{91240B29-F687-4f45-9708-019B960494DF}">
-                  <a14:hiddenLine xmlns:a14="http://schemas.microsoft.com/office/drawing/2010/main" xmlns="" w="9525">
+                  <a14:hiddenLine xmlns="" xmlns:a14="http://schemas.microsoft.com/office/drawing/2010/main" w="9525">
                     <a:solidFill>
                       <a:srgbClr val="000000"/>
                     </a:solidFill>
@@ -11083,7 +11083,7 @@
               </a:ln>
               <a:extLst>
                 <a:ext uri="{91240B29-F687-4f45-9708-019B960494DF}">
-                  <a14:hiddenLine xmlns:a14="http://schemas.microsoft.com/office/drawing/2010/main" xmlns="" w="9525">
+                  <a14:hiddenLine xmlns="" xmlns:a14="http://schemas.microsoft.com/office/drawing/2010/main" w="9525">
                     <a:solidFill>
                       <a:srgbClr val="000000"/>
                     </a:solidFill>
@@ -11148,7 +11148,7 @@
               </a:ln>
               <a:extLst>
                 <a:ext uri="{91240B29-F687-4f45-9708-019B960494DF}">
-                  <a14:hiddenLine xmlns:a14="http://schemas.microsoft.com/office/drawing/2010/main" xmlns="" w="9525">
+                  <a14:hiddenLine xmlns="" xmlns:a14="http://schemas.microsoft.com/office/drawing/2010/main" w="9525">
                     <a:solidFill>
                       <a:srgbClr val="000000"/>
                     </a:solidFill>
@@ -11210,7 +11210,7 @@
               </a:ln>
               <a:extLst>
                 <a:ext uri="{91240B29-F687-4f45-9708-019B960494DF}">
-                  <a14:hiddenLine xmlns:a14="http://schemas.microsoft.com/office/drawing/2010/main" xmlns="" w="9525">
+                  <a14:hiddenLine xmlns="" xmlns:a14="http://schemas.microsoft.com/office/drawing/2010/main" w="9525">
                     <a:solidFill>
                       <a:srgbClr val="000000"/>
                     </a:solidFill>
@@ -11300,7 +11300,7 @@
               </a:ln>
               <a:extLst>
                 <a:ext uri="{91240B29-F687-4f45-9708-019B960494DF}">
-                  <a14:hiddenLine xmlns:a14="http://schemas.microsoft.com/office/drawing/2010/main" xmlns="" w="9525">
+                  <a14:hiddenLine xmlns="" xmlns:a14="http://schemas.microsoft.com/office/drawing/2010/main" w="9525">
                     <a:solidFill>
                       <a:srgbClr val="000000"/>
                     </a:solidFill>
@@ -11390,7 +11390,7 @@
               </a:ln>
               <a:extLst>
                 <a:ext uri="{91240B29-F687-4f45-9708-019B960494DF}">
-                  <a14:hiddenLine xmlns:a14="http://schemas.microsoft.com/office/drawing/2010/main" xmlns="" w="9525">
+                  <a14:hiddenLine xmlns="" xmlns:a14="http://schemas.microsoft.com/office/drawing/2010/main" w="9525">
                     <a:solidFill>
                       <a:srgbClr val="000000"/>
                     </a:solidFill>
@@ -11455,7 +11455,7 @@
               </a:ln>
               <a:extLst>
                 <a:ext uri="{91240B29-F687-4f45-9708-019B960494DF}">
-                  <a14:hiddenLine xmlns:a14="http://schemas.microsoft.com/office/drawing/2010/main" xmlns="" w="9525">
+                  <a14:hiddenLine xmlns="" xmlns:a14="http://schemas.microsoft.com/office/drawing/2010/main" w="9525">
                     <a:solidFill>
                       <a:srgbClr val="000000"/>
                     </a:solidFill>
@@ -11575,7 +11575,7 @@
               </a:ln>
               <a:extLst>
                 <a:ext uri="{91240B29-F687-4f45-9708-019B960494DF}">
-                  <a14:hiddenLine xmlns:a14="http://schemas.microsoft.com/office/drawing/2010/main" xmlns="" w="9525">
+                  <a14:hiddenLine xmlns="" xmlns:a14="http://schemas.microsoft.com/office/drawing/2010/main" w="9525">
                     <a:solidFill>
                       <a:srgbClr val="000000"/>
                     </a:solidFill>
@@ -11673,7 +11673,7 @@
               </a:ln>
               <a:extLst>
                 <a:ext uri="{91240B29-F687-4f45-9708-019B960494DF}">
-                  <a14:hiddenLine xmlns:a14="http://schemas.microsoft.com/office/drawing/2010/main" xmlns="" w="9525">
+                  <a14:hiddenLine xmlns="" xmlns:a14="http://schemas.microsoft.com/office/drawing/2010/main" w="9525">
                     <a:solidFill>
                       <a:srgbClr val="000000"/>
                     </a:solidFill>
@@ -11788,7 +11788,7 @@
               </a:ln>
               <a:extLst>
                 <a:ext uri="{91240B29-F687-4f45-9708-019B960494DF}">
-                  <a14:hiddenLine xmlns:a14="http://schemas.microsoft.com/office/drawing/2010/main" xmlns="" w="9525">
+                  <a14:hiddenLine xmlns="" xmlns:a14="http://schemas.microsoft.com/office/drawing/2010/main" w="9525">
                     <a:solidFill>
                       <a:srgbClr val="000000"/>
                     </a:solidFill>
@@ -11878,7 +11878,7 @@
               </a:ln>
               <a:extLst>
                 <a:ext uri="{91240B29-F687-4f45-9708-019B960494DF}">
-                  <a14:hiddenLine xmlns:a14="http://schemas.microsoft.com/office/drawing/2010/main" xmlns="" w="9525">
+                  <a14:hiddenLine xmlns="" xmlns:a14="http://schemas.microsoft.com/office/drawing/2010/main" w="9525">
                     <a:solidFill>
                       <a:srgbClr val="000000"/>
                     </a:solidFill>
@@ -11943,7 +11943,7 @@
               </a:ln>
               <a:extLst>
                 <a:ext uri="{91240B29-F687-4f45-9708-019B960494DF}">
-                  <a14:hiddenLine xmlns:a14="http://schemas.microsoft.com/office/drawing/2010/main" xmlns="" w="9525">
+                  <a14:hiddenLine xmlns="" xmlns:a14="http://schemas.microsoft.com/office/drawing/2010/main" w="9525">
                     <a:solidFill>
                       <a:srgbClr val="000000"/>
                     </a:solidFill>
@@ -12033,7 +12033,7 @@
               </a:ln>
               <a:extLst>
                 <a:ext uri="{91240B29-F687-4f45-9708-019B960494DF}">
-                  <a14:hiddenLine xmlns:a14="http://schemas.microsoft.com/office/drawing/2010/main" xmlns="" w="9525">
+                  <a14:hiddenLine xmlns="" xmlns:a14="http://schemas.microsoft.com/office/drawing/2010/main" w="9525">
                     <a:solidFill>
                       <a:srgbClr val="000000"/>
                     </a:solidFill>
@@ -12101,7 +12101,7 @@
               </a:ln>
               <a:extLst>
                 <a:ext uri="{91240B29-F687-4f45-9708-019B960494DF}">
-                  <a14:hiddenLine xmlns:a14="http://schemas.microsoft.com/office/drawing/2010/main" xmlns="" w="9525">
+                  <a14:hiddenLine xmlns="" xmlns:a14="http://schemas.microsoft.com/office/drawing/2010/main" w="9525">
                     <a:solidFill>
                       <a:srgbClr val="000000"/>
                     </a:solidFill>
@@ -12191,7 +12191,7 @@
               </a:ln>
               <a:extLst>
                 <a:ext uri="{91240B29-F687-4f45-9708-019B960494DF}">
-                  <a14:hiddenLine xmlns:a14="http://schemas.microsoft.com/office/drawing/2010/main" xmlns="" w="9525">
+                  <a14:hiddenLine xmlns="" xmlns:a14="http://schemas.microsoft.com/office/drawing/2010/main" w="9525">
                     <a:solidFill>
                       <a:srgbClr val="000000"/>
                     </a:solidFill>
@@ -12259,7 +12259,7 @@
               </a:ln>
               <a:extLst>
                 <a:ext uri="{91240B29-F687-4f45-9708-019B960494DF}">
-                  <a14:hiddenLine xmlns:a14="http://schemas.microsoft.com/office/drawing/2010/main" xmlns="" w="9525">
+                  <a14:hiddenLine xmlns="" xmlns:a14="http://schemas.microsoft.com/office/drawing/2010/main" w="9525">
                     <a:solidFill>
                       <a:srgbClr val="000000"/>
                     </a:solidFill>
@@ -12349,7 +12349,7 @@
               </a:ln>
               <a:extLst>
                 <a:ext uri="{91240B29-F687-4f45-9708-019B960494DF}">
-                  <a14:hiddenLine xmlns:a14="http://schemas.microsoft.com/office/drawing/2010/main" xmlns="" w="9525">
+                  <a14:hiddenLine xmlns="" xmlns:a14="http://schemas.microsoft.com/office/drawing/2010/main" w="9525">
                     <a:solidFill>
                       <a:srgbClr val="000000"/>
                     </a:solidFill>
@@ -12383,7 +12383,7 @@
               </a:ln>
               <a:extLst>
                 <a:ext uri="{91240B29-F687-4f45-9708-019B960494DF}">
-                  <a14:hiddenLine xmlns:a14="http://schemas.microsoft.com/office/drawing/2010/main" xmlns="" w="9525">
+                  <a14:hiddenLine xmlns="" xmlns:a14="http://schemas.microsoft.com/office/drawing/2010/main" w="9525">
                     <a:solidFill>
                       <a:srgbClr val="000000"/>
                     </a:solidFill>
@@ -12524,7 +12524,7 @@
             <a:fld id="{48A87A34-81AB-432B-8DAE-1953F412C126}" type="datetimeFigureOut">
               <a:rPr lang="en-US" dirty="0"/>
               <a:pPr/>
-              <a:t>6/23/2024</a:t>
+              <a:t>7/9/2024</a:t>
             </a:fld>
             <a:endParaRPr lang="en-US" dirty="0"/>
           </a:p>
@@ -13367,13 +13367,13 @@
   <p:clrMapOvr>
     <a:masterClrMapping/>
   </p:clrMapOvr>
-  <mc:AlternateContent xmlns:mc="http://schemas.openxmlformats.org/markup-compatibility/2006">
-    <mc:Choice xmlns:p15="http://schemas.microsoft.com/office/powerpoint/2012/main" Requires="p15">
+  <mc:AlternateContent xmlns:mc="http://schemas.openxmlformats.org/markup-compatibility/2006" xmlns:p15="http://schemas.microsoft.com/office/powerpoint/2012/main">
+    <mc:Choice Requires="p15">
       <p:transition xmlns:p14="http://schemas.microsoft.com/office/powerpoint/2010/main" spd="slow" p14:dur="1250">
         <p15:prstTrans prst="airplane"/>
       </p:transition>
     </mc:Choice>
-    <mc:Fallback>
+    <mc:Fallback xmlns="">
       <p:transition spd="slow">
         <p:fade/>
       </p:transition>
@@ -14065,6 +14065,208 @@
                       </p:childTnLst>
                     </p:cTn>
                   </p:par>
+                  <p:par>
+                    <p:cTn id="10" fill="hold">
+                      <p:stCondLst>
+                        <p:cond delay="indefinite"/>
+                      </p:stCondLst>
+                      <p:childTnLst>
+                        <p:par>
+                          <p:cTn id="11" fill="hold">
+                            <p:stCondLst>
+                              <p:cond delay="0"/>
+                            </p:stCondLst>
+                            <p:childTnLst>
+                              <p:par>
+                                <p:cTn id="12" presetID="2" presetClass="entr" presetSubtype="4" fill="hold" grpId="0" nodeType="clickEffect">
+                                  <p:stCondLst>
+                                    <p:cond delay="0"/>
+                                  </p:stCondLst>
+                                  <p:childTnLst>
+                                    <p:set>
+                                      <p:cBhvr>
+                                        <p:cTn id="13" dur="1" fill="hold">
+                                          <p:stCondLst>
+                                            <p:cond delay="0"/>
+                                          </p:stCondLst>
+                                        </p:cTn>
+                                        <p:tgtEl>
+                                          <p:spTgt spid="4">
+                                            <p:txEl>
+                                              <p:pRg st="0" end="0"/>
+                                            </p:txEl>
+                                          </p:spTgt>
+                                        </p:tgtEl>
+                                        <p:attrNameLst>
+                                          <p:attrName>style.visibility</p:attrName>
+                                        </p:attrNameLst>
+                                      </p:cBhvr>
+                                      <p:to>
+                                        <p:strVal val="visible"/>
+                                      </p:to>
+                                    </p:set>
+                                    <p:anim calcmode="lin" valueType="num">
+                                      <p:cBhvr additive="base">
+                                        <p:cTn id="14" dur="500" fill="hold"/>
+                                        <p:tgtEl>
+                                          <p:spTgt spid="4">
+                                            <p:txEl>
+                                              <p:pRg st="0" end="0"/>
+                                            </p:txEl>
+                                          </p:spTgt>
+                                        </p:tgtEl>
+                                        <p:attrNameLst>
+                                          <p:attrName>ppt_x</p:attrName>
+                                        </p:attrNameLst>
+                                      </p:cBhvr>
+                                      <p:tavLst>
+                                        <p:tav tm="0">
+                                          <p:val>
+                                            <p:strVal val="#ppt_x"/>
+                                          </p:val>
+                                        </p:tav>
+                                        <p:tav tm="100000">
+                                          <p:val>
+                                            <p:strVal val="#ppt_x"/>
+                                          </p:val>
+                                        </p:tav>
+                                      </p:tavLst>
+                                    </p:anim>
+                                    <p:anim calcmode="lin" valueType="num">
+                                      <p:cBhvr additive="base">
+                                        <p:cTn id="15" dur="500" fill="hold"/>
+                                        <p:tgtEl>
+                                          <p:spTgt spid="4">
+                                            <p:txEl>
+                                              <p:pRg st="0" end="0"/>
+                                            </p:txEl>
+                                          </p:spTgt>
+                                        </p:tgtEl>
+                                        <p:attrNameLst>
+                                          <p:attrName>ppt_y</p:attrName>
+                                        </p:attrNameLst>
+                                      </p:cBhvr>
+                                      <p:tavLst>
+                                        <p:tav tm="0">
+                                          <p:val>
+                                            <p:strVal val="1+#ppt_h/2"/>
+                                          </p:val>
+                                        </p:tav>
+                                        <p:tav tm="100000">
+                                          <p:val>
+                                            <p:strVal val="#ppt_y"/>
+                                          </p:val>
+                                        </p:tav>
+                                      </p:tavLst>
+                                    </p:anim>
+                                  </p:childTnLst>
+                                </p:cTn>
+                              </p:par>
+                            </p:childTnLst>
+                          </p:cTn>
+                        </p:par>
+                      </p:childTnLst>
+                    </p:cTn>
+                  </p:par>
+                  <p:par>
+                    <p:cTn id="16" fill="hold">
+                      <p:stCondLst>
+                        <p:cond delay="indefinite"/>
+                      </p:stCondLst>
+                      <p:childTnLst>
+                        <p:par>
+                          <p:cTn id="17" fill="hold">
+                            <p:stCondLst>
+                              <p:cond delay="0"/>
+                            </p:stCondLst>
+                            <p:childTnLst>
+                              <p:par>
+                                <p:cTn id="18" presetID="42" presetClass="entr" presetSubtype="0" fill="hold" nodeType="clickEffect">
+                                  <p:stCondLst>
+                                    <p:cond delay="0"/>
+                                  </p:stCondLst>
+                                  <p:childTnLst>
+                                    <p:set>
+                                      <p:cBhvr>
+                                        <p:cTn id="19" dur="1" fill="hold">
+                                          <p:stCondLst>
+                                            <p:cond delay="0"/>
+                                          </p:stCondLst>
+                                        </p:cTn>
+                                        <p:tgtEl>
+                                          <p:spTgt spid="1028"/>
+                                        </p:tgtEl>
+                                        <p:attrNameLst>
+                                          <p:attrName>style.visibility</p:attrName>
+                                        </p:attrNameLst>
+                                      </p:cBhvr>
+                                      <p:to>
+                                        <p:strVal val="visible"/>
+                                      </p:to>
+                                    </p:set>
+                                    <p:animEffect transition="in" filter="fade">
+                                      <p:cBhvr>
+                                        <p:cTn id="20" dur="1000"/>
+                                        <p:tgtEl>
+                                          <p:spTgt spid="1028"/>
+                                        </p:tgtEl>
+                                      </p:cBhvr>
+                                    </p:animEffect>
+                                    <p:anim calcmode="lin" valueType="num">
+                                      <p:cBhvr>
+                                        <p:cTn id="21" dur="1000" fill="hold"/>
+                                        <p:tgtEl>
+                                          <p:spTgt spid="1028"/>
+                                        </p:tgtEl>
+                                        <p:attrNameLst>
+                                          <p:attrName>ppt_x</p:attrName>
+                                        </p:attrNameLst>
+                                      </p:cBhvr>
+                                      <p:tavLst>
+                                        <p:tav tm="0">
+                                          <p:val>
+                                            <p:strVal val="#ppt_x"/>
+                                          </p:val>
+                                        </p:tav>
+                                        <p:tav tm="100000">
+                                          <p:val>
+                                            <p:strVal val="#ppt_x"/>
+                                          </p:val>
+                                        </p:tav>
+                                      </p:tavLst>
+                                    </p:anim>
+                                    <p:anim calcmode="lin" valueType="num">
+                                      <p:cBhvr>
+                                        <p:cTn id="22" dur="1000" fill="hold"/>
+                                        <p:tgtEl>
+                                          <p:spTgt spid="1028"/>
+                                        </p:tgtEl>
+                                        <p:attrNameLst>
+                                          <p:attrName>ppt_y</p:attrName>
+                                        </p:attrNameLst>
+                                      </p:cBhvr>
+                                      <p:tavLst>
+                                        <p:tav tm="0">
+                                          <p:val>
+                                            <p:strVal val="#ppt_y+.1"/>
+                                          </p:val>
+                                        </p:tav>
+                                        <p:tav tm="100000">
+                                          <p:val>
+                                            <p:strVal val="#ppt_y"/>
+                                          </p:val>
+                                        </p:tav>
+                                      </p:tavLst>
+                                    </p:anim>
+                                  </p:childTnLst>
+                                </p:cTn>
+                              </p:par>
+                            </p:childTnLst>
+                          </p:cTn>
+                        </p:par>
+                      </p:childTnLst>
+                    </p:cTn>
+                  </p:par>
                 </p:childTnLst>
               </p:cTn>
               <p:prevCondLst>
@@ -14088,6 +14290,7 @@
     </p:tnLst>
     <p:bldLst>
       <p:bldP spid="2" grpId="0"/>
+      <p:bldP spid="4" grpId="0" build="p"/>
     </p:bldLst>
   </p:timing>
 </p:sld>
@@ -15104,6 +15307,1479 @@
                       </p:childTnLst>
                     </p:cTn>
                   </p:par>
+                  <p:par>
+                    <p:cTn id="9" fill="hold">
+                      <p:stCondLst>
+                        <p:cond delay="indefinite"/>
+                      </p:stCondLst>
+                      <p:childTnLst>
+                        <p:par>
+                          <p:cTn id="10" fill="hold">
+                            <p:stCondLst>
+                              <p:cond delay="0"/>
+                            </p:stCondLst>
+                            <p:childTnLst>
+                              <p:par>
+                                <p:cTn id="11" presetID="42" presetClass="entr" presetSubtype="0" fill="hold" grpId="0" nodeType="clickEffect">
+                                  <p:stCondLst>
+                                    <p:cond delay="0"/>
+                                  </p:stCondLst>
+                                  <p:childTnLst>
+                                    <p:set>
+                                      <p:cBhvr>
+                                        <p:cTn id="12" dur="1" fill="hold">
+                                          <p:stCondLst>
+                                            <p:cond delay="0"/>
+                                          </p:stCondLst>
+                                        </p:cTn>
+                                        <p:tgtEl>
+                                          <p:spTgt spid="7">
+                                            <p:txEl>
+                                              <p:pRg st="0" end="0"/>
+                                            </p:txEl>
+                                          </p:spTgt>
+                                        </p:tgtEl>
+                                        <p:attrNameLst>
+                                          <p:attrName>style.visibility</p:attrName>
+                                        </p:attrNameLst>
+                                      </p:cBhvr>
+                                      <p:to>
+                                        <p:strVal val="visible"/>
+                                      </p:to>
+                                    </p:set>
+                                    <p:animEffect transition="in" filter="fade">
+                                      <p:cBhvr>
+                                        <p:cTn id="13" dur="1000"/>
+                                        <p:tgtEl>
+                                          <p:spTgt spid="7">
+                                            <p:txEl>
+                                              <p:pRg st="0" end="0"/>
+                                            </p:txEl>
+                                          </p:spTgt>
+                                        </p:tgtEl>
+                                      </p:cBhvr>
+                                    </p:animEffect>
+                                    <p:anim calcmode="lin" valueType="num">
+                                      <p:cBhvr>
+                                        <p:cTn id="14" dur="1000" fill="hold"/>
+                                        <p:tgtEl>
+                                          <p:spTgt spid="7">
+                                            <p:txEl>
+                                              <p:pRg st="0" end="0"/>
+                                            </p:txEl>
+                                          </p:spTgt>
+                                        </p:tgtEl>
+                                        <p:attrNameLst>
+                                          <p:attrName>ppt_x</p:attrName>
+                                        </p:attrNameLst>
+                                      </p:cBhvr>
+                                      <p:tavLst>
+                                        <p:tav tm="0">
+                                          <p:val>
+                                            <p:strVal val="#ppt_x"/>
+                                          </p:val>
+                                        </p:tav>
+                                        <p:tav tm="100000">
+                                          <p:val>
+                                            <p:strVal val="#ppt_x"/>
+                                          </p:val>
+                                        </p:tav>
+                                      </p:tavLst>
+                                    </p:anim>
+                                    <p:anim calcmode="lin" valueType="num">
+                                      <p:cBhvr>
+                                        <p:cTn id="15" dur="1000" fill="hold"/>
+                                        <p:tgtEl>
+                                          <p:spTgt spid="7">
+                                            <p:txEl>
+                                              <p:pRg st="0" end="0"/>
+                                            </p:txEl>
+                                          </p:spTgt>
+                                        </p:tgtEl>
+                                        <p:attrNameLst>
+                                          <p:attrName>ppt_y</p:attrName>
+                                        </p:attrNameLst>
+                                      </p:cBhvr>
+                                      <p:tavLst>
+                                        <p:tav tm="0">
+                                          <p:val>
+                                            <p:strVal val="#ppt_y+.1"/>
+                                          </p:val>
+                                        </p:tav>
+                                        <p:tav tm="100000">
+                                          <p:val>
+                                            <p:strVal val="#ppt_y"/>
+                                          </p:val>
+                                        </p:tav>
+                                      </p:tavLst>
+                                    </p:anim>
+                                  </p:childTnLst>
+                                </p:cTn>
+                              </p:par>
+                              <p:par>
+                                <p:cTn id="16" presetID="42" presetClass="entr" presetSubtype="0" fill="hold" grpId="0" nodeType="withEffect">
+                                  <p:stCondLst>
+                                    <p:cond delay="0"/>
+                                  </p:stCondLst>
+                                  <p:childTnLst>
+                                    <p:set>
+                                      <p:cBhvr>
+                                        <p:cTn id="17" dur="1" fill="hold">
+                                          <p:stCondLst>
+                                            <p:cond delay="0"/>
+                                          </p:stCondLst>
+                                        </p:cTn>
+                                        <p:tgtEl>
+                                          <p:spTgt spid="7">
+                                            <p:txEl>
+                                              <p:pRg st="1" end="1"/>
+                                            </p:txEl>
+                                          </p:spTgt>
+                                        </p:tgtEl>
+                                        <p:attrNameLst>
+                                          <p:attrName>style.visibility</p:attrName>
+                                        </p:attrNameLst>
+                                      </p:cBhvr>
+                                      <p:to>
+                                        <p:strVal val="visible"/>
+                                      </p:to>
+                                    </p:set>
+                                    <p:animEffect transition="in" filter="fade">
+                                      <p:cBhvr>
+                                        <p:cTn id="18" dur="1000"/>
+                                        <p:tgtEl>
+                                          <p:spTgt spid="7">
+                                            <p:txEl>
+                                              <p:pRg st="1" end="1"/>
+                                            </p:txEl>
+                                          </p:spTgt>
+                                        </p:tgtEl>
+                                      </p:cBhvr>
+                                    </p:animEffect>
+                                    <p:anim calcmode="lin" valueType="num">
+                                      <p:cBhvr>
+                                        <p:cTn id="19" dur="1000" fill="hold"/>
+                                        <p:tgtEl>
+                                          <p:spTgt spid="7">
+                                            <p:txEl>
+                                              <p:pRg st="1" end="1"/>
+                                            </p:txEl>
+                                          </p:spTgt>
+                                        </p:tgtEl>
+                                        <p:attrNameLst>
+                                          <p:attrName>ppt_x</p:attrName>
+                                        </p:attrNameLst>
+                                      </p:cBhvr>
+                                      <p:tavLst>
+                                        <p:tav tm="0">
+                                          <p:val>
+                                            <p:strVal val="#ppt_x"/>
+                                          </p:val>
+                                        </p:tav>
+                                        <p:tav tm="100000">
+                                          <p:val>
+                                            <p:strVal val="#ppt_x"/>
+                                          </p:val>
+                                        </p:tav>
+                                      </p:tavLst>
+                                    </p:anim>
+                                    <p:anim calcmode="lin" valueType="num">
+                                      <p:cBhvr>
+                                        <p:cTn id="20" dur="1000" fill="hold"/>
+                                        <p:tgtEl>
+                                          <p:spTgt spid="7">
+                                            <p:txEl>
+                                              <p:pRg st="1" end="1"/>
+                                            </p:txEl>
+                                          </p:spTgt>
+                                        </p:tgtEl>
+                                        <p:attrNameLst>
+                                          <p:attrName>ppt_y</p:attrName>
+                                        </p:attrNameLst>
+                                      </p:cBhvr>
+                                      <p:tavLst>
+                                        <p:tav tm="0">
+                                          <p:val>
+                                            <p:strVal val="#ppt_y+.1"/>
+                                          </p:val>
+                                        </p:tav>
+                                        <p:tav tm="100000">
+                                          <p:val>
+                                            <p:strVal val="#ppt_y"/>
+                                          </p:val>
+                                        </p:tav>
+                                      </p:tavLst>
+                                    </p:anim>
+                                  </p:childTnLst>
+                                </p:cTn>
+                              </p:par>
+                              <p:par>
+                                <p:cTn id="21" presetID="42" presetClass="entr" presetSubtype="0" fill="hold" grpId="0" nodeType="withEffect">
+                                  <p:stCondLst>
+                                    <p:cond delay="0"/>
+                                  </p:stCondLst>
+                                  <p:childTnLst>
+                                    <p:set>
+                                      <p:cBhvr>
+                                        <p:cTn id="22" dur="1" fill="hold">
+                                          <p:stCondLst>
+                                            <p:cond delay="0"/>
+                                          </p:stCondLst>
+                                        </p:cTn>
+                                        <p:tgtEl>
+                                          <p:spTgt spid="7">
+                                            <p:txEl>
+                                              <p:pRg st="2" end="2"/>
+                                            </p:txEl>
+                                          </p:spTgt>
+                                        </p:tgtEl>
+                                        <p:attrNameLst>
+                                          <p:attrName>style.visibility</p:attrName>
+                                        </p:attrNameLst>
+                                      </p:cBhvr>
+                                      <p:to>
+                                        <p:strVal val="visible"/>
+                                      </p:to>
+                                    </p:set>
+                                    <p:animEffect transition="in" filter="fade">
+                                      <p:cBhvr>
+                                        <p:cTn id="23" dur="1000"/>
+                                        <p:tgtEl>
+                                          <p:spTgt spid="7">
+                                            <p:txEl>
+                                              <p:pRg st="2" end="2"/>
+                                            </p:txEl>
+                                          </p:spTgt>
+                                        </p:tgtEl>
+                                      </p:cBhvr>
+                                    </p:animEffect>
+                                    <p:anim calcmode="lin" valueType="num">
+                                      <p:cBhvr>
+                                        <p:cTn id="24" dur="1000" fill="hold"/>
+                                        <p:tgtEl>
+                                          <p:spTgt spid="7">
+                                            <p:txEl>
+                                              <p:pRg st="2" end="2"/>
+                                            </p:txEl>
+                                          </p:spTgt>
+                                        </p:tgtEl>
+                                        <p:attrNameLst>
+                                          <p:attrName>ppt_x</p:attrName>
+                                        </p:attrNameLst>
+                                      </p:cBhvr>
+                                      <p:tavLst>
+                                        <p:tav tm="0">
+                                          <p:val>
+                                            <p:strVal val="#ppt_x"/>
+                                          </p:val>
+                                        </p:tav>
+                                        <p:tav tm="100000">
+                                          <p:val>
+                                            <p:strVal val="#ppt_x"/>
+                                          </p:val>
+                                        </p:tav>
+                                      </p:tavLst>
+                                    </p:anim>
+                                    <p:anim calcmode="lin" valueType="num">
+                                      <p:cBhvr>
+                                        <p:cTn id="25" dur="1000" fill="hold"/>
+                                        <p:tgtEl>
+                                          <p:spTgt spid="7">
+                                            <p:txEl>
+                                              <p:pRg st="2" end="2"/>
+                                            </p:txEl>
+                                          </p:spTgt>
+                                        </p:tgtEl>
+                                        <p:attrNameLst>
+                                          <p:attrName>ppt_y</p:attrName>
+                                        </p:attrNameLst>
+                                      </p:cBhvr>
+                                      <p:tavLst>
+                                        <p:tav tm="0">
+                                          <p:val>
+                                            <p:strVal val="#ppt_y+.1"/>
+                                          </p:val>
+                                        </p:tav>
+                                        <p:tav tm="100000">
+                                          <p:val>
+                                            <p:strVal val="#ppt_y"/>
+                                          </p:val>
+                                        </p:tav>
+                                      </p:tavLst>
+                                    </p:anim>
+                                  </p:childTnLst>
+                                </p:cTn>
+                              </p:par>
+                              <p:par>
+                                <p:cTn id="26" presetID="42" presetClass="entr" presetSubtype="0" fill="hold" grpId="0" nodeType="withEffect">
+                                  <p:stCondLst>
+                                    <p:cond delay="0"/>
+                                  </p:stCondLst>
+                                  <p:childTnLst>
+                                    <p:set>
+                                      <p:cBhvr>
+                                        <p:cTn id="27" dur="1" fill="hold">
+                                          <p:stCondLst>
+                                            <p:cond delay="0"/>
+                                          </p:stCondLst>
+                                        </p:cTn>
+                                        <p:tgtEl>
+                                          <p:spTgt spid="7">
+                                            <p:txEl>
+                                              <p:pRg st="3" end="3"/>
+                                            </p:txEl>
+                                          </p:spTgt>
+                                        </p:tgtEl>
+                                        <p:attrNameLst>
+                                          <p:attrName>style.visibility</p:attrName>
+                                        </p:attrNameLst>
+                                      </p:cBhvr>
+                                      <p:to>
+                                        <p:strVal val="visible"/>
+                                      </p:to>
+                                    </p:set>
+                                    <p:animEffect transition="in" filter="fade">
+                                      <p:cBhvr>
+                                        <p:cTn id="28" dur="1000"/>
+                                        <p:tgtEl>
+                                          <p:spTgt spid="7">
+                                            <p:txEl>
+                                              <p:pRg st="3" end="3"/>
+                                            </p:txEl>
+                                          </p:spTgt>
+                                        </p:tgtEl>
+                                      </p:cBhvr>
+                                    </p:animEffect>
+                                    <p:anim calcmode="lin" valueType="num">
+                                      <p:cBhvr>
+                                        <p:cTn id="29" dur="1000" fill="hold"/>
+                                        <p:tgtEl>
+                                          <p:spTgt spid="7">
+                                            <p:txEl>
+                                              <p:pRg st="3" end="3"/>
+                                            </p:txEl>
+                                          </p:spTgt>
+                                        </p:tgtEl>
+                                        <p:attrNameLst>
+                                          <p:attrName>ppt_x</p:attrName>
+                                        </p:attrNameLst>
+                                      </p:cBhvr>
+                                      <p:tavLst>
+                                        <p:tav tm="0">
+                                          <p:val>
+                                            <p:strVal val="#ppt_x"/>
+                                          </p:val>
+                                        </p:tav>
+                                        <p:tav tm="100000">
+                                          <p:val>
+                                            <p:strVal val="#ppt_x"/>
+                                          </p:val>
+                                        </p:tav>
+                                      </p:tavLst>
+                                    </p:anim>
+                                    <p:anim calcmode="lin" valueType="num">
+                                      <p:cBhvr>
+                                        <p:cTn id="30" dur="1000" fill="hold"/>
+                                        <p:tgtEl>
+                                          <p:spTgt spid="7">
+                                            <p:txEl>
+                                              <p:pRg st="3" end="3"/>
+                                            </p:txEl>
+                                          </p:spTgt>
+                                        </p:tgtEl>
+                                        <p:attrNameLst>
+                                          <p:attrName>ppt_y</p:attrName>
+                                        </p:attrNameLst>
+                                      </p:cBhvr>
+                                      <p:tavLst>
+                                        <p:tav tm="0">
+                                          <p:val>
+                                            <p:strVal val="#ppt_y+.1"/>
+                                          </p:val>
+                                        </p:tav>
+                                        <p:tav tm="100000">
+                                          <p:val>
+                                            <p:strVal val="#ppt_y"/>
+                                          </p:val>
+                                        </p:tav>
+                                      </p:tavLst>
+                                    </p:anim>
+                                  </p:childTnLst>
+                                </p:cTn>
+                              </p:par>
+                              <p:par>
+                                <p:cTn id="31" presetID="42" presetClass="entr" presetSubtype="0" fill="hold" grpId="0" nodeType="withEffect">
+                                  <p:stCondLst>
+                                    <p:cond delay="0"/>
+                                  </p:stCondLst>
+                                  <p:childTnLst>
+                                    <p:set>
+                                      <p:cBhvr>
+                                        <p:cTn id="32" dur="1" fill="hold">
+                                          <p:stCondLst>
+                                            <p:cond delay="0"/>
+                                          </p:stCondLst>
+                                        </p:cTn>
+                                        <p:tgtEl>
+                                          <p:spTgt spid="7">
+                                            <p:txEl>
+                                              <p:pRg st="4" end="4"/>
+                                            </p:txEl>
+                                          </p:spTgt>
+                                        </p:tgtEl>
+                                        <p:attrNameLst>
+                                          <p:attrName>style.visibility</p:attrName>
+                                        </p:attrNameLst>
+                                      </p:cBhvr>
+                                      <p:to>
+                                        <p:strVal val="visible"/>
+                                      </p:to>
+                                    </p:set>
+                                    <p:animEffect transition="in" filter="fade">
+                                      <p:cBhvr>
+                                        <p:cTn id="33" dur="1000"/>
+                                        <p:tgtEl>
+                                          <p:spTgt spid="7">
+                                            <p:txEl>
+                                              <p:pRg st="4" end="4"/>
+                                            </p:txEl>
+                                          </p:spTgt>
+                                        </p:tgtEl>
+                                      </p:cBhvr>
+                                    </p:animEffect>
+                                    <p:anim calcmode="lin" valueType="num">
+                                      <p:cBhvr>
+                                        <p:cTn id="34" dur="1000" fill="hold"/>
+                                        <p:tgtEl>
+                                          <p:spTgt spid="7">
+                                            <p:txEl>
+                                              <p:pRg st="4" end="4"/>
+                                            </p:txEl>
+                                          </p:spTgt>
+                                        </p:tgtEl>
+                                        <p:attrNameLst>
+                                          <p:attrName>ppt_x</p:attrName>
+                                        </p:attrNameLst>
+                                      </p:cBhvr>
+                                      <p:tavLst>
+                                        <p:tav tm="0">
+                                          <p:val>
+                                            <p:strVal val="#ppt_x"/>
+                                          </p:val>
+                                        </p:tav>
+                                        <p:tav tm="100000">
+                                          <p:val>
+                                            <p:strVal val="#ppt_x"/>
+                                          </p:val>
+                                        </p:tav>
+                                      </p:tavLst>
+                                    </p:anim>
+                                    <p:anim calcmode="lin" valueType="num">
+                                      <p:cBhvr>
+                                        <p:cTn id="35" dur="1000" fill="hold"/>
+                                        <p:tgtEl>
+                                          <p:spTgt spid="7">
+                                            <p:txEl>
+                                              <p:pRg st="4" end="4"/>
+                                            </p:txEl>
+                                          </p:spTgt>
+                                        </p:tgtEl>
+                                        <p:attrNameLst>
+                                          <p:attrName>ppt_y</p:attrName>
+                                        </p:attrNameLst>
+                                      </p:cBhvr>
+                                      <p:tavLst>
+                                        <p:tav tm="0">
+                                          <p:val>
+                                            <p:strVal val="#ppt_y+.1"/>
+                                          </p:val>
+                                        </p:tav>
+                                        <p:tav tm="100000">
+                                          <p:val>
+                                            <p:strVal val="#ppt_y"/>
+                                          </p:val>
+                                        </p:tav>
+                                      </p:tavLst>
+                                    </p:anim>
+                                  </p:childTnLst>
+                                </p:cTn>
+                              </p:par>
+                              <p:par>
+                                <p:cTn id="36" presetID="42" presetClass="entr" presetSubtype="0" fill="hold" grpId="0" nodeType="withEffect">
+                                  <p:stCondLst>
+                                    <p:cond delay="0"/>
+                                  </p:stCondLst>
+                                  <p:childTnLst>
+                                    <p:set>
+                                      <p:cBhvr>
+                                        <p:cTn id="37" dur="1" fill="hold">
+                                          <p:stCondLst>
+                                            <p:cond delay="0"/>
+                                          </p:stCondLst>
+                                        </p:cTn>
+                                        <p:tgtEl>
+                                          <p:spTgt spid="7">
+                                            <p:txEl>
+                                              <p:pRg st="5" end="5"/>
+                                            </p:txEl>
+                                          </p:spTgt>
+                                        </p:tgtEl>
+                                        <p:attrNameLst>
+                                          <p:attrName>style.visibility</p:attrName>
+                                        </p:attrNameLst>
+                                      </p:cBhvr>
+                                      <p:to>
+                                        <p:strVal val="visible"/>
+                                      </p:to>
+                                    </p:set>
+                                    <p:animEffect transition="in" filter="fade">
+                                      <p:cBhvr>
+                                        <p:cTn id="38" dur="1000"/>
+                                        <p:tgtEl>
+                                          <p:spTgt spid="7">
+                                            <p:txEl>
+                                              <p:pRg st="5" end="5"/>
+                                            </p:txEl>
+                                          </p:spTgt>
+                                        </p:tgtEl>
+                                      </p:cBhvr>
+                                    </p:animEffect>
+                                    <p:anim calcmode="lin" valueType="num">
+                                      <p:cBhvr>
+                                        <p:cTn id="39" dur="1000" fill="hold"/>
+                                        <p:tgtEl>
+                                          <p:spTgt spid="7">
+                                            <p:txEl>
+                                              <p:pRg st="5" end="5"/>
+                                            </p:txEl>
+                                          </p:spTgt>
+                                        </p:tgtEl>
+                                        <p:attrNameLst>
+                                          <p:attrName>ppt_x</p:attrName>
+                                        </p:attrNameLst>
+                                      </p:cBhvr>
+                                      <p:tavLst>
+                                        <p:tav tm="0">
+                                          <p:val>
+                                            <p:strVal val="#ppt_x"/>
+                                          </p:val>
+                                        </p:tav>
+                                        <p:tav tm="100000">
+                                          <p:val>
+                                            <p:strVal val="#ppt_x"/>
+                                          </p:val>
+                                        </p:tav>
+                                      </p:tavLst>
+                                    </p:anim>
+                                    <p:anim calcmode="lin" valueType="num">
+                                      <p:cBhvr>
+                                        <p:cTn id="40" dur="1000" fill="hold"/>
+                                        <p:tgtEl>
+                                          <p:spTgt spid="7">
+                                            <p:txEl>
+                                              <p:pRg st="5" end="5"/>
+                                            </p:txEl>
+                                          </p:spTgt>
+                                        </p:tgtEl>
+                                        <p:attrNameLst>
+                                          <p:attrName>ppt_y</p:attrName>
+                                        </p:attrNameLst>
+                                      </p:cBhvr>
+                                      <p:tavLst>
+                                        <p:tav tm="0">
+                                          <p:val>
+                                            <p:strVal val="#ppt_y+.1"/>
+                                          </p:val>
+                                        </p:tav>
+                                        <p:tav tm="100000">
+                                          <p:val>
+                                            <p:strVal val="#ppt_y"/>
+                                          </p:val>
+                                        </p:tav>
+                                      </p:tavLst>
+                                    </p:anim>
+                                  </p:childTnLst>
+                                </p:cTn>
+                              </p:par>
+                              <p:par>
+                                <p:cTn id="41" presetID="42" presetClass="entr" presetSubtype="0" fill="hold" grpId="0" nodeType="withEffect">
+                                  <p:stCondLst>
+                                    <p:cond delay="0"/>
+                                  </p:stCondLst>
+                                  <p:childTnLst>
+                                    <p:set>
+                                      <p:cBhvr>
+                                        <p:cTn id="42" dur="1" fill="hold">
+                                          <p:stCondLst>
+                                            <p:cond delay="0"/>
+                                          </p:stCondLst>
+                                        </p:cTn>
+                                        <p:tgtEl>
+                                          <p:spTgt spid="7">
+                                            <p:txEl>
+                                              <p:pRg st="6" end="6"/>
+                                            </p:txEl>
+                                          </p:spTgt>
+                                        </p:tgtEl>
+                                        <p:attrNameLst>
+                                          <p:attrName>style.visibility</p:attrName>
+                                        </p:attrNameLst>
+                                      </p:cBhvr>
+                                      <p:to>
+                                        <p:strVal val="visible"/>
+                                      </p:to>
+                                    </p:set>
+                                    <p:animEffect transition="in" filter="fade">
+                                      <p:cBhvr>
+                                        <p:cTn id="43" dur="1000"/>
+                                        <p:tgtEl>
+                                          <p:spTgt spid="7">
+                                            <p:txEl>
+                                              <p:pRg st="6" end="6"/>
+                                            </p:txEl>
+                                          </p:spTgt>
+                                        </p:tgtEl>
+                                      </p:cBhvr>
+                                    </p:animEffect>
+                                    <p:anim calcmode="lin" valueType="num">
+                                      <p:cBhvr>
+                                        <p:cTn id="44" dur="1000" fill="hold"/>
+                                        <p:tgtEl>
+                                          <p:spTgt spid="7">
+                                            <p:txEl>
+                                              <p:pRg st="6" end="6"/>
+                                            </p:txEl>
+                                          </p:spTgt>
+                                        </p:tgtEl>
+                                        <p:attrNameLst>
+                                          <p:attrName>ppt_x</p:attrName>
+                                        </p:attrNameLst>
+                                      </p:cBhvr>
+                                      <p:tavLst>
+                                        <p:tav tm="0">
+                                          <p:val>
+                                            <p:strVal val="#ppt_x"/>
+                                          </p:val>
+                                        </p:tav>
+                                        <p:tav tm="100000">
+                                          <p:val>
+                                            <p:strVal val="#ppt_x"/>
+                                          </p:val>
+                                        </p:tav>
+                                      </p:tavLst>
+                                    </p:anim>
+                                    <p:anim calcmode="lin" valueType="num">
+                                      <p:cBhvr>
+                                        <p:cTn id="45" dur="1000" fill="hold"/>
+                                        <p:tgtEl>
+                                          <p:spTgt spid="7">
+                                            <p:txEl>
+                                              <p:pRg st="6" end="6"/>
+                                            </p:txEl>
+                                          </p:spTgt>
+                                        </p:tgtEl>
+                                        <p:attrNameLst>
+                                          <p:attrName>ppt_y</p:attrName>
+                                        </p:attrNameLst>
+                                      </p:cBhvr>
+                                      <p:tavLst>
+                                        <p:tav tm="0">
+                                          <p:val>
+                                            <p:strVal val="#ppt_y+.1"/>
+                                          </p:val>
+                                        </p:tav>
+                                        <p:tav tm="100000">
+                                          <p:val>
+                                            <p:strVal val="#ppt_y"/>
+                                          </p:val>
+                                        </p:tav>
+                                      </p:tavLst>
+                                    </p:anim>
+                                  </p:childTnLst>
+                                </p:cTn>
+                              </p:par>
+                              <p:par>
+                                <p:cTn id="46" presetID="42" presetClass="entr" presetSubtype="0" fill="hold" grpId="0" nodeType="withEffect">
+                                  <p:stCondLst>
+                                    <p:cond delay="0"/>
+                                  </p:stCondLst>
+                                  <p:childTnLst>
+                                    <p:set>
+                                      <p:cBhvr>
+                                        <p:cTn id="47" dur="1" fill="hold">
+                                          <p:stCondLst>
+                                            <p:cond delay="0"/>
+                                          </p:stCondLst>
+                                        </p:cTn>
+                                        <p:tgtEl>
+                                          <p:spTgt spid="7">
+                                            <p:txEl>
+                                              <p:pRg st="7" end="7"/>
+                                            </p:txEl>
+                                          </p:spTgt>
+                                        </p:tgtEl>
+                                        <p:attrNameLst>
+                                          <p:attrName>style.visibility</p:attrName>
+                                        </p:attrNameLst>
+                                      </p:cBhvr>
+                                      <p:to>
+                                        <p:strVal val="visible"/>
+                                      </p:to>
+                                    </p:set>
+                                    <p:animEffect transition="in" filter="fade">
+                                      <p:cBhvr>
+                                        <p:cTn id="48" dur="1000"/>
+                                        <p:tgtEl>
+                                          <p:spTgt spid="7">
+                                            <p:txEl>
+                                              <p:pRg st="7" end="7"/>
+                                            </p:txEl>
+                                          </p:spTgt>
+                                        </p:tgtEl>
+                                      </p:cBhvr>
+                                    </p:animEffect>
+                                    <p:anim calcmode="lin" valueType="num">
+                                      <p:cBhvr>
+                                        <p:cTn id="49" dur="1000" fill="hold"/>
+                                        <p:tgtEl>
+                                          <p:spTgt spid="7">
+                                            <p:txEl>
+                                              <p:pRg st="7" end="7"/>
+                                            </p:txEl>
+                                          </p:spTgt>
+                                        </p:tgtEl>
+                                        <p:attrNameLst>
+                                          <p:attrName>ppt_x</p:attrName>
+                                        </p:attrNameLst>
+                                      </p:cBhvr>
+                                      <p:tavLst>
+                                        <p:tav tm="0">
+                                          <p:val>
+                                            <p:strVal val="#ppt_x"/>
+                                          </p:val>
+                                        </p:tav>
+                                        <p:tav tm="100000">
+                                          <p:val>
+                                            <p:strVal val="#ppt_x"/>
+                                          </p:val>
+                                        </p:tav>
+                                      </p:tavLst>
+                                    </p:anim>
+                                    <p:anim calcmode="lin" valueType="num">
+                                      <p:cBhvr>
+                                        <p:cTn id="50" dur="1000" fill="hold"/>
+                                        <p:tgtEl>
+                                          <p:spTgt spid="7">
+                                            <p:txEl>
+                                              <p:pRg st="7" end="7"/>
+                                            </p:txEl>
+                                          </p:spTgt>
+                                        </p:tgtEl>
+                                        <p:attrNameLst>
+                                          <p:attrName>ppt_y</p:attrName>
+                                        </p:attrNameLst>
+                                      </p:cBhvr>
+                                      <p:tavLst>
+                                        <p:tav tm="0">
+                                          <p:val>
+                                            <p:strVal val="#ppt_y+.1"/>
+                                          </p:val>
+                                        </p:tav>
+                                        <p:tav tm="100000">
+                                          <p:val>
+                                            <p:strVal val="#ppt_y"/>
+                                          </p:val>
+                                        </p:tav>
+                                      </p:tavLst>
+                                    </p:anim>
+                                  </p:childTnLst>
+                                </p:cTn>
+                              </p:par>
+                              <p:par>
+                                <p:cTn id="51" presetID="42" presetClass="entr" presetSubtype="0" fill="hold" grpId="0" nodeType="withEffect">
+                                  <p:stCondLst>
+                                    <p:cond delay="0"/>
+                                  </p:stCondLst>
+                                  <p:childTnLst>
+                                    <p:set>
+                                      <p:cBhvr>
+                                        <p:cTn id="52" dur="1" fill="hold">
+                                          <p:stCondLst>
+                                            <p:cond delay="0"/>
+                                          </p:stCondLst>
+                                        </p:cTn>
+                                        <p:tgtEl>
+                                          <p:spTgt spid="7">
+                                            <p:txEl>
+                                              <p:pRg st="8" end="8"/>
+                                            </p:txEl>
+                                          </p:spTgt>
+                                        </p:tgtEl>
+                                        <p:attrNameLst>
+                                          <p:attrName>style.visibility</p:attrName>
+                                        </p:attrNameLst>
+                                      </p:cBhvr>
+                                      <p:to>
+                                        <p:strVal val="visible"/>
+                                      </p:to>
+                                    </p:set>
+                                    <p:animEffect transition="in" filter="fade">
+                                      <p:cBhvr>
+                                        <p:cTn id="53" dur="1000"/>
+                                        <p:tgtEl>
+                                          <p:spTgt spid="7">
+                                            <p:txEl>
+                                              <p:pRg st="8" end="8"/>
+                                            </p:txEl>
+                                          </p:spTgt>
+                                        </p:tgtEl>
+                                      </p:cBhvr>
+                                    </p:animEffect>
+                                    <p:anim calcmode="lin" valueType="num">
+                                      <p:cBhvr>
+                                        <p:cTn id="54" dur="1000" fill="hold"/>
+                                        <p:tgtEl>
+                                          <p:spTgt spid="7">
+                                            <p:txEl>
+                                              <p:pRg st="8" end="8"/>
+                                            </p:txEl>
+                                          </p:spTgt>
+                                        </p:tgtEl>
+                                        <p:attrNameLst>
+                                          <p:attrName>ppt_x</p:attrName>
+                                        </p:attrNameLst>
+                                      </p:cBhvr>
+                                      <p:tavLst>
+                                        <p:tav tm="0">
+                                          <p:val>
+                                            <p:strVal val="#ppt_x"/>
+                                          </p:val>
+                                        </p:tav>
+                                        <p:tav tm="100000">
+                                          <p:val>
+                                            <p:strVal val="#ppt_x"/>
+                                          </p:val>
+                                        </p:tav>
+                                      </p:tavLst>
+                                    </p:anim>
+                                    <p:anim calcmode="lin" valueType="num">
+                                      <p:cBhvr>
+                                        <p:cTn id="55" dur="1000" fill="hold"/>
+                                        <p:tgtEl>
+                                          <p:spTgt spid="7">
+                                            <p:txEl>
+                                              <p:pRg st="8" end="8"/>
+                                            </p:txEl>
+                                          </p:spTgt>
+                                        </p:tgtEl>
+                                        <p:attrNameLst>
+                                          <p:attrName>ppt_y</p:attrName>
+                                        </p:attrNameLst>
+                                      </p:cBhvr>
+                                      <p:tavLst>
+                                        <p:tav tm="0">
+                                          <p:val>
+                                            <p:strVal val="#ppt_y+.1"/>
+                                          </p:val>
+                                        </p:tav>
+                                        <p:tav tm="100000">
+                                          <p:val>
+                                            <p:strVal val="#ppt_y"/>
+                                          </p:val>
+                                        </p:tav>
+                                      </p:tavLst>
+                                    </p:anim>
+                                  </p:childTnLst>
+                                </p:cTn>
+                              </p:par>
+                              <p:par>
+                                <p:cTn id="56" presetID="42" presetClass="entr" presetSubtype="0" fill="hold" grpId="0" nodeType="withEffect">
+                                  <p:stCondLst>
+                                    <p:cond delay="0"/>
+                                  </p:stCondLst>
+                                  <p:childTnLst>
+                                    <p:set>
+                                      <p:cBhvr>
+                                        <p:cTn id="57" dur="1" fill="hold">
+                                          <p:stCondLst>
+                                            <p:cond delay="0"/>
+                                          </p:stCondLst>
+                                        </p:cTn>
+                                        <p:tgtEl>
+                                          <p:spTgt spid="7">
+                                            <p:txEl>
+                                              <p:pRg st="9" end="9"/>
+                                            </p:txEl>
+                                          </p:spTgt>
+                                        </p:tgtEl>
+                                        <p:attrNameLst>
+                                          <p:attrName>style.visibility</p:attrName>
+                                        </p:attrNameLst>
+                                      </p:cBhvr>
+                                      <p:to>
+                                        <p:strVal val="visible"/>
+                                      </p:to>
+                                    </p:set>
+                                    <p:animEffect transition="in" filter="fade">
+                                      <p:cBhvr>
+                                        <p:cTn id="58" dur="1000"/>
+                                        <p:tgtEl>
+                                          <p:spTgt spid="7">
+                                            <p:txEl>
+                                              <p:pRg st="9" end="9"/>
+                                            </p:txEl>
+                                          </p:spTgt>
+                                        </p:tgtEl>
+                                      </p:cBhvr>
+                                    </p:animEffect>
+                                    <p:anim calcmode="lin" valueType="num">
+                                      <p:cBhvr>
+                                        <p:cTn id="59" dur="1000" fill="hold"/>
+                                        <p:tgtEl>
+                                          <p:spTgt spid="7">
+                                            <p:txEl>
+                                              <p:pRg st="9" end="9"/>
+                                            </p:txEl>
+                                          </p:spTgt>
+                                        </p:tgtEl>
+                                        <p:attrNameLst>
+                                          <p:attrName>ppt_x</p:attrName>
+                                        </p:attrNameLst>
+                                      </p:cBhvr>
+                                      <p:tavLst>
+                                        <p:tav tm="0">
+                                          <p:val>
+                                            <p:strVal val="#ppt_x"/>
+                                          </p:val>
+                                        </p:tav>
+                                        <p:tav tm="100000">
+                                          <p:val>
+                                            <p:strVal val="#ppt_x"/>
+                                          </p:val>
+                                        </p:tav>
+                                      </p:tavLst>
+                                    </p:anim>
+                                    <p:anim calcmode="lin" valueType="num">
+                                      <p:cBhvr>
+                                        <p:cTn id="60" dur="1000" fill="hold"/>
+                                        <p:tgtEl>
+                                          <p:spTgt spid="7">
+                                            <p:txEl>
+                                              <p:pRg st="9" end="9"/>
+                                            </p:txEl>
+                                          </p:spTgt>
+                                        </p:tgtEl>
+                                        <p:attrNameLst>
+                                          <p:attrName>ppt_y</p:attrName>
+                                        </p:attrNameLst>
+                                      </p:cBhvr>
+                                      <p:tavLst>
+                                        <p:tav tm="0">
+                                          <p:val>
+                                            <p:strVal val="#ppt_y+.1"/>
+                                          </p:val>
+                                        </p:tav>
+                                        <p:tav tm="100000">
+                                          <p:val>
+                                            <p:strVal val="#ppt_y"/>
+                                          </p:val>
+                                        </p:tav>
+                                      </p:tavLst>
+                                    </p:anim>
+                                  </p:childTnLst>
+                                </p:cTn>
+                              </p:par>
+                              <p:par>
+                                <p:cTn id="61" presetID="42" presetClass="entr" presetSubtype="0" fill="hold" grpId="0" nodeType="withEffect">
+                                  <p:stCondLst>
+                                    <p:cond delay="0"/>
+                                  </p:stCondLst>
+                                  <p:childTnLst>
+                                    <p:set>
+                                      <p:cBhvr>
+                                        <p:cTn id="62" dur="1" fill="hold">
+                                          <p:stCondLst>
+                                            <p:cond delay="0"/>
+                                          </p:stCondLst>
+                                        </p:cTn>
+                                        <p:tgtEl>
+                                          <p:spTgt spid="7">
+                                            <p:txEl>
+                                              <p:pRg st="10" end="10"/>
+                                            </p:txEl>
+                                          </p:spTgt>
+                                        </p:tgtEl>
+                                        <p:attrNameLst>
+                                          <p:attrName>style.visibility</p:attrName>
+                                        </p:attrNameLst>
+                                      </p:cBhvr>
+                                      <p:to>
+                                        <p:strVal val="visible"/>
+                                      </p:to>
+                                    </p:set>
+                                    <p:animEffect transition="in" filter="fade">
+                                      <p:cBhvr>
+                                        <p:cTn id="63" dur="1000"/>
+                                        <p:tgtEl>
+                                          <p:spTgt spid="7">
+                                            <p:txEl>
+                                              <p:pRg st="10" end="10"/>
+                                            </p:txEl>
+                                          </p:spTgt>
+                                        </p:tgtEl>
+                                      </p:cBhvr>
+                                    </p:animEffect>
+                                    <p:anim calcmode="lin" valueType="num">
+                                      <p:cBhvr>
+                                        <p:cTn id="64" dur="1000" fill="hold"/>
+                                        <p:tgtEl>
+                                          <p:spTgt spid="7">
+                                            <p:txEl>
+                                              <p:pRg st="10" end="10"/>
+                                            </p:txEl>
+                                          </p:spTgt>
+                                        </p:tgtEl>
+                                        <p:attrNameLst>
+                                          <p:attrName>ppt_x</p:attrName>
+                                        </p:attrNameLst>
+                                      </p:cBhvr>
+                                      <p:tavLst>
+                                        <p:tav tm="0">
+                                          <p:val>
+                                            <p:strVal val="#ppt_x"/>
+                                          </p:val>
+                                        </p:tav>
+                                        <p:tav tm="100000">
+                                          <p:val>
+                                            <p:strVal val="#ppt_x"/>
+                                          </p:val>
+                                        </p:tav>
+                                      </p:tavLst>
+                                    </p:anim>
+                                    <p:anim calcmode="lin" valueType="num">
+                                      <p:cBhvr>
+                                        <p:cTn id="65" dur="1000" fill="hold"/>
+                                        <p:tgtEl>
+                                          <p:spTgt spid="7">
+                                            <p:txEl>
+                                              <p:pRg st="10" end="10"/>
+                                            </p:txEl>
+                                          </p:spTgt>
+                                        </p:tgtEl>
+                                        <p:attrNameLst>
+                                          <p:attrName>ppt_y</p:attrName>
+                                        </p:attrNameLst>
+                                      </p:cBhvr>
+                                      <p:tavLst>
+                                        <p:tav tm="0">
+                                          <p:val>
+                                            <p:strVal val="#ppt_y+.1"/>
+                                          </p:val>
+                                        </p:tav>
+                                        <p:tav tm="100000">
+                                          <p:val>
+                                            <p:strVal val="#ppt_y"/>
+                                          </p:val>
+                                        </p:tav>
+                                      </p:tavLst>
+                                    </p:anim>
+                                  </p:childTnLst>
+                                </p:cTn>
+                              </p:par>
+                              <p:par>
+                                <p:cTn id="66" presetID="42" presetClass="entr" presetSubtype="0" fill="hold" grpId="0" nodeType="withEffect">
+                                  <p:stCondLst>
+                                    <p:cond delay="0"/>
+                                  </p:stCondLst>
+                                  <p:childTnLst>
+                                    <p:set>
+                                      <p:cBhvr>
+                                        <p:cTn id="67" dur="1" fill="hold">
+                                          <p:stCondLst>
+                                            <p:cond delay="0"/>
+                                          </p:stCondLst>
+                                        </p:cTn>
+                                        <p:tgtEl>
+                                          <p:spTgt spid="7">
+                                            <p:txEl>
+                                              <p:pRg st="11" end="11"/>
+                                            </p:txEl>
+                                          </p:spTgt>
+                                        </p:tgtEl>
+                                        <p:attrNameLst>
+                                          <p:attrName>style.visibility</p:attrName>
+                                        </p:attrNameLst>
+                                      </p:cBhvr>
+                                      <p:to>
+                                        <p:strVal val="visible"/>
+                                      </p:to>
+                                    </p:set>
+                                    <p:animEffect transition="in" filter="fade">
+                                      <p:cBhvr>
+                                        <p:cTn id="68" dur="1000"/>
+                                        <p:tgtEl>
+                                          <p:spTgt spid="7">
+                                            <p:txEl>
+                                              <p:pRg st="11" end="11"/>
+                                            </p:txEl>
+                                          </p:spTgt>
+                                        </p:tgtEl>
+                                      </p:cBhvr>
+                                    </p:animEffect>
+                                    <p:anim calcmode="lin" valueType="num">
+                                      <p:cBhvr>
+                                        <p:cTn id="69" dur="1000" fill="hold"/>
+                                        <p:tgtEl>
+                                          <p:spTgt spid="7">
+                                            <p:txEl>
+                                              <p:pRg st="11" end="11"/>
+                                            </p:txEl>
+                                          </p:spTgt>
+                                        </p:tgtEl>
+                                        <p:attrNameLst>
+                                          <p:attrName>ppt_x</p:attrName>
+                                        </p:attrNameLst>
+                                      </p:cBhvr>
+                                      <p:tavLst>
+                                        <p:tav tm="0">
+                                          <p:val>
+                                            <p:strVal val="#ppt_x"/>
+                                          </p:val>
+                                        </p:tav>
+                                        <p:tav tm="100000">
+                                          <p:val>
+                                            <p:strVal val="#ppt_x"/>
+                                          </p:val>
+                                        </p:tav>
+                                      </p:tavLst>
+                                    </p:anim>
+                                    <p:anim calcmode="lin" valueType="num">
+                                      <p:cBhvr>
+                                        <p:cTn id="70" dur="1000" fill="hold"/>
+                                        <p:tgtEl>
+                                          <p:spTgt spid="7">
+                                            <p:txEl>
+                                              <p:pRg st="11" end="11"/>
+                                            </p:txEl>
+                                          </p:spTgt>
+                                        </p:tgtEl>
+                                        <p:attrNameLst>
+                                          <p:attrName>ppt_y</p:attrName>
+                                        </p:attrNameLst>
+                                      </p:cBhvr>
+                                      <p:tavLst>
+                                        <p:tav tm="0">
+                                          <p:val>
+                                            <p:strVal val="#ppt_y+.1"/>
+                                          </p:val>
+                                        </p:tav>
+                                        <p:tav tm="100000">
+                                          <p:val>
+                                            <p:strVal val="#ppt_y"/>
+                                          </p:val>
+                                        </p:tav>
+                                      </p:tavLst>
+                                    </p:anim>
+                                  </p:childTnLst>
+                                </p:cTn>
+                              </p:par>
+                              <p:par>
+                                <p:cTn id="71" presetID="42" presetClass="entr" presetSubtype="0" fill="hold" grpId="0" nodeType="withEffect">
+                                  <p:stCondLst>
+                                    <p:cond delay="0"/>
+                                  </p:stCondLst>
+                                  <p:childTnLst>
+                                    <p:set>
+                                      <p:cBhvr>
+                                        <p:cTn id="72" dur="1" fill="hold">
+                                          <p:stCondLst>
+                                            <p:cond delay="0"/>
+                                          </p:stCondLst>
+                                        </p:cTn>
+                                        <p:tgtEl>
+                                          <p:spTgt spid="7">
+                                            <p:txEl>
+                                              <p:pRg st="12" end="12"/>
+                                            </p:txEl>
+                                          </p:spTgt>
+                                        </p:tgtEl>
+                                        <p:attrNameLst>
+                                          <p:attrName>style.visibility</p:attrName>
+                                        </p:attrNameLst>
+                                      </p:cBhvr>
+                                      <p:to>
+                                        <p:strVal val="visible"/>
+                                      </p:to>
+                                    </p:set>
+                                    <p:animEffect transition="in" filter="fade">
+                                      <p:cBhvr>
+                                        <p:cTn id="73" dur="1000"/>
+                                        <p:tgtEl>
+                                          <p:spTgt spid="7">
+                                            <p:txEl>
+                                              <p:pRg st="12" end="12"/>
+                                            </p:txEl>
+                                          </p:spTgt>
+                                        </p:tgtEl>
+                                      </p:cBhvr>
+                                    </p:animEffect>
+                                    <p:anim calcmode="lin" valueType="num">
+                                      <p:cBhvr>
+                                        <p:cTn id="74" dur="1000" fill="hold"/>
+                                        <p:tgtEl>
+                                          <p:spTgt spid="7">
+                                            <p:txEl>
+                                              <p:pRg st="12" end="12"/>
+                                            </p:txEl>
+                                          </p:spTgt>
+                                        </p:tgtEl>
+                                        <p:attrNameLst>
+                                          <p:attrName>ppt_x</p:attrName>
+                                        </p:attrNameLst>
+                                      </p:cBhvr>
+                                      <p:tavLst>
+                                        <p:tav tm="0">
+                                          <p:val>
+                                            <p:strVal val="#ppt_x"/>
+                                          </p:val>
+                                        </p:tav>
+                                        <p:tav tm="100000">
+                                          <p:val>
+                                            <p:strVal val="#ppt_x"/>
+                                          </p:val>
+                                        </p:tav>
+                                      </p:tavLst>
+                                    </p:anim>
+                                    <p:anim calcmode="lin" valueType="num">
+                                      <p:cBhvr>
+                                        <p:cTn id="75" dur="1000" fill="hold"/>
+                                        <p:tgtEl>
+                                          <p:spTgt spid="7">
+                                            <p:txEl>
+                                              <p:pRg st="12" end="12"/>
+                                            </p:txEl>
+                                          </p:spTgt>
+                                        </p:tgtEl>
+                                        <p:attrNameLst>
+                                          <p:attrName>ppt_y</p:attrName>
+                                        </p:attrNameLst>
+                                      </p:cBhvr>
+                                      <p:tavLst>
+                                        <p:tav tm="0">
+                                          <p:val>
+                                            <p:strVal val="#ppt_y+.1"/>
+                                          </p:val>
+                                        </p:tav>
+                                        <p:tav tm="100000">
+                                          <p:val>
+                                            <p:strVal val="#ppt_y"/>
+                                          </p:val>
+                                        </p:tav>
+                                      </p:tavLst>
+                                    </p:anim>
+                                  </p:childTnLst>
+                                </p:cTn>
+                              </p:par>
+                              <p:par>
+                                <p:cTn id="76" presetID="42" presetClass="entr" presetSubtype="0" fill="hold" grpId="0" nodeType="withEffect">
+                                  <p:stCondLst>
+                                    <p:cond delay="0"/>
+                                  </p:stCondLst>
+                                  <p:childTnLst>
+                                    <p:set>
+                                      <p:cBhvr>
+                                        <p:cTn id="77" dur="1" fill="hold">
+                                          <p:stCondLst>
+                                            <p:cond delay="0"/>
+                                          </p:stCondLst>
+                                        </p:cTn>
+                                        <p:tgtEl>
+                                          <p:spTgt spid="7">
+                                            <p:txEl>
+                                              <p:pRg st="13" end="13"/>
+                                            </p:txEl>
+                                          </p:spTgt>
+                                        </p:tgtEl>
+                                        <p:attrNameLst>
+                                          <p:attrName>style.visibility</p:attrName>
+                                        </p:attrNameLst>
+                                      </p:cBhvr>
+                                      <p:to>
+                                        <p:strVal val="visible"/>
+                                      </p:to>
+                                    </p:set>
+                                    <p:animEffect transition="in" filter="fade">
+                                      <p:cBhvr>
+                                        <p:cTn id="78" dur="1000"/>
+                                        <p:tgtEl>
+                                          <p:spTgt spid="7">
+                                            <p:txEl>
+                                              <p:pRg st="13" end="13"/>
+                                            </p:txEl>
+                                          </p:spTgt>
+                                        </p:tgtEl>
+                                      </p:cBhvr>
+                                    </p:animEffect>
+                                    <p:anim calcmode="lin" valueType="num">
+                                      <p:cBhvr>
+                                        <p:cTn id="79" dur="1000" fill="hold"/>
+                                        <p:tgtEl>
+                                          <p:spTgt spid="7">
+                                            <p:txEl>
+                                              <p:pRg st="13" end="13"/>
+                                            </p:txEl>
+                                          </p:spTgt>
+                                        </p:tgtEl>
+                                        <p:attrNameLst>
+                                          <p:attrName>ppt_x</p:attrName>
+                                        </p:attrNameLst>
+                                      </p:cBhvr>
+                                      <p:tavLst>
+                                        <p:tav tm="0">
+                                          <p:val>
+                                            <p:strVal val="#ppt_x"/>
+                                          </p:val>
+                                        </p:tav>
+                                        <p:tav tm="100000">
+                                          <p:val>
+                                            <p:strVal val="#ppt_x"/>
+                                          </p:val>
+                                        </p:tav>
+                                      </p:tavLst>
+                                    </p:anim>
+                                    <p:anim calcmode="lin" valueType="num">
+                                      <p:cBhvr>
+                                        <p:cTn id="80" dur="1000" fill="hold"/>
+                                        <p:tgtEl>
+                                          <p:spTgt spid="7">
+                                            <p:txEl>
+                                              <p:pRg st="13" end="13"/>
+                                            </p:txEl>
+                                          </p:spTgt>
+                                        </p:tgtEl>
+                                        <p:attrNameLst>
+                                          <p:attrName>ppt_y</p:attrName>
+                                        </p:attrNameLst>
+                                      </p:cBhvr>
+                                      <p:tavLst>
+                                        <p:tav tm="0">
+                                          <p:val>
+                                            <p:strVal val="#ppt_y+.1"/>
+                                          </p:val>
+                                        </p:tav>
+                                        <p:tav tm="100000">
+                                          <p:val>
+                                            <p:strVal val="#ppt_y"/>
+                                          </p:val>
+                                        </p:tav>
+                                      </p:tavLst>
+                                    </p:anim>
+                                  </p:childTnLst>
+                                </p:cTn>
+                              </p:par>
+                              <p:par>
+                                <p:cTn id="81" presetID="42" presetClass="entr" presetSubtype="0" fill="hold" grpId="0" nodeType="withEffect">
+                                  <p:stCondLst>
+                                    <p:cond delay="0"/>
+                                  </p:stCondLst>
+                                  <p:childTnLst>
+                                    <p:set>
+                                      <p:cBhvr>
+                                        <p:cTn id="82" dur="1" fill="hold">
+                                          <p:stCondLst>
+                                            <p:cond delay="0"/>
+                                          </p:stCondLst>
+                                        </p:cTn>
+                                        <p:tgtEl>
+                                          <p:spTgt spid="7">
+                                            <p:txEl>
+                                              <p:pRg st="14" end="14"/>
+                                            </p:txEl>
+                                          </p:spTgt>
+                                        </p:tgtEl>
+                                        <p:attrNameLst>
+                                          <p:attrName>style.visibility</p:attrName>
+                                        </p:attrNameLst>
+                                      </p:cBhvr>
+                                      <p:to>
+                                        <p:strVal val="visible"/>
+                                      </p:to>
+                                    </p:set>
+                                    <p:animEffect transition="in" filter="fade">
+                                      <p:cBhvr>
+                                        <p:cTn id="83" dur="1000"/>
+                                        <p:tgtEl>
+                                          <p:spTgt spid="7">
+                                            <p:txEl>
+                                              <p:pRg st="14" end="14"/>
+                                            </p:txEl>
+                                          </p:spTgt>
+                                        </p:tgtEl>
+                                      </p:cBhvr>
+                                    </p:animEffect>
+                                    <p:anim calcmode="lin" valueType="num">
+                                      <p:cBhvr>
+                                        <p:cTn id="84" dur="1000" fill="hold"/>
+                                        <p:tgtEl>
+                                          <p:spTgt spid="7">
+                                            <p:txEl>
+                                              <p:pRg st="14" end="14"/>
+                                            </p:txEl>
+                                          </p:spTgt>
+                                        </p:tgtEl>
+                                        <p:attrNameLst>
+                                          <p:attrName>ppt_x</p:attrName>
+                                        </p:attrNameLst>
+                                      </p:cBhvr>
+                                      <p:tavLst>
+                                        <p:tav tm="0">
+                                          <p:val>
+                                            <p:strVal val="#ppt_x"/>
+                                          </p:val>
+                                        </p:tav>
+                                        <p:tav tm="100000">
+                                          <p:val>
+                                            <p:strVal val="#ppt_x"/>
+                                          </p:val>
+                                        </p:tav>
+                                      </p:tavLst>
+                                    </p:anim>
+                                    <p:anim calcmode="lin" valueType="num">
+                                      <p:cBhvr>
+                                        <p:cTn id="85" dur="1000" fill="hold"/>
+                                        <p:tgtEl>
+                                          <p:spTgt spid="7">
+                                            <p:txEl>
+                                              <p:pRg st="14" end="14"/>
+                                            </p:txEl>
+                                          </p:spTgt>
+                                        </p:tgtEl>
+                                        <p:attrNameLst>
+                                          <p:attrName>ppt_y</p:attrName>
+                                        </p:attrNameLst>
+                                      </p:cBhvr>
+                                      <p:tavLst>
+                                        <p:tav tm="0">
+                                          <p:val>
+                                            <p:strVal val="#ppt_y+.1"/>
+                                          </p:val>
+                                        </p:tav>
+                                        <p:tav tm="100000">
+                                          <p:val>
+                                            <p:strVal val="#ppt_y"/>
+                                          </p:val>
+                                        </p:tav>
+                                      </p:tavLst>
+                                    </p:anim>
+                                  </p:childTnLst>
+                                </p:cTn>
+                              </p:par>
+                            </p:childTnLst>
+                          </p:cTn>
+                        </p:par>
+                      </p:childTnLst>
+                    </p:cTn>
+                  </p:par>
                 </p:childTnLst>
               </p:cTn>
               <p:prevCondLst>
@@ -15127,6 +16803,7 @@
     </p:tnLst>
     <p:bldLst>
       <p:bldP spid="2" grpId="0"/>
+      <p:bldP spid="7" grpId="0" build="p"/>
     </p:bldLst>
   </p:timing>
 </p:sld>
@@ -15423,6 +17100,800 @@
                       </p:childTnLst>
                     </p:cTn>
                   </p:par>
+                  <p:par>
+                    <p:cTn id="9" fill="hold">
+                      <p:stCondLst>
+                        <p:cond delay="indefinite"/>
+                      </p:stCondLst>
+                      <p:childTnLst>
+                        <p:par>
+                          <p:cTn id="10" fill="hold">
+                            <p:stCondLst>
+                              <p:cond delay="0"/>
+                            </p:stCondLst>
+                            <p:childTnLst>
+                              <p:par>
+                                <p:cTn id="11" presetID="42" presetClass="entr" presetSubtype="0" fill="hold" grpId="0" nodeType="clickEffect">
+                                  <p:stCondLst>
+                                    <p:cond delay="0"/>
+                                  </p:stCondLst>
+                                  <p:childTnLst>
+                                    <p:set>
+                                      <p:cBhvr>
+                                        <p:cTn id="12" dur="1" fill="hold">
+                                          <p:stCondLst>
+                                            <p:cond delay="0"/>
+                                          </p:stCondLst>
+                                        </p:cTn>
+                                        <p:tgtEl>
+                                          <p:spTgt spid="7">
+                                            <p:txEl>
+                                              <p:pRg st="0" end="0"/>
+                                            </p:txEl>
+                                          </p:spTgt>
+                                        </p:tgtEl>
+                                        <p:attrNameLst>
+                                          <p:attrName>style.visibility</p:attrName>
+                                        </p:attrNameLst>
+                                      </p:cBhvr>
+                                      <p:to>
+                                        <p:strVal val="visible"/>
+                                      </p:to>
+                                    </p:set>
+                                    <p:animEffect transition="in" filter="fade">
+                                      <p:cBhvr>
+                                        <p:cTn id="13" dur="1000"/>
+                                        <p:tgtEl>
+                                          <p:spTgt spid="7">
+                                            <p:txEl>
+                                              <p:pRg st="0" end="0"/>
+                                            </p:txEl>
+                                          </p:spTgt>
+                                        </p:tgtEl>
+                                      </p:cBhvr>
+                                    </p:animEffect>
+                                    <p:anim calcmode="lin" valueType="num">
+                                      <p:cBhvr>
+                                        <p:cTn id="14" dur="1000" fill="hold"/>
+                                        <p:tgtEl>
+                                          <p:spTgt spid="7">
+                                            <p:txEl>
+                                              <p:pRg st="0" end="0"/>
+                                            </p:txEl>
+                                          </p:spTgt>
+                                        </p:tgtEl>
+                                        <p:attrNameLst>
+                                          <p:attrName>ppt_x</p:attrName>
+                                        </p:attrNameLst>
+                                      </p:cBhvr>
+                                      <p:tavLst>
+                                        <p:tav tm="0">
+                                          <p:val>
+                                            <p:strVal val="#ppt_x"/>
+                                          </p:val>
+                                        </p:tav>
+                                        <p:tav tm="100000">
+                                          <p:val>
+                                            <p:strVal val="#ppt_x"/>
+                                          </p:val>
+                                        </p:tav>
+                                      </p:tavLst>
+                                    </p:anim>
+                                    <p:anim calcmode="lin" valueType="num">
+                                      <p:cBhvr>
+                                        <p:cTn id="15" dur="1000" fill="hold"/>
+                                        <p:tgtEl>
+                                          <p:spTgt spid="7">
+                                            <p:txEl>
+                                              <p:pRg st="0" end="0"/>
+                                            </p:txEl>
+                                          </p:spTgt>
+                                        </p:tgtEl>
+                                        <p:attrNameLst>
+                                          <p:attrName>ppt_y</p:attrName>
+                                        </p:attrNameLst>
+                                      </p:cBhvr>
+                                      <p:tavLst>
+                                        <p:tav tm="0">
+                                          <p:val>
+                                            <p:strVal val="#ppt_y+.1"/>
+                                          </p:val>
+                                        </p:tav>
+                                        <p:tav tm="100000">
+                                          <p:val>
+                                            <p:strVal val="#ppt_y"/>
+                                          </p:val>
+                                        </p:tav>
+                                      </p:tavLst>
+                                    </p:anim>
+                                  </p:childTnLst>
+                                </p:cTn>
+                              </p:par>
+                              <p:par>
+                                <p:cTn id="16" presetID="42" presetClass="entr" presetSubtype="0" fill="hold" grpId="0" nodeType="withEffect">
+                                  <p:stCondLst>
+                                    <p:cond delay="0"/>
+                                  </p:stCondLst>
+                                  <p:childTnLst>
+                                    <p:set>
+                                      <p:cBhvr>
+                                        <p:cTn id="17" dur="1" fill="hold">
+                                          <p:stCondLst>
+                                            <p:cond delay="0"/>
+                                          </p:stCondLst>
+                                        </p:cTn>
+                                        <p:tgtEl>
+                                          <p:spTgt spid="7">
+                                            <p:txEl>
+                                              <p:pRg st="1" end="1"/>
+                                            </p:txEl>
+                                          </p:spTgt>
+                                        </p:tgtEl>
+                                        <p:attrNameLst>
+                                          <p:attrName>style.visibility</p:attrName>
+                                        </p:attrNameLst>
+                                      </p:cBhvr>
+                                      <p:to>
+                                        <p:strVal val="visible"/>
+                                      </p:to>
+                                    </p:set>
+                                    <p:animEffect transition="in" filter="fade">
+                                      <p:cBhvr>
+                                        <p:cTn id="18" dur="1000"/>
+                                        <p:tgtEl>
+                                          <p:spTgt spid="7">
+                                            <p:txEl>
+                                              <p:pRg st="1" end="1"/>
+                                            </p:txEl>
+                                          </p:spTgt>
+                                        </p:tgtEl>
+                                      </p:cBhvr>
+                                    </p:animEffect>
+                                    <p:anim calcmode="lin" valueType="num">
+                                      <p:cBhvr>
+                                        <p:cTn id="19" dur="1000" fill="hold"/>
+                                        <p:tgtEl>
+                                          <p:spTgt spid="7">
+                                            <p:txEl>
+                                              <p:pRg st="1" end="1"/>
+                                            </p:txEl>
+                                          </p:spTgt>
+                                        </p:tgtEl>
+                                        <p:attrNameLst>
+                                          <p:attrName>ppt_x</p:attrName>
+                                        </p:attrNameLst>
+                                      </p:cBhvr>
+                                      <p:tavLst>
+                                        <p:tav tm="0">
+                                          <p:val>
+                                            <p:strVal val="#ppt_x"/>
+                                          </p:val>
+                                        </p:tav>
+                                        <p:tav tm="100000">
+                                          <p:val>
+                                            <p:strVal val="#ppt_x"/>
+                                          </p:val>
+                                        </p:tav>
+                                      </p:tavLst>
+                                    </p:anim>
+                                    <p:anim calcmode="lin" valueType="num">
+                                      <p:cBhvr>
+                                        <p:cTn id="20" dur="1000" fill="hold"/>
+                                        <p:tgtEl>
+                                          <p:spTgt spid="7">
+                                            <p:txEl>
+                                              <p:pRg st="1" end="1"/>
+                                            </p:txEl>
+                                          </p:spTgt>
+                                        </p:tgtEl>
+                                        <p:attrNameLst>
+                                          <p:attrName>ppt_y</p:attrName>
+                                        </p:attrNameLst>
+                                      </p:cBhvr>
+                                      <p:tavLst>
+                                        <p:tav tm="0">
+                                          <p:val>
+                                            <p:strVal val="#ppt_y+.1"/>
+                                          </p:val>
+                                        </p:tav>
+                                        <p:tav tm="100000">
+                                          <p:val>
+                                            <p:strVal val="#ppt_y"/>
+                                          </p:val>
+                                        </p:tav>
+                                      </p:tavLst>
+                                    </p:anim>
+                                  </p:childTnLst>
+                                </p:cTn>
+                              </p:par>
+                              <p:par>
+                                <p:cTn id="21" presetID="42" presetClass="entr" presetSubtype="0" fill="hold" grpId="0" nodeType="withEffect">
+                                  <p:stCondLst>
+                                    <p:cond delay="0"/>
+                                  </p:stCondLst>
+                                  <p:childTnLst>
+                                    <p:set>
+                                      <p:cBhvr>
+                                        <p:cTn id="22" dur="1" fill="hold">
+                                          <p:stCondLst>
+                                            <p:cond delay="0"/>
+                                          </p:stCondLst>
+                                        </p:cTn>
+                                        <p:tgtEl>
+                                          <p:spTgt spid="7">
+                                            <p:txEl>
+                                              <p:pRg st="2" end="2"/>
+                                            </p:txEl>
+                                          </p:spTgt>
+                                        </p:tgtEl>
+                                        <p:attrNameLst>
+                                          <p:attrName>style.visibility</p:attrName>
+                                        </p:attrNameLst>
+                                      </p:cBhvr>
+                                      <p:to>
+                                        <p:strVal val="visible"/>
+                                      </p:to>
+                                    </p:set>
+                                    <p:animEffect transition="in" filter="fade">
+                                      <p:cBhvr>
+                                        <p:cTn id="23" dur="1000"/>
+                                        <p:tgtEl>
+                                          <p:spTgt spid="7">
+                                            <p:txEl>
+                                              <p:pRg st="2" end="2"/>
+                                            </p:txEl>
+                                          </p:spTgt>
+                                        </p:tgtEl>
+                                      </p:cBhvr>
+                                    </p:animEffect>
+                                    <p:anim calcmode="lin" valueType="num">
+                                      <p:cBhvr>
+                                        <p:cTn id="24" dur="1000" fill="hold"/>
+                                        <p:tgtEl>
+                                          <p:spTgt spid="7">
+                                            <p:txEl>
+                                              <p:pRg st="2" end="2"/>
+                                            </p:txEl>
+                                          </p:spTgt>
+                                        </p:tgtEl>
+                                        <p:attrNameLst>
+                                          <p:attrName>ppt_x</p:attrName>
+                                        </p:attrNameLst>
+                                      </p:cBhvr>
+                                      <p:tavLst>
+                                        <p:tav tm="0">
+                                          <p:val>
+                                            <p:strVal val="#ppt_x"/>
+                                          </p:val>
+                                        </p:tav>
+                                        <p:tav tm="100000">
+                                          <p:val>
+                                            <p:strVal val="#ppt_x"/>
+                                          </p:val>
+                                        </p:tav>
+                                      </p:tavLst>
+                                    </p:anim>
+                                    <p:anim calcmode="lin" valueType="num">
+                                      <p:cBhvr>
+                                        <p:cTn id="25" dur="1000" fill="hold"/>
+                                        <p:tgtEl>
+                                          <p:spTgt spid="7">
+                                            <p:txEl>
+                                              <p:pRg st="2" end="2"/>
+                                            </p:txEl>
+                                          </p:spTgt>
+                                        </p:tgtEl>
+                                        <p:attrNameLst>
+                                          <p:attrName>ppt_y</p:attrName>
+                                        </p:attrNameLst>
+                                      </p:cBhvr>
+                                      <p:tavLst>
+                                        <p:tav tm="0">
+                                          <p:val>
+                                            <p:strVal val="#ppt_y+.1"/>
+                                          </p:val>
+                                        </p:tav>
+                                        <p:tav tm="100000">
+                                          <p:val>
+                                            <p:strVal val="#ppt_y"/>
+                                          </p:val>
+                                        </p:tav>
+                                      </p:tavLst>
+                                    </p:anim>
+                                  </p:childTnLst>
+                                </p:cTn>
+                              </p:par>
+                              <p:par>
+                                <p:cTn id="26" presetID="42" presetClass="entr" presetSubtype="0" fill="hold" grpId="0" nodeType="withEffect">
+                                  <p:stCondLst>
+                                    <p:cond delay="0"/>
+                                  </p:stCondLst>
+                                  <p:childTnLst>
+                                    <p:set>
+                                      <p:cBhvr>
+                                        <p:cTn id="27" dur="1" fill="hold">
+                                          <p:stCondLst>
+                                            <p:cond delay="0"/>
+                                          </p:stCondLst>
+                                        </p:cTn>
+                                        <p:tgtEl>
+                                          <p:spTgt spid="7">
+                                            <p:txEl>
+                                              <p:pRg st="3" end="3"/>
+                                            </p:txEl>
+                                          </p:spTgt>
+                                        </p:tgtEl>
+                                        <p:attrNameLst>
+                                          <p:attrName>style.visibility</p:attrName>
+                                        </p:attrNameLst>
+                                      </p:cBhvr>
+                                      <p:to>
+                                        <p:strVal val="visible"/>
+                                      </p:to>
+                                    </p:set>
+                                    <p:animEffect transition="in" filter="fade">
+                                      <p:cBhvr>
+                                        <p:cTn id="28" dur="1000"/>
+                                        <p:tgtEl>
+                                          <p:spTgt spid="7">
+                                            <p:txEl>
+                                              <p:pRg st="3" end="3"/>
+                                            </p:txEl>
+                                          </p:spTgt>
+                                        </p:tgtEl>
+                                      </p:cBhvr>
+                                    </p:animEffect>
+                                    <p:anim calcmode="lin" valueType="num">
+                                      <p:cBhvr>
+                                        <p:cTn id="29" dur="1000" fill="hold"/>
+                                        <p:tgtEl>
+                                          <p:spTgt spid="7">
+                                            <p:txEl>
+                                              <p:pRg st="3" end="3"/>
+                                            </p:txEl>
+                                          </p:spTgt>
+                                        </p:tgtEl>
+                                        <p:attrNameLst>
+                                          <p:attrName>ppt_x</p:attrName>
+                                        </p:attrNameLst>
+                                      </p:cBhvr>
+                                      <p:tavLst>
+                                        <p:tav tm="0">
+                                          <p:val>
+                                            <p:strVal val="#ppt_x"/>
+                                          </p:val>
+                                        </p:tav>
+                                        <p:tav tm="100000">
+                                          <p:val>
+                                            <p:strVal val="#ppt_x"/>
+                                          </p:val>
+                                        </p:tav>
+                                      </p:tavLst>
+                                    </p:anim>
+                                    <p:anim calcmode="lin" valueType="num">
+                                      <p:cBhvr>
+                                        <p:cTn id="30" dur="1000" fill="hold"/>
+                                        <p:tgtEl>
+                                          <p:spTgt spid="7">
+                                            <p:txEl>
+                                              <p:pRg st="3" end="3"/>
+                                            </p:txEl>
+                                          </p:spTgt>
+                                        </p:tgtEl>
+                                        <p:attrNameLst>
+                                          <p:attrName>ppt_y</p:attrName>
+                                        </p:attrNameLst>
+                                      </p:cBhvr>
+                                      <p:tavLst>
+                                        <p:tav tm="0">
+                                          <p:val>
+                                            <p:strVal val="#ppt_y+.1"/>
+                                          </p:val>
+                                        </p:tav>
+                                        <p:tav tm="100000">
+                                          <p:val>
+                                            <p:strVal val="#ppt_y"/>
+                                          </p:val>
+                                        </p:tav>
+                                      </p:tavLst>
+                                    </p:anim>
+                                  </p:childTnLst>
+                                </p:cTn>
+                              </p:par>
+                              <p:par>
+                                <p:cTn id="31" presetID="42" presetClass="entr" presetSubtype="0" fill="hold" grpId="0" nodeType="withEffect">
+                                  <p:stCondLst>
+                                    <p:cond delay="0"/>
+                                  </p:stCondLst>
+                                  <p:childTnLst>
+                                    <p:set>
+                                      <p:cBhvr>
+                                        <p:cTn id="32" dur="1" fill="hold">
+                                          <p:stCondLst>
+                                            <p:cond delay="0"/>
+                                          </p:stCondLst>
+                                        </p:cTn>
+                                        <p:tgtEl>
+                                          <p:spTgt spid="7">
+                                            <p:txEl>
+                                              <p:pRg st="4" end="4"/>
+                                            </p:txEl>
+                                          </p:spTgt>
+                                        </p:tgtEl>
+                                        <p:attrNameLst>
+                                          <p:attrName>style.visibility</p:attrName>
+                                        </p:attrNameLst>
+                                      </p:cBhvr>
+                                      <p:to>
+                                        <p:strVal val="visible"/>
+                                      </p:to>
+                                    </p:set>
+                                    <p:animEffect transition="in" filter="fade">
+                                      <p:cBhvr>
+                                        <p:cTn id="33" dur="1000"/>
+                                        <p:tgtEl>
+                                          <p:spTgt spid="7">
+                                            <p:txEl>
+                                              <p:pRg st="4" end="4"/>
+                                            </p:txEl>
+                                          </p:spTgt>
+                                        </p:tgtEl>
+                                      </p:cBhvr>
+                                    </p:animEffect>
+                                    <p:anim calcmode="lin" valueType="num">
+                                      <p:cBhvr>
+                                        <p:cTn id="34" dur="1000" fill="hold"/>
+                                        <p:tgtEl>
+                                          <p:spTgt spid="7">
+                                            <p:txEl>
+                                              <p:pRg st="4" end="4"/>
+                                            </p:txEl>
+                                          </p:spTgt>
+                                        </p:tgtEl>
+                                        <p:attrNameLst>
+                                          <p:attrName>ppt_x</p:attrName>
+                                        </p:attrNameLst>
+                                      </p:cBhvr>
+                                      <p:tavLst>
+                                        <p:tav tm="0">
+                                          <p:val>
+                                            <p:strVal val="#ppt_x"/>
+                                          </p:val>
+                                        </p:tav>
+                                        <p:tav tm="100000">
+                                          <p:val>
+                                            <p:strVal val="#ppt_x"/>
+                                          </p:val>
+                                        </p:tav>
+                                      </p:tavLst>
+                                    </p:anim>
+                                    <p:anim calcmode="lin" valueType="num">
+                                      <p:cBhvr>
+                                        <p:cTn id="35" dur="1000" fill="hold"/>
+                                        <p:tgtEl>
+                                          <p:spTgt spid="7">
+                                            <p:txEl>
+                                              <p:pRg st="4" end="4"/>
+                                            </p:txEl>
+                                          </p:spTgt>
+                                        </p:tgtEl>
+                                        <p:attrNameLst>
+                                          <p:attrName>ppt_y</p:attrName>
+                                        </p:attrNameLst>
+                                      </p:cBhvr>
+                                      <p:tavLst>
+                                        <p:tav tm="0">
+                                          <p:val>
+                                            <p:strVal val="#ppt_y+.1"/>
+                                          </p:val>
+                                        </p:tav>
+                                        <p:tav tm="100000">
+                                          <p:val>
+                                            <p:strVal val="#ppt_y"/>
+                                          </p:val>
+                                        </p:tav>
+                                      </p:tavLst>
+                                    </p:anim>
+                                  </p:childTnLst>
+                                </p:cTn>
+                              </p:par>
+                              <p:par>
+                                <p:cTn id="36" presetID="42" presetClass="entr" presetSubtype="0" fill="hold" grpId="0" nodeType="withEffect">
+                                  <p:stCondLst>
+                                    <p:cond delay="0"/>
+                                  </p:stCondLst>
+                                  <p:childTnLst>
+                                    <p:set>
+                                      <p:cBhvr>
+                                        <p:cTn id="37" dur="1" fill="hold">
+                                          <p:stCondLst>
+                                            <p:cond delay="0"/>
+                                          </p:stCondLst>
+                                        </p:cTn>
+                                        <p:tgtEl>
+                                          <p:spTgt spid="7">
+                                            <p:txEl>
+                                              <p:pRg st="5" end="5"/>
+                                            </p:txEl>
+                                          </p:spTgt>
+                                        </p:tgtEl>
+                                        <p:attrNameLst>
+                                          <p:attrName>style.visibility</p:attrName>
+                                        </p:attrNameLst>
+                                      </p:cBhvr>
+                                      <p:to>
+                                        <p:strVal val="visible"/>
+                                      </p:to>
+                                    </p:set>
+                                    <p:animEffect transition="in" filter="fade">
+                                      <p:cBhvr>
+                                        <p:cTn id="38" dur="1000"/>
+                                        <p:tgtEl>
+                                          <p:spTgt spid="7">
+                                            <p:txEl>
+                                              <p:pRg st="5" end="5"/>
+                                            </p:txEl>
+                                          </p:spTgt>
+                                        </p:tgtEl>
+                                      </p:cBhvr>
+                                    </p:animEffect>
+                                    <p:anim calcmode="lin" valueType="num">
+                                      <p:cBhvr>
+                                        <p:cTn id="39" dur="1000" fill="hold"/>
+                                        <p:tgtEl>
+                                          <p:spTgt spid="7">
+                                            <p:txEl>
+                                              <p:pRg st="5" end="5"/>
+                                            </p:txEl>
+                                          </p:spTgt>
+                                        </p:tgtEl>
+                                        <p:attrNameLst>
+                                          <p:attrName>ppt_x</p:attrName>
+                                        </p:attrNameLst>
+                                      </p:cBhvr>
+                                      <p:tavLst>
+                                        <p:tav tm="0">
+                                          <p:val>
+                                            <p:strVal val="#ppt_x"/>
+                                          </p:val>
+                                        </p:tav>
+                                        <p:tav tm="100000">
+                                          <p:val>
+                                            <p:strVal val="#ppt_x"/>
+                                          </p:val>
+                                        </p:tav>
+                                      </p:tavLst>
+                                    </p:anim>
+                                    <p:anim calcmode="lin" valueType="num">
+                                      <p:cBhvr>
+                                        <p:cTn id="40" dur="1000" fill="hold"/>
+                                        <p:tgtEl>
+                                          <p:spTgt spid="7">
+                                            <p:txEl>
+                                              <p:pRg st="5" end="5"/>
+                                            </p:txEl>
+                                          </p:spTgt>
+                                        </p:tgtEl>
+                                        <p:attrNameLst>
+                                          <p:attrName>ppt_y</p:attrName>
+                                        </p:attrNameLst>
+                                      </p:cBhvr>
+                                      <p:tavLst>
+                                        <p:tav tm="0">
+                                          <p:val>
+                                            <p:strVal val="#ppt_y+.1"/>
+                                          </p:val>
+                                        </p:tav>
+                                        <p:tav tm="100000">
+                                          <p:val>
+                                            <p:strVal val="#ppt_y"/>
+                                          </p:val>
+                                        </p:tav>
+                                      </p:tavLst>
+                                    </p:anim>
+                                  </p:childTnLst>
+                                </p:cTn>
+                              </p:par>
+                              <p:par>
+                                <p:cTn id="41" presetID="42" presetClass="entr" presetSubtype="0" fill="hold" grpId="0" nodeType="withEffect">
+                                  <p:stCondLst>
+                                    <p:cond delay="0"/>
+                                  </p:stCondLst>
+                                  <p:childTnLst>
+                                    <p:set>
+                                      <p:cBhvr>
+                                        <p:cTn id="42" dur="1" fill="hold">
+                                          <p:stCondLst>
+                                            <p:cond delay="0"/>
+                                          </p:stCondLst>
+                                        </p:cTn>
+                                        <p:tgtEl>
+                                          <p:spTgt spid="7">
+                                            <p:txEl>
+                                              <p:pRg st="6" end="6"/>
+                                            </p:txEl>
+                                          </p:spTgt>
+                                        </p:tgtEl>
+                                        <p:attrNameLst>
+                                          <p:attrName>style.visibility</p:attrName>
+                                        </p:attrNameLst>
+                                      </p:cBhvr>
+                                      <p:to>
+                                        <p:strVal val="visible"/>
+                                      </p:to>
+                                    </p:set>
+                                    <p:animEffect transition="in" filter="fade">
+                                      <p:cBhvr>
+                                        <p:cTn id="43" dur="1000"/>
+                                        <p:tgtEl>
+                                          <p:spTgt spid="7">
+                                            <p:txEl>
+                                              <p:pRg st="6" end="6"/>
+                                            </p:txEl>
+                                          </p:spTgt>
+                                        </p:tgtEl>
+                                      </p:cBhvr>
+                                    </p:animEffect>
+                                    <p:anim calcmode="lin" valueType="num">
+                                      <p:cBhvr>
+                                        <p:cTn id="44" dur="1000" fill="hold"/>
+                                        <p:tgtEl>
+                                          <p:spTgt spid="7">
+                                            <p:txEl>
+                                              <p:pRg st="6" end="6"/>
+                                            </p:txEl>
+                                          </p:spTgt>
+                                        </p:tgtEl>
+                                        <p:attrNameLst>
+                                          <p:attrName>ppt_x</p:attrName>
+                                        </p:attrNameLst>
+                                      </p:cBhvr>
+                                      <p:tavLst>
+                                        <p:tav tm="0">
+                                          <p:val>
+                                            <p:strVal val="#ppt_x"/>
+                                          </p:val>
+                                        </p:tav>
+                                        <p:tav tm="100000">
+                                          <p:val>
+                                            <p:strVal val="#ppt_x"/>
+                                          </p:val>
+                                        </p:tav>
+                                      </p:tavLst>
+                                    </p:anim>
+                                    <p:anim calcmode="lin" valueType="num">
+                                      <p:cBhvr>
+                                        <p:cTn id="45" dur="1000" fill="hold"/>
+                                        <p:tgtEl>
+                                          <p:spTgt spid="7">
+                                            <p:txEl>
+                                              <p:pRg st="6" end="6"/>
+                                            </p:txEl>
+                                          </p:spTgt>
+                                        </p:tgtEl>
+                                        <p:attrNameLst>
+                                          <p:attrName>ppt_y</p:attrName>
+                                        </p:attrNameLst>
+                                      </p:cBhvr>
+                                      <p:tavLst>
+                                        <p:tav tm="0">
+                                          <p:val>
+                                            <p:strVal val="#ppt_y+.1"/>
+                                          </p:val>
+                                        </p:tav>
+                                        <p:tav tm="100000">
+                                          <p:val>
+                                            <p:strVal val="#ppt_y"/>
+                                          </p:val>
+                                        </p:tav>
+                                      </p:tavLst>
+                                    </p:anim>
+                                  </p:childTnLst>
+                                </p:cTn>
+                              </p:par>
+                              <p:par>
+                                <p:cTn id="46" presetID="42" presetClass="entr" presetSubtype="0" fill="hold" grpId="0" nodeType="withEffect">
+                                  <p:stCondLst>
+                                    <p:cond delay="0"/>
+                                  </p:stCondLst>
+                                  <p:childTnLst>
+                                    <p:set>
+                                      <p:cBhvr>
+                                        <p:cTn id="47" dur="1" fill="hold">
+                                          <p:stCondLst>
+                                            <p:cond delay="0"/>
+                                          </p:stCondLst>
+                                        </p:cTn>
+                                        <p:tgtEl>
+                                          <p:spTgt spid="7">
+                                            <p:txEl>
+                                              <p:pRg st="7" end="7"/>
+                                            </p:txEl>
+                                          </p:spTgt>
+                                        </p:tgtEl>
+                                        <p:attrNameLst>
+                                          <p:attrName>style.visibility</p:attrName>
+                                        </p:attrNameLst>
+                                      </p:cBhvr>
+                                      <p:to>
+                                        <p:strVal val="visible"/>
+                                      </p:to>
+                                    </p:set>
+                                    <p:animEffect transition="in" filter="fade">
+                                      <p:cBhvr>
+                                        <p:cTn id="48" dur="1000"/>
+                                        <p:tgtEl>
+                                          <p:spTgt spid="7">
+                                            <p:txEl>
+                                              <p:pRg st="7" end="7"/>
+                                            </p:txEl>
+                                          </p:spTgt>
+                                        </p:tgtEl>
+                                      </p:cBhvr>
+                                    </p:animEffect>
+                                    <p:anim calcmode="lin" valueType="num">
+                                      <p:cBhvr>
+                                        <p:cTn id="49" dur="1000" fill="hold"/>
+                                        <p:tgtEl>
+                                          <p:spTgt spid="7">
+                                            <p:txEl>
+                                              <p:pRg st="7" end="7"/>
+                                            </p:txEl>
+                                          </p:spTgt>
+                                        </p:tgtEl>
+                                        <p:attrNameLst>
+                                          <p:attrName>ppt_x</p:attrName>
+                                        </p:attrNameLst>
+                                      </p:cBhvr>
+                                      <p:tavLst>
+                                        <p:tav tm="0">
+                                          <p:val>
+                                            <p:strVal val="#ppt_x"/>
+                                          </p:val>
+                                        </p:tav>
+                                        <p:tav tm="100000">
+                                          <p:val>
+                                            <p:strVal val="#ppt_x"/>
+                                          </p:val>
+                                        </p:tav>
+                                      </p:tavLst>
+                                    </p:anim>
+                                    <p:anim calcmode="lin" valueType="num">
+                                      <p:cBhvr>
+                                        <p:cTn id="50" dur="1000" fill="hold"/>
+                                        <p:tgtEl>
+                                          <p:spTgt spid="7">
+                                            <p:txEl>
+                                              <p:pRg st="7" end="7"/>
+                                            </p:txEl>
+                                          </p:spTgt>
+                                        </p:tgtEl>
+                                        <p:attrNameLst>
+                                          <p:attrName>ppt_y</p:attrName>
+                                        </p:attrNameLst>
+                                      </p:cBhvr>
+                                      <p:tavLst>
+                                        <p:tav tm="0">
+                                          <p:val>
+                                            <p:strVal val="#ppt_y+.1"/>
+                                          </p:val>
+                                        </p:tav>
+                                        <p:tav tm="100000">
+                                          <p:val>
+                                            <p:strVal val="#ppt_y"/>
+                                          </p:val>
+                                        </p:tav>
+                                      </p:tavLst>
+                                    </p:anim>
+                                  </p:childTnLst>
+                                </p:cTn>
+                              </p:par>
+                            </p:childTnLst>
+                          </p:cTn>
+                        </p:par>
+                      </p:childTnLst>
+                    </p:cTn>
+                  </p:par>
                 </p:childTnLst>
               </p:cTn>
               <p:prevCondLst>
@@ -15446,6 +17917,7 @@
     </p:tnLst>
     <p:bldLst>
       <p:bldP spid="2" grpId="0"/>
+      <p:bldP spid="7" grpId="0" build="p"/>
     </p:bldLst>
   </p:timing>
 </p:sld>
@@ -15805,6 +18277,897 @@
                       </p:childTnLst>
                     </p:cTn>
                   </p:par>
+                  <p:par>
+                    <p:cTn id="9" fill="hold">
+                      <p:stCondLst>
+                        <p:cond delay="indefinite"/>
+                      </p:stCondLst>
+                      <p:childTnLst>
+                        <p:par>
+                          <p:cTn id="10" fill="hold">
+                            <p:stCondLst>
+                              <p:cond delay="0"/>
+                            </p:stCondLst>
+                            <p:childTnLst>
+                              <p:par>
+                                <p:cTn id="11" presetID="42" presetClass="entr" presetSubtype="0" fill="hold" grpId="0" nodeType="clickEffect">
+                                  <p:stCondLst>
+                                    <p:cond delay="0"/>
+                                  </p:stCondLst>
+                                  <p:childTnLst>
+                                    <p:set>
+                                      <p:cBhvr>
+                                        <p:cTn id="12" dur="1" fill="hold">
+                                          <p:stCondLst>
+                                            <p:cond delay="0"/>
+                                          </p:stCondLst>
+                                        </p:cTn>
+                                        <p:tgtEl>
+                                          <p:spTgt spid="7">
+                                            <p:txEl>
+                                              <p:pRg st="0" end="0"/>
+                                            </p:txEl>
+                                          </p:spTgt>
+                                        </p:tgtEl>
+                                        <p:attrNameLst>
+                                          <p:attrName>style.visibility</p:attrName>
+                                        </p:attrNameLst>
+                                      </p:cBhvr>
+                                      <p:to>
+                                        <p:strVal val="visible"/>
+                                      </p:to>
+                                    </p:set>
+                                    <p:animEffect transition="in" filter="fade">
+                                      <p:cBhvr>
+                                        <p:cTn id="13" dur="1000"/>
+                                        <p:tgtEl>
+                                          <p:spTgt spid="7">
+                                            <p:txEl>
+                                              <p:pRg st="0" end="0"/>
+                                            </p:txEl>
+                                          </p:spTgt>
+                                        </p:tgtEl>
+                                      </p:cBhvr>
+                                    </p:animEffect>
+                                    <p:anim calcmode="lin" valueType="num">
+                                      <p:cBhvr>
+                                        <p:cTn id="14" dur="1000" fill="hold"/>
+                                        <p:tgtEl>
+                                          <p:spTgt spid="7">
+                                            <p:txEl>
+                                              <p:pRg st="0" end="0"/>
+                                            </p:txEl>
+                                          </p:spTgt>
+                                        </p:tgtEl>
+                                        <p:attrNameLst>
+                                          <p:attrName>ppt_x</p:attrName>
+                                        </p:attrNameLst>
+                                      </p:cBhvr>
+                                      <p:tavLst>
+                                        <p:tav tm="0">
+                                          <p:val>
+                                            <p:strVal val="#ppt_x"/>
+                                          </p:val>
+                                        </p:tav>
+                                        <p:tav tm="100000">
+                                          <p:val>
+                                            <p:strVal val="#ppt_x"/>
+                                          </p:val>
+                                        </p:tav>
+                                      </p:tavLst>
+                                    </p:anim>
+                                    <p:anim calcmode="lin" valueType="num">
+                                      <p:cBhvr>
+                                        <p:cTn id="15" dur="1000" fill="hold"/>
+                                        <p:tgtEl>
+                                          <p:spTgt spid="7">
+                                            <p:txEl>
+                                              <p:pRg st="0" end="0"/>
+                                            </p:txEl>
+                                          </p:spTgt>
+                                        </p:tgtEl>
+                                        <p:attrNameLst>
+                                          <p:attrName>ppt_y</p:attrName>
+                                        </p:attrNameLst>
+                                      </p:cBhvr>
+                                      <p:tavLst>
+                                        <p:tav tm="0">
+                                          <p:val>
+                                            <p:strVal val="#ppt_y+.1"/>
+                                          </p:val>
+                                        </p:tav>
+                                        <p:tav tm="100000">
+                                          <p:val>
+                                            <p:strVal val="#ppt_y"/>
+                                          </p:val>
+                                        </p:tav>
+                                      </p:tavLst>
+                                    </p:anim>
+                                  </p:childTnLst>
+                                </p:cTn>
+                              </p:par>
+                              <p:par>
+                                <p:cTn id="16" presetID="42" presetClass="entr" presetSubtype="0" fill="hold" grpId="0" nodeType="withEffect">
+                                  <p:stCondLst>
+                                    <p:cond delay="0"/>
+                                  </p:stCondLst>
+                                  <p:childTnLst>
+                                    <p:set>
+                                      <p:cBhvr>
+                                        <p:cTn id="17" dur="1" fill="hold">
+                                          <p:stCondLst>
+                                            <p:cond delay="0"/>
+                                          </p:stCondLst>
+                                        </p:cTn>
+                                        <p:tgtEl>
+                                          <p:spTgt spid="7">
+                                            <p:txEl>
+                                              <p:pRg st="1" end="1"/>
+                                            </p:txEl>
+                                          </p:spTgt>
+                                        </p:tgtEl>
+                                        <p:attrNameLst>
+                                          <p:attrName>style.visibility</p:attrName>
+                                        </p:attrNameLst>
+                                      </p:cBhvr>
+                                      <p:to>
+                                        <p:strVal val="visible"/>
+                                      </p:to>
+                                    </p:set>
+                                    <p:animEffect transition="in" filter="fade">
+                                      <p:cBhvr>
+                                        <p:cTn id="18" dur="1000"/>
+                                        <p:tgtEl>
+                                          <p:spTgt spid="7">
+                                            <p:txEl>
+                                              <p:pRg st="1" end="1"/>
+                                            </p:txEl>
+                                          </p:spTgt>
+                                        </p:tgtEl>
+                                      </p:cBhvr>
+                                    </p:animEffect>
+                                    <p:anim calcmode="lin" valueType="num">
+                                      <p:cBhvr>
+                                        <p:cTn id="19" dur="1000" fill="hold"/>
+                                        <p:tgtEl>
+                                          <p:spTgt spid="7">
+                                            <p:txEl>
+                                              <p:pRg st="1" end="1"/>
+                                            </p:txEl>
+                                          </p:spTgt>
+                                        </p:tgtEl>
+                                        <p:attrNameLst>
+                                          <p:attrName>ppt_x</p:attrName>
+                                        </p:attrNameLst>
+                                      </p:cBhvr>
+                                      <p:tavLst>
+                                        <p:tav tm="0">
+                                          <p:val>
+                                            <p:strVal val="#ppt_x"/>
+                                          </p:val>
+                                        </p:tav>
+                                        <p:tav tm="100000">
+                                          <p:val>
+                                            <p:strVal val="#ppt_x"/>
+                                          </p:val>
+                                        </p:tav>
+                                      </p:tavLst>
+                                    </p:anim>
+                                    <p:anim calcmode="lin" valueType="num">
+                                      <p:cBhvr>
+                                        <p:cTn id="20" dur="1000" fill="hold"/>
+                                        <p:tgtEl>
+                                          <p:spTgt spid="7">
+                                            <p:txEl>
+                                              <p:pRg st="1" end="1"/>
+                                            </p:txEl>
+                                          </p:spTgt>
+                                        </p:tgtEl>
+                                        <p:attrNameLst>
+                                          <p:attrName>ppt_y</p:attrName>
+                                        </p:attrNameLst>
+                                      </p:cBhvr>
+                                      <p:tavLst>
+                                        <p:tav tm="0">
+                                          <p:val>
+                                            <p:strVal val="#ppt_y+.1"/>
+                                          </p:val>
+                                        </p:tav>
+                                        <p:tav tm="100000">
+                                          <p:val>
+                                            <p:strVal val="#ppt_y"/>
+                                          </p:val>
+                                        </p:tav>
+                                      </p:tavLst>
+                                    </p:anim>
+                                  </p:childTnLst>
+                                </p:cTn>
+                              </p:par>
+                              <p:par>
+                                <p:cTn id="21" presetID="42" presetClass="entr" presetSubtype="0" fill="hold" grpId="0" nodeType="withEffect">
+                                  <p:stCondLst>
+                                    <p:cond delay="0"/>
+                                  </p:stCondLst>
+                                  <p:childTnLst>
+                                    <p:set>
+                                      <p:cBhvr>
+                                        <p:cTn id="22" dur="1" fill="hold">
+                                          <p:stCondLst>
+                                            <p:cond delay="0"/>
+                                          </p:stCondLst>
+                                        </p:cTn>
+                                        <p:tgtEl>
+                                          <p:spTgt spid="7">
+                                            <p:txEl>
+                                              <p:pRg st="2" end="2"/>
+                                            </p:txEl>
+                                          </p:spTgt>
+                                        </p:tgtEl>
+                                        <p:attrNameLst>
+                                          <p:attrName>style.visibility</p:attrName>
+                                        </p:attrNameLst>
+                                      </p:cBhvr>
+                                      <p:to>
+                                        <p:strVal val="visible"/>
+                                      </p:to>
+                                    </p:set>
+                                    <p:animEffect transition="in" filter="fade">
+                                      <p:cBhvr>
+                                        <p:cTn id="23" dur="1000"/>
+                                        <p:tgtEl>
+                                          <p:spTgt spid="7">
+                                            <p:txEl>
+                                              <p:pRg st="2" end="2"/>
+                                            </p:txEl>
+                                          </p:spTgt>
+                                        </p:tgtEl>
+                                      </p:cBhvr>
+                                    </p:animEffect>
+                                    <p:anim calcmode="lin" valueType="num">
+                                      <p:cBhvr>
+                                        <p:cTn id="24" dur="1000" fill="hold"/>
+                                        <p:tgtEl>
+                                          <p:spTgt spid="7">
+                                            <p:txEl>
+                                              <p:pRg st="2" end="2"/>
+                                            </p:txEl>
+                                          </p:spTgt>
+                                        </p:tgtEl>
+                                        <p:attrNameLst>
+                                          <p:attrName>ppt_x</p:attrName>
+                                        </p:attrNameLst>
+                                      </p:cBhvr>
+                                      <p:tavLst>
+                                        <p:tav tm="0">
+                                          <p:val>
+                                            <p:strVal val="#ppt_x"/>
+                                          </p:val>
+                                        </p:tav>
+                                        <p:tav tm="100000">
+                                          <p:val>
+                                            <p:strVal val="#ppt_x"/>
+                                          </p:val>
+                                        </p:tav>
+                                      </p:tavLst>
+                                    </p:anim>
+                                    <p:anim calcmode="lin" valueType="num">
+                                      <p:cBhvr>
+                                        <p:cTn id="25" dur="1000" fill="hold"/>
+                                        <p:tgtEl>
+                                          <p:spTgt spid="7">
+                                            <p:txEl>
+                                              <p:pRg st="2" end="2"/>
+                                            </p:txEl>
+                                          </p:spTgt>
+                                        </p:tgtEl>
+                                        <p:attrNameLst>
+                                          <p:attrName>ppt_y</p:attrName>
+                                        </p:attrNameLst>
+                                      </p:cBhvr>
+                                      <p:tavLst>
+                                        <p:tav tm="0">
+                                          <p:val>
+                                            <p:strVal val="#ppt_y+.1"/>
+                                          </p:val>
+                                        </p:tav>
+                                        <p:tav tm="100000">
+                                          <p:val>
+                                            <p:strVal val="#ppt_y"/>
+                                          </p:val>
+                                        </p:tav>
+                                      </p:tavLst>
+                                    </p:anim>
+                                  </p:childTnLst>
+                                </p:cTn>
+                              </p:par>
+                              <p:par>
+                                <p:cTn id="26" presetID="42" presetClass="entr" presetSubtype="0" fill="hold" grpId="0" nodeType="withEffect">
+                                  <p:stCondLst>
+                                    <p:cond delay="0"/>
+                                  </p:stCondLst>
+                                  <p:childTnLst>
+                                    <p:set>
+                                      <p:cBhvr>
+                                        <p:cTn id="27" dur="1" fill="hold">
+                                          <p:stCondLst>
+                                            <p:cond delay="0"/>
+                                          </p:stCondLst>
+                                        </p:cTn>
+                                        <p:tgtEl>
+                                          <p:spTgt spid="7">
+                                            <p:txEl>
+                                              <p:pRg st="3" end="3"/>
+                                            </p:txEl>
+                                          </p:spTgt>
+                                        </p:tgtEl>
+                                        <p:attrNameLst>
+                                          <p:attrName>style.visibility</p:attrName>
+                                        </p:attrNameLst>
+                                      </p:cBhvr>
+                                      <p:to>
+                                        <p:strVal val="visible"/>
+                                      </p:to>
+                                    </p:set>
+                                    <p:animEffect transition="in" filter="fade">
+                                      <p:cBhvr>
+                                        <p:cTn id="28" dur="1000"/>
+                                        <p:tgtEl>
+                                          <p:spTgt spid="7">
+                                            <p:txEl>
+                                              <p:pRg st="3" end="3"/>
+                                            </p:txEl>
+                                          </p:spTgt>
+                                        </p:tgtEl>
+                                      </p:cBhvr>
+                                    </p:animEffect>
+                                    <p:anim calcmode="lin" valueType="num">
+                                      <p:cBhvr>
+                                        <p:cTn id="29" dur="1000" fill="hold"/>
+                                        <p:tgtEl>
+                                          <p:spTgt spid="7">
+                                            <p:txEl>
+                                              <p:pRg st="3" end="3"/>
+                                            </p:txEl>
+                                          </p:spTgt>
+                                        </p:tgtEl>
+                                        <p:attrNameLst>
+                                          <p:attrName>ppt_x</p:attrName>
+                                        </p:attrNameLst>
+                                      </p:cBhvr>
+                                      <p:tavLst>
+                                        <p:tav tm="0">
+                                          <p:val>
+                                            <p:strVal val="#ppt_x"/>
+                                          </p:val>
+                                        </p:tav>
+                                        <p:tav tm="100000">
+                                          <p:val>
+                                            <p:strVal val="#ppt_x"/>
+                                          </p:val>
+                                        </p:tav>
+                                      </p:tavLst>
+                                    </p:anim>
+                                    <p:anim calcmode="lin" valueType="num">
+                                      <p:cBhvr>
+                                        <p:cTn id="30" dur="1000" fill="hold"/>
+                                        <p:tgtEl>
+                                          <p:spTgt spid="7">
+                                            <p:txEl>
+                                              <p:pRg st="3" end="3"/>
+                                            </p:txEl>
+                                          </p:spTgt>
+                                        </p:tgtEl>
+                                        <p:attrNameLst>
+                                          <p:attrName>ppt_y</p:attrName>
+                                        </p:attrNameLst>
+                                      </p:cBhvr>
+                                      <p:tavLst>
+                                        <p:tav tm="0">
+                                          <p:val>
+                                            <p:strVal val="#ppt_y+.1"/>
+                                          </p:val>
+                                        </p:tav>
+                                        <p:tav tm="100000">
+                                          <p:val>
+                                            <p:strVal val="#ppt_y"/>
+                                          </p:val>
+                                        </p:tav>
+                                      </p:tavLst>
+                                    </p:anim>
+                                  </p:childTnLst>
+                                </p:cTn>
+                              </p:par>
+                              <p:par>
+                                <p:cTn id="31" presetID="42" presetClass="entr" presetSubtype="0" fill="hold" grpId="0" nodeType="withEffect">
+                                  <p:stCondLst>
+                                    <p:cond delay="0"/>
+                                  </p:stCondLst>
+                                  <p:childTnLst>
+                                    <p:set>
+                                      <p:cBhvr>
+                                        <p:cTn id="32" dur="1" fill="hold">
+                                          <p:stCondLst>
+                                            <p:cond delay="0"/>
+                                          </p:stCondLst>
+                                        </p:cTn>
+                                        <p:tgtEl>
+                                          <p:spTgt spid="7">
+                                            <p:txEl>
+                                              <p:pRg st="4" end="4"/>
+                                            </p:txEl>
+                                          </p:spTgt>
+                                        </p:tgtEl>
+                                        <p:attrNameLst>
+                                          <p:attrName>style.visibility</p:attrName>
+                                        </p:attrNameLst>
+                                      </p:cBhvr>
+                                      <p:to>
+                                        <p:strVal val="visible"/>
+                                      </p:to>
+                                    </p:set>
+                                    <p:animEffect transition="in" filter="fade">
+                                      <p:cBhvr>
+                                        <p:cTn id="33" dur="1000"/>
+                                        <p:tgtEl>
+                                          <p:spTgt spid="7">
+                                            <p:txEl>
+                                              <p:pRg st="4" end="4"/>
+                                            </p:txEl>
+                                          </p:spTgt>
+                                        </p:tgtEl>
+                                      </p:cBhvr>
+                                    </p:animEffect>
+                                    <p:anim calcmode="lin" valueType="num">
+                                      <p:cBhvr>
+                                        <p:cTn id="34" dur="1000" fill="hold"/>
+                                        <p:tgtEl>
+                                          <p:spTgt spid="7">
+                                            <p:txEl>
+                                              <p:pRg st="4" end="4"/>
+                                            </p:txEl>
+                                          </p:spTgt>
+                                        </p:tgtEl>
+                                        <p:attrNameLst>
+                                          <p:attrName>ppt_x</p:attrName>
+                                        </p:attrNameLst>
+                                      </p:cBhvr>
+                                      <p:tavLst>
+                                        <p:tav tm="0">
+                                          <p:val>
+                                            <p:strVal val="#ppt_x"/>
+                                          </p:val>
+                                        </p:tav>
+                                        <p:tav tm="100000">
+                                          <p:val>
+                                            <p:strVal val="#ppt_x"/>
+                                          </p:val>
+                                        </p:tav>
+                                      </p:tavLst>
+                                    </p:anim>
+                                    <p:anim calcmode="lin" valueType="num">
+                                      <p:cBhvr>
+                                        <p:cTn id="35" dur="1000" fill="hold"/>
+                                        <p:tgtEl>
+                                          <p:spTgt spid="7">
+                                            <p:txEl>
+                                              <p:pRg st="4" end="4"/>
+                                            </p:txEl>
+                                          </p:spTgt>
+                                        </p:tgtEl>
+                                        <p:attrNameLst>
+                                          <p:attrName>ppt_y</p:attrName>
+                                        </p:attrNameLst>
+                                      </p:cBhvr>
+                                      <p:tavLst>
+                                        <p:tav tm="0">
+                                          <p:val>
+                                            <p:strVal val="#ppt_y+.1"/>
+                                          </p:val>
+                                        </p:tav>
+                                        <p:tav tm="100000">
+                                          <p:val>
+                                            <p:strVal val="#ppt_y"/>
+                                          </p:val>
+                                        </p:tav>
+                                      </p:tavLst>
+                                    </p:anim>
+                                  </p:childTnLst>
+                                </p:cTn>
+                              </p:par>
+                              <p:par>
+                                <p:cTn id="36" presetID="42" presetClass="entr" presetSubtype="0" fill="hold" grpId="0" nodeType="withEffect">
+                                  <p:stCondLst>
+                                    <p:cond delay="0"/>
+                                  </p:stCondLst>
+                                  <p:childTnLst>
+                                    <p:set>
+                                      <p:cBhvr>
+                                        <p:cTn id="37" dur="1" fill="hold">
+                                          <p:stCondLst>
+                                            <p:cond delay="0"/>
+                                          </p:stCondLst>
+                                        </p:cTn>
+                                        <p:tgtEl>
+                                          <p:spTgt spid="7">
+                                            <p:txEl>
+                                              <p:pRg st="5" end="5"/>
+                                            </p:txEl>
+                                          </p:spTgt>
+                                        </p:tgtEl>
+                                        <p:attrNameLst>
+                                          <p:attrName>style.visibility</p:attrName>
+                                        </p:attrNameLst>
+                                      </p:cBhvr>
+                                      <p:to>
+                                        <p:strVal val="visible"/>
+                                      </p:to>
+                                    </p:set>
+                                    <p:animEffect transition="in" filter="fade">
+                                      <p:cBhvr>
+                                        <p:cTn id="38" dur="1000"/>
+                                        <p:tgtEl>
+                                          <p:spTgt spid="7">
+                                            <p:txEl>
+                                              <p:pRg st="5" end="5"/>
+                                            </p:txEl>
+                                          </p:spTgt>
+                                        </p:tgtEl>
+                                      </p:cBhvr>
+                                    </p:animEffect>
+                                    <p:anim calcmode="lin" valueType="num">
+                                      <p:cBhvr>
+                                        <p:cTn id="39" dur="1000" fill="hold"/>
+                                        <p:tgtEl>
+                                          <p:spTgt spid="7">
+                                            <p:txEl>
+                                              <p:pRg st="5" end="5"/>
+                                            </p:txEl>
+                                          </p:spTgt>
+                                        </p:tgtEl>
+                                        <p:attrNameLst>
+                                          <p:attrName>ppt_x</p:attrName>
+                                        </p:attrNameLst>
+                                      </p:cBhvr>
+                                      <p:tavLst>
+                                        <p:tav tm="0">
+                                          <p:val>
+                                            <p:strVal val="#ppt_x"/>
+                                          </p:val>
+                                        </p:tav>
+                                        <p:tav tm="100000">
+                                          <p:val>
+                                            <p:strVal val="#ppt_x"/>
+                                          </p:val>
+                                        </p:tav>
+                                      </p:tavLst>
+                                    </p:anim>
+                                    <p:anim calcmode="lin" valueType="num">
+                                      <p:cBhvr>
+                                        <p:cTn id="40" dur="1000" fill="hold"/>
+                                        <p:tgtEl>
+                                          <p:spTgt spid="7">
+                                            <p:txEl>
+                                              <p:pRg st="5" end="5"/>
+                                            </p:txEl>
+                                          </p:spTgt>
+                                        </p:tgtEl>
+                                        <p:attrNameLst>
+                                          <p:attrName>ppt_y</p:attrName>
+                                        </p:attrNameLst>
+                                      </p:cBhvr>
+                                      <p:tavLst>
+                                        <p:tav tm="0">
+                                          <p:val>
+                                            <p:strVal val="#ppt_y+.1"/>
+                                          </p:val>
+                                        </p:tav>
+                                        <p:tav tm="100000">
+                                          <p:val>
+                                            <p:strVal val="#ppt_y"/>
+                                          </p:val>
+                                        </p:tav>
+                                      </p:tavLst>
+                                    </p:anim>
+                                  </p:childTnLst>
+                                </p:cTn>
+                              </p:par>
+                              <p:par>
+                                <p:cTn id="41" presetID="42" presetClass="entr" presetSubtype="0" fill="hold" grpId="0" nodeType="withEffect">
+                                  <p:stCondLst>
+                                    <p:cond delay="0"/>
+                                  </p:stCondLst>
+                                  <p:childTnLst>
+                                    <p:set>
+                                      <p:cBhvr>
+                                        <p:cTn id="42" dur="1" fill="hold">
+                                          <p:stCondLst>
+                                            <p:cond delay="0"/>
+                                          </p:stCondLst>
+                                        </p:cTn>
+                                        <p:tgtEl>
+                                          <p:spTgt spid="7">
+                                            <p:txEl>
+                                              <p:pRg st="6" end="6"/>
+                                            </p:txEl>
+                                          </p:spTgt>
+                                        </p:tgtEl>
+                                        <p:attrNameLst>
+                                          <p:attrName>style.visibility</p:attrName>
+                                        </p:attrNameLst>
+                                      </p:cBhvr>
+                                      <p:to>
+                                        <p:strVal val="visible"/>
+                                      </p:to>
+                                    </p:set>
+                                    <p:animEffect transition="in" filter="fade">
+                                      <p:cBhvr>
+                                        <p:cTn id="43" dur="1000"/>
+                                        <p:tgtEl>
+                                          <p:spTgt spid="7">
+                                            <p:txEl>
+                                              <p:pRg st="6" end="6"/>
+                                            </p:txEl>
+                                          </p:spTgt>
+                                        </p:tgtEl>
+                                      </p:cBhvr>
+                                    </p:animEffect>
+                                    <p:anim calcmode="lin" valueType="num">
+                                      <p:cBhvr>
+                                        <p:cTn id="44" dur="1000" fill="hold"/>
+                                        <p:tgtEl>
+                                          <p:spTgt spid="7">
+                                            <p:txEl>
+                                              <p:pRg st="6" end="6"/>
+                                            </p:txEl>
+                                          </p:spTgt>
+                                        </p:tgtEl>
+                                        <p:attrNameLst>
+                                          <p:attrName>ppt_x</p:attrName>
+                                        </p:attrNameLst>
+                                      </p:cBhvr>
+                                      <p:tavLst>
+                                        <p:tav tm="0">
+                                          <p:val>
+                                            <p:strVal val="#ppt_x"/>
+                                          </p:val>
+                                        </p:tav>
+                                        <p:tav tm="100000">
+                                          <p:val>
+                                            <p:strVal val="#ppt_x"/>
+                                          </p:val>
+                                        </p:tav>
+                                      </p:tavLst>
+                                    </p:anim>
+                                    <p:anim calcmode="lin" valueType="num">
+                                      <p:cBhvr>
+                                        <p:cTn id="45" dur="1000" fill="hold"/>
+                                        <p:tgtEl>
+                                          <p:spTgt spid="7">
+                                            <p:txEl>
+                                              <p:pRg st="6" end="6"/>
+                                            </p:txEl>
+                                          </p:spTgt>
+                                        </p:tgtEl>
+                                        <p:attrNameLst>
+                                          <p:attrName>ppt_y</p:attrName>
+                                        </p:attrNameLst>
+                                      </p:cBhvr>
+                                      <p:tavLst>
+                                        <p:tav tm="0">
+                                          <p:val>
+                                            <p:strVal val="#ppt_y+.1"/>
+                                          </p:val>
+                                        </p:tav>
+                                        <p:tav tm="100000">
+                                          <p:val>
+                                            <p:strVal val="#ppt_y"/>
+                                          </p:val>
+                                        </p:tav>
+                                      </p:tavLst>
+                                    </p:anim>
+                                  </p:childTnLst>
+                                </p:cTn>
+                              </p:par>
+                              <p:par>
+                                <p:cTn id="46" presetID="42" presetClass="entr" presetSubtype="0" fill="hold" grpId="0" nodeType="withEffect">
+                                  <p:stCondLst>
+                                    <p:cond delay="0"/>
+                                  </p:stCondLst>
+                                  <p:childTnLst>
+                                    <p:set>
+                                      <p:cBhvr>
+                                        <p:cTn id="47" dur="1" fill="hold">
+                                          <p:stCondLst>
+                                            <p:cond delay="0"/>
+                                          </p:stCondLst>
+                                        </p:cTn>
+                                        <p:tgtEl>
+                                          <p:spTgt spid="7">
+                                            <p:txEl>
+                                              <p:pRg st="7" end="7"/>
+                                            </p:txEl>
+                                          </p:spTgt>
+                                        </p:tgtEl>
+                                        <p:attrNameLst>
+                                          <p:attrName>style.visibility</p:attrName>
+                                        </p:attrNameLst>
+                                      </p:cBhvr>
+                                      <p:to>
+                                        <p:strVal val="visible"/>
+                                      </p:to>
+                                    </p:set>
+                                    <p:animEffect transition="in" filter="fade">
+                                      <p:cBhvr>
+                                        <p:cTn id="48" dur="1000"/>
+                                        <p:tgtEl>
+                                          <p:spTgt spid="7">
+                                            <p:txEl>
+                                              <p:pRg st="7" end="7"/>
+                                            </p:txEl>
+                                          </p:spTgt>
+                                        </p:tgtEl>
+                                      </p:cBhvr>
+                                    </p:animEffect>
+                                    <p:anim calcmode="lin" valueType="num">
+                                      <p:cBhvr>
+                                        <p:cTn id="49" dur="1000" fill="hold"/>
+                                        <p:tgtEl>
+                                          <p:spTgt spid="7">
+                                            <p:txEl>
+                                              <p:pRg st="7" end="7"/>
+                                            </p:txEl>
+                                          </p:spTgt>
+                                        </p:tgtEl>
+                                        <p:attrNameLst>
+                                          <p:attrName>ppt_x</p:attrName>
+                                        </p:attrNameLst>
+                                      </p:cBhvr>
+                                      <p:tavLst>
+                                        <p:tav tm="0">
+                                          <p:val>
+                                            <p:strVal val="#ppt_x"/>
+                                          </p:val>
+                                        </p:tav>
+                                        <p:tav tm="100000">
+                                          <p:val>
+                                            <p:strVal val="#ppt_x"/>
+                                          </p:val>
+                                        </p:tav>
+                                      </p:tavLst>
+                                    </p:anim>
+                                    <p:anim calcmode="lin" valueType="num">
+                                      <p:cBhvr>
+                                        <p:cTn id="50" dur="1000" fill="hold"/>
+                                        <p:tgtEl>
+                                          <p:spTgt spid="7">
+                                            <p:txEl>
+                                              <p:pRg st="7" end="7"/>
+                                            </p:txEl>
+                                          </p:spTgt>
+                                        </p:tgtEl>
+                                        <p:attrNameLst>
+                                          <p:attrName>ppt_y</p:attrName>
+                                        </p:attrNameLst>
+                                      </p:cBhvr>
+                                      <p:tavLst>
+                                        <p:tav tm="0">
+                                          <p:val>
+                                            <p:strVal val="#ppt_y+.1"/>
+                                          </p:val>
+                                        </p:tav>
+                                        <p:tav tm="100000">
+                                          <p:val>
+                                            <p:strVal val="#ppt_y"/>
+                                          </p:val>
+                                        </p:tav>
+                                      </p:tavLst>
+                                    </p:anim>
+                                  </p:childTnLst>
+                                </p:cTn>
+                              </p:par>
+                              <p:par>
+                                <p:cTn id="51" presetID="42" presetClass="entr" presetSubtype="0" fill="hold" grpId="0" nodeType="withEffect">
+                                  <p:stCondLst>
+                                    <p:cond delay="0"/>
+                                  </p:stCondLst>
+                                  <p:childTnLst>
+                                    <p:set>
+                                      <p:cBhvr>
+                                        <p:cTn id="52" dur="1" fill="hold">
+                                          <p:stCondLst>
+                                            <p:cond delay="0"/>
+                                          </p:stCondLst>
+                                        </p:cTn>
+                                        <p:tgtEl>
+                                          <p:spTgt spid="7">
+                                            <p:txEl>
+                                              <p:pRg st="8" end="8"/>
+                                            </p:txEl>
+                                          </p:spTgt>
+                                        </p:tgtEl>
+                                        <p:attrNameLst>
+                                          <p:attrName>style.visibility</p:attrName>
+                                        </p:attrNameLst>
+                                      </p:cBhvr>
+                                      <p:to>
+                                        <p:strVal val="visible"/>
+                                      </p:to>
+                                    </p:set>
+                                    <p:animEffect transition="in" filter="fade">
+                                      <p:cBhvr>
+                                        <p:cTn id="53" dur="1000"/>
+                                        <p:tgtEl>
+                                          <p:spTgt spid="7">
+                                            <p:txEl>
+                                              <p:pRg st="8" end="8"/>
+                                            </p:txEl>
+                                          </p:spTgt>
+                                        </p:tgtEl>
+                                      </p:cBhvr>
+                                    </p:animEffect>
+                                    <p:anim calcmode="lin" valueType="num">
+                                      <p:cBhvr>
+                                        <p:cTn id="54" dur="1000" fill="hold"/>
+                                        <p:tgtEl>
+                                          <p:spTgt spid="7">
+                                            <p:txEl>
+                                              <p:pRg st="8" end="8"/>
+                                            </p:txEl>
+                                          </p:spTgt>
+                                        </p:tgtEl>
+                                        <p:attrNameLst>
+                                          <p:attrName>ppt_x</p:attrName>
+                                        </p:attrNameLst>
+                                      </p:cBhvr>
+                                      <p:tavLst>
+                                        <p:tav tm="0">
+                                          <p:val>
+                                            <p:strVal val="#ppt_x"/>
+                                          </p:val>
+                                        </p:tav>
+                                        <p:tav tm="100000">
+                                          <p:val>
+                                            <p:strVal val="#ppt_x"/>
+                                          </p:val>
+                                        </p:tav>
+                                      </p:tavLst>
+                                    </p:anim>
+                                    <p:anim calcmode="lin" valueType="num">
+                                      <p:cBhvr>
+                                        <p:cTn id="55" dur="1000" fill="hold"/>
+                                        <p:tgtEl>
+                                          <p:spTgt spid="7">
+                                            <p:txEl>
+                                              <p:pRg st="8" end="8"/>
+                                            </p:txEl>
+                                          </p:spTgt>
+                                        </p:tgtEl>
+                                        <p:attrNameLst>
+                                          <p:attrName>ppt_y</p:attrName>
+                                        </p:attrNameLst>
+                                      </p:cBhvr>
+                                      <p:tavLst>
+                                        <p:tav tm="0">
+                                          <p:val>
+                                            <p:strVal val="#ppt_y+.1"/>
+                                          </p:val>
+                                        </p:tav>
+                                        <p:tav tm="100000">
+                                          <p:val>
+                                            <p:strVal val="#ppt_y"/>
+                                          </p:val>
+                                        </p:tav>
+                                      </p:tavLst>
+                                    </p:anim>
+                                  </p:childTnLst>
+                                </p:cTn>
+                              </p:par>
+                            </p:childTnLst>
+                          </p:cTn>
+                        </p:par>
+                      </p:childTnLst>
+                    </p:cTn>
+                  </p:par>
                 </p:childTnLst>
               </p:cTn>
               <p:prevCondLst>
@@ -15828,6 +19191,7 @@
     </p:tnLst>
     <p:bldLst>
       <p:bldP spid="2" grpId="0"/>
+      <p:bldP spid="7" grpId="0" build="p"/>
     </p:bldLst>
   </p:timing>
 </p:sld>
@@ -18608,6 +21972,105 @@
                       </p:childTnLst>
                     </p:cTn>
                   </p:par>
+                  <p:par>
+                    <p:cTn id="9" fill="hold">
+                      <p:stCondLst>
+                        <p:cond delay="indefinite"/>
+                      </p:stCondLst>
+                      <p:childTnLst>
+                        <p:par>
+                          <p:cTn id="10" fill="hold">
+                            <p:stCondLst>
+                              <p:cond delay="0"/>
+                            </p:stCondLst>
+                            <p:childTnLst>
+                              <p:par>
+                                <p:cTn id="11" presetID="42" presetClass="entr" presetSubtype="0" fill="hold" nodeType="clickEffect">
+                                  <p:stCondLst>
+                                    <p:cond delay="0"/>
+                                  </p:stCondLst>
+                                  <p:childTnLst>
+                                    <p:set>
+                                      <p:cBhvr>
+                                        <p:cTn id="12" dur="1" fill="hold">
+                                          <p:stCondLst>
+                                            <p:cond delay="0"/>
+                                          </p:stCondLst>
+                                        </p:cTn>
+                                        <p:tgtEl>
+                                          <p:spTgt spid="14"/>
+                                        </p:tgtEl>
+                                        <p:attrNameLst>
+                                          <p:attrName>style.visibility</p:attrName>
+                                        </p:attrNameLst>
+                                      </p:cBhvr>
+                                      <p:to>
+                                        <p:strVal val="visible"/>
+                                      </p:to>
+                                    </p:set>
+                                    <p:animEffect transition="in" filter="fade">
+                                      <p:cBhvr>
+                                        <p:cTn id="13" dur="1000"/>
+                                        <p:tgtEl>
+                                          <p:spTgt spid="14"/>
+                                        </p:tgtEl>
+                                      </p:cBhvr>
+                                    </p:animEffect>
+                                    <p:anim calcmode="lin" valueType="num">
+                                      <p:cBhvr>
+                                        <p:cTn id="14" dur="1000" fill="hold"/>
+                                        <p:tgtEl>
+                                          <p:spTgt spid="14"/>
+                                        </p:tgtEl>
+                                        <p:attrNameLst>
+                                          <p:attrName>ppt_x</p:attrName>
+                                        </p:attrNameLst>
+                                      </p:cBhvr>
+                                      <p:tavLst>
+                                        <p:tav tm="0">
+                                          <p:val>
+                                            <p:strVal val="#ppt_x"/>
+                                          </p:val>
+                                        </p:tav>
+                                        <p:tav tm="100000">
+                                          <p:val>
+                                            <p:strVal val="#ppt_x"/>
+                                          </p:val>
+                                        </p:tav>
+                                      </p:tavLst>
+                                    </p:anim>
+                                    <p:anim calcmode="lin" valueType="num">
+                                      <p:cBhvr>
+                                        <p:cTn id="15" dur="1000" fill="hold"/>
+                                        <p:tgtEl>
+                                          <p:spTgt spid="14"/>
+                                        </p:tgtEl>
+                                        <p:attrNameLst>
+                                          <p:attrName>ppt_y</p:attrName>
+                                        </p:attrNameLst>
+                                      </p:cBhvr>
+                                      <p:tavLst>
+                                        <p:tav tm="0">
+                                          <p:val>
+                                            <p:strVal val="#ppt_y+.1"/>
+                                          </p:val>
+                                        </p:tav>
+                                        <p:tav tm="100000">
+                                          <p:val>
+                                            <p:strVal val="#ppt_y"/>
+                                          </p:val>
+                                        </p:tav>
+                                      </p:tavLst>
+                                    </p:anim>
+                                  </p:childTnLst>
+                                </p:cTn>
+                              </p:par>
+                            </p:childTnLst>
+                          </p:cTn>
+                        </p:par>
+                      </p:childTnLst>
+                    </p:cTn>
+                  </p:par>
                 </p:childTnLst>
               </p:cTn>
               <p:prevCondLst>
@@ -19336,6 +22799,1285 @@
                       </p:childTnLst>
                     </p:cTn>
                   </p:par>
+                  <p:par>
+                    <p:cTn id="9" fill="hold">
+                      <p:stCondLst>
+                        <p:cond delay="indefinite"/>
+                      </p:stCondLst>
+                      <p:childTnLst>
+                        <p:par>
+                          <p:cTn id="10" fill="hold">
+                            <p:stCondLst>
+                              <p:cond delay="0"/>
+                            </p:stCondLst>
+                            <p:childTnLst>
+                              <p:par>
+                                <p:cTn id="11" presetID="42" presetClass="entr" presetSubtype="0" fill="hold" grpId="0" nodeType="clickEffect">
+                                  <p:stCondLst>
+                                    <p:cond delay="0"/>
+                                  </p:stCondLst>
+                                  <p:childTnLst>
+                                    <p:set>
+                                      <p:cBhvr>
+                                        <p:cTn id="12" dur="1" fill="hold">
+                                          <p:stCondLst>
+                                            <p:cond delay="0"/>
+                                          </p:stCondLst>
+                                        </p:cTn>
+                                        <p:tgtEl>
+                                          <p:spTgt spid="7">
+                                            <p:txEl>
+                                              <p:pRg st="0" end="0"/>
+                                            </p:txEl>
+                                          </p:spTgt>
+                                        </p:tgtEl>
+                                        <p:attrNameLst>
+                                          <p:attrName>style.visibility</p:attrName>
+                                        </p:attrNameLst>
+                                      </p:cBhvr>
+                                      <p:to>
+                                        <p:strVal val="visible"/>
+                                      </p:to>
+                                    </p:set>
+                                    <p:animEffect transition="in" filter="fade">
+                                      <p:cBhvr>
+                                        <p:cTn id="13" dur="1000"/>
+                                        <p:tgtEl>
+                                          <p:spTgt spid="7">
+                                            <p:txEl>
+                                              <p:pRg st="0" end="0"/>
+                                            </p:txEl>
+                                          </p:spTgt>
+                                        </p:tgtEl>
+                                      </p:cBhvr>
+                                    </p:animEffect>
+                                    <p:anim calcmode="lin" valueType="num">
+                                      <p:cBhvr>
+                                        <p:cTn id="14" dur="1000" fill="hold"/>
+                                        <p:tgtEl>
+                                          <p:spTgt spid="7">
+                                            <p:txEl>
+                                              <p:pRg st="0" end="0"/>
+                                            </p:txEl>
+                                          </p:spTgt>
+                                        </p:tgtEl>
+                                        <p:attrNameLst>
+                                          <p:attrName>ppt_x</p:attrName>
+                                        </p:attrNameLst>
+                                      </p:cBhvr>
+                                      <p:tavLst>
+                                        <p:tav tm="0">
+                                          <p:val>
+                                            <p:strVal val="#ppt_x"/>
+                                          </p:val>
+                                        </p:tav>
+                                        <p:tav tm="100000">
+                                          <p:val>
+                                            <p:strVal val="#ppt_x"/>
+                                          </p:val>
+                                        </p:tav>
+                                      </p:tavLst>
+                                    </p:anim>
+                                    <p:anim calcmode="lin" valueType="num">
+                                      <p:cBhvr>
+                                        <p:cTn id="15" dur="1000" fill="hold"/>
+                                        <p:tgtEl>
+                                          <p:spTgt spid="7">
+                                            <p:txEl>
+                                              <p:pRg st="0" end="0"/>
+                                            </p:txEl>
+                                          </p:spTgt>
+                                        </p:tgtEl>
+                                        <p:attrNameLst>
+                                          <p:attrName>ppt_y</p:attrName>
+                                        </p:attrNameLst>
+                                      </p:cBhvr>
+                                      <p:tavLst>
+                                        <p:tav tm="0">
+                                          <p:val>
+                                            <p:strVal val="#ppt_y+.1"/>
+                                          </p:val>
+                                        </p:tav>
+                                        <p:tav tm="100000">
+                                          <p:val>
+                                            <p:strVal val="#ppt_y"/>
+                                          </p:val>
+                                        </p:tav>
+                                      </p:tavLst>
+                                    </p:anim>
+                                  </p:childTnLst>
+                                </p:cTn>
+                              </p:par>
+                              <p:par>
+                                <p:cTn id="16" presetID="42" presetClass="entr" presetSubtype="0" fill="hold" grpId="0" nodeType="withEffect">
+                                  <p:stCondLst>
+                                    <p:cond delay="0"/>
+                                  </p:stCondLst>
+                                  <p:childTnLst>
+                                    <p:set>
+                                      <p:cBhvr>
+                                        <p:cTn id="17" dur="1" fill="hold">
+                                          <p:stCondLst>
+                                            <p:cond delay="0"/>
+                                          </p:stCondLst>
+                                        </p:cTn>
+                                        <p:tgtEl>
+                                          <p:spTgt spid="7">
+                                            <p:txEl>
+                                              <p:pRg st="1" end="1"/>
+                                            </p:txEl>
+                                          </p:spTgt>
+                                        </p:tgtEl>
+                                        <p:attrNameLst>
+                                          <p:attrName>style.visibility</p:attrName>
+                                        </p:attrNameLst>
+                                      </p:cBhvr>
+                                      <p:to>
+                                        <p:strVal val="visible"/>
+                                      </p:to>
+                                    </p:set>
+                                    <p:animEffect transition="in" filter="fade">
+                                      <p:cBhvr>
+                                        <p:cTn id="18" dur="1000"/>
+                                        <p:tgtEl>
+                                          <p:spTgt spid="7">
+                                            <p:txEl>
+                                              <p:pRg st="1" end="1"/>
+                                            </p:txEl>
+                                          </p:spTgt>
+                                        </p:tgtEl>
+                                      </p:cBhvr>
+                                    </p:animEffect>
+                                    <p:anim calcmode="lin" valueType="num">
+                                      <p:cBhvr>
+                                        <p:cTn id="19" dur="1000" fill="hold"/>
+                                        <p:tgtEl>
+                                          <p:spTgt spid="7">
+                                            <p:txEl>
+                                              <p:pRg st="1" end="1"/>
+                                            </p:txEl>
+                                          </p:spTgt>
+                                        </p:tgtEl>
+                                        <p:attrNameLst>
+                                          <p:attrName>ppt_x</p:attrName>
+                                        </p:attrNameLst>
+                                      </p:cBhvr>
+                                      <p:tavLst>
+                                        <p:tav tm="0">
+                                          <p:val>
+                                            <p:strVal val="#ppt_x"/>
+                                          </p:val>
+                                        </p:tav>
+                                        <p:tav tm="100000">
+                                          <p:val>
+                                            <p:strVal val="#ppt_x"/>
+                                          </p:val>
+                                        </p:tav>
+                                      </p:tavLst>
+                                    </p:anim>
+                                    <p:anim calcmode="lin" valueType="num">
+                                      <p:cBhvr>
+                                        <p:cTn id="20" dur="1000" fill="hold"/>
+                                        <p:tgtEl>
+                                          <p:spTgt spid="7">
+                                            <p:txEl>
+                                              <p:pRg st="1" end="1"/>
+                                            </p:txEl>
+                                          </p:spTgt>
+                                        </p:tgtEl>
+                                        <p:attrNameLst>
+                                          <p:attrName>ppt_y</p:attrName>
+                                        </p:attrNameLst>
+                                      </p:cBhvr>
+                                      <p:tavLst>
+                                        <p:tav tm="0">
+                                          <p:val>
+                                            <p:strVal val="#ppt_y+.1"/>
+                                          </p:val>
+                                        </p:tav>
+                                        <p:tav tm="100000">
+                                          <p:val>
+                                            <p:strVal val="#ppt_y"/>
+                                          </p:val>
+                                        </p:tav>
+                                      </p:tavLst>
+                                    </p:anim>
+                                  </p:childTnLst>
+                                </p:cTn>
+                              </p:par>
+                              <p:par>
+                                <p:cTn id="21" presetID="42" presetClass="entr" presetSubtype="0" fill="hold" grpId="0" nodeType="withEffect">
+                                  <p:stCondLst>
+                                    <p:cond delay="0"/>
+                                  </p:stCondLst>
+                                  <p:childTnLst>
+                                    <p:set>
+                                      <p:cBhvr>
+                                        <p:cTn id="22" dur="1" fill="hold">
+                                          <p:stCondLst>
+                                            <p:cond delay="0"/>
+                                          </p:stCondLst>
+                                        </p:cTn>
+                                        <p:tgtEl>
+                                          <p:spTgt spid="7">
+                                            <p:txEl>
+                                              <p:pRg st="2" end="2"/>
+                                            </p:txEl>
+                                          </p:spTgt>
+                                        </p:tgtEl>
+                                        <p:attrNameLst>
+                                          <p:attrName>style.visibility</p:attrName>
+                                        </p:attrNameLst>
+                                      </p:cBhvr>
+                                      <p:to>
+                                        <p:strVal val="visible"/>
+                                      </p:to>
+                                    </p:set>
+                                    <p:animEffect transition="in" filter="fade">
+                                      <p:cBhvr>
+                                        <p:cTn id="23" dur="1000"/>
+                                        <p:tgtEl>
+                                          <p:spTgt spid="7">
+                                            <p:txEl>
+                                              <p:pRg st="2" end="2"/>
+                                            </p:txEl>
+                                          </p:spTgt>
+                                        </p:tgtEl>
+                                      </p:cBhvr>
+                                    </p:animEffect>
+                                    <p:anim calcmode="lin" valueType="num">
+                                      <p:cBhvr>
+                                        <p:cTn id="24" dur="1000" fill="hold"/>
+                                        <p:tgtEl>
+                                          <p:spTgt spid="7">
+                                            <p:txEl>
+                                              <p:pRg st="2" end="2"/>
+                                            </p:txEl>
+                                          </p:spTgt>
+                                        </p:tgtEl>
+                                        <p:attrNameLst>
+                                          <p:attrName>ppt_x</p:attrName>
+                                        </p:attrNameLst>
+                                      </p:cBhvr>
+                                      <p:tavLst>
+                                        <p:tav tm="0">
+                                          <p:val>
+                                            <p:strVal val="#ppt_x"/>
+                                          </p:val>
+                                        </p:tav>
+                                        <p:tav tm="100000">
+                                          <p:val>
+                                            <p:strVal val="#ppt_x"/>
+                                          </p:val>
+                                        </p:tav>
+                                      </p:tavLst>
+                                    </p:anim>
+                                    <p:anim calcmode="lin" valueType="num">
+                                      <p:cBhvr>
+                                        <p:cTn id="25" dur="1000" fill="hold"/>
+                                        <p:tgtEl>
+                                          <p:spTgt spid="7">
+                                            <p:txEl>
+                                              <p:pRg st="2" end="2"/>
+                                            </p:txEl>
+                                          </p:spTgt>
+                                        </p:tgtEl>
+                                        <p:attrNameLst>
+                                          <p:attrName>ppt_y</p:attrName>
+                                        </p:attrNameLst>
+                                      </p:cBhvr>
+                                      <p:tavLst>
+                                        <p:tav tm="0">
+                                          <p:val>
+                                            <p:strVal val="#ppt_y+.1"/>
+                                          </p:val>
+                                        </p:tav>
+                                        <p:tav tm="100000">
+                                          <p:val>
+                                            <p:strVal val="#ppt_y"/>
+                                          </p:val>
+                                        </p:tav>
+                                      </p:tavLst>
+                                    </p:anim>
+                                  </p:childTnLst>
+                                </p:cTn>
+                              </p:par>
+                              <p:par>
+                                <p:cTn id="26" presetID="42" presetClass="entr" presetSubtype="0" fill="hold" grpId="0" nodeType="withEffect">
+                                  <p:stCondLst>
+                                    <p:cond delay="0"/>
+                                  </p:stCondLst>
+                                  <p:childTnLst>
+                                    <p:set>
+                                      <p:cBhvr>
+                                        <p:cTn id="27" dur="1" fill="hold">
+                                          <p:stCondLst>
+                                            <p:cond delay="0"/>
+                                          </p:stCondLst>
+                                        </p:cTn>
+                                        <p:tgtEl>
+                                          <p:spTgt spid="7">
+                                            <p:txEl>
+                                              <p:pRg st="3" end="3"/>
+                                            </p:txEl>
+                                          </p:spTgt>
+                                        </p:tgtEl>
+                                        <p:attrNameLst>
+                                          <p:attrName>style.visibility</p:attrName>
+                                        </p:attrNameLst>
+                                      </p:cBhvr>
+                                      <p:to>
+                                        <p:strVal val="visible"/>
+                                      </p:to>
+                                    </p:set>
+                                    <p:animEffect transition="in" filter="fade">
+                                      <p:cBhvr>
+                                        <p:cTn id="28" dur="1000"/>
+                                        <p:tgtEl>
+                                          <p:spTgt spid="7">
+                                            <p:txEl>
+                                              <p:pRg st="3" end="3"/>
+                                            </p:txEl>
+                                          </p:spTgt>
+                                        </p:tgtEl>
+                                      </p:cBhvr>
+                                    </p:animEffect>
+                                    <p:anim calcmode="lin" valueType="num">
+                                      <p:cBhvr>
+                                        <p:cTn id="29" dur="1000" fill="hold"/>
+                                        <p:tgtEl>
+                                          <p:spTgt spid="7">
+                                            <p:txEl>
+                                              <p:pRg st="3" end="3"/>
+                                            </p:txEl>
+                                          </p:spTgt>
+                                        </p:tgtEl>
+                                        <p:attrNameLst>
+                                          <p:attrName>ppt_x</p:attrName>
+                                        </p:attrNameLst>
+                                      </p:cBhvr>
+                                      <p:tavLst>
+                                        <p:tav tm="0">
+                                          <p:val>
+                                            <p:strVal val="#ppt_x"/>
+                                          </p:val>
+                                        </p:tav>
+                                        <p:tav tm="100000">
+                                          <p:val>
+                                            <p:strVal val="#ppt_x"/>
+                                          </p:val>
+                                        </p:tav>
+                                      </p:tavLst>
+                                    </p:anim>
+                                    <p:anim calcmode="lin" valueType="num">
+                                      <p:cBhvr>
+                                        <p:cTn id="30" dur="1000" fill="hold"/>
+                                        <p:tgtEl>
+                                          <p:spTgt spid="7">
+                                            <p:txEl>
+                                              <p:pRg st="3" end="3"/>
+                                            </p:txEl>
+                                          </p:spTgt>
+                                        </p:tgtEl>
+                                        <p:attrNameLst>
+                                          <p:attrName>ppt_y</p:attrName>
+                                        </p:attrNameLst>
+                                      </p:cBhvr>
+                                      <p:tavLst>
+                                        <p:tav tm="0">
+                                          <p:val>
+                                            <p:strVal val="#ppt_y+.1"/>
+                                          </p:val>
+                                        </p:tav>
+                                        <p:tav tm="100000">
+                                          <p:val>
+                                            <p:strVal val="#ppt_y"/>
+                                          </p:val>
+                                        </p:tav>
+                                      </p:tavLst>
+                                    </p:anim>
+                                  </p:childTnLst>
+                                </p:cTn>
+                              </p:par>
+                              <p:par>
+                                <p:cTn id="31" presetID="42" presetClass="entr" presetSubtype="0" fill="hold" grpId="0" nodeType="withEffect">
+                                  <p:stCondLst>
+                                    <p:cond delay="0"/>
+                                  </p:stCondLst>
+                                  <p:childTnLst>
+                                    <p:set>
+                                      <p:cBhvr>
+                                        <p:cTn id="32" dur="1" fill="hold">
+                                          <p:stCondLst>
+                                            <p:cond delay="0"/>
+                                          </p:stCondLst>
+                                        </p:cTn>
+                                        <p:tgtEl>
+                                          <p:spTgt spid="7">
+                                            <p:txEl>
+                                              <p:pRg st="4" end="4"/>
+                                            </p:txEl>
+                                          </p:spTgt>
+                                        </p:tgtEl>
+                                        <p:attrNameLst>
+                                          <p:attrName>style.visibility</p:attrName>
+                                        </p:attrNameLst>
+                                      </p:cBhvr>
+                                      <p:to>
+                                        <p:strVal val="visible"/>
+                                      </p:to>
+                                    </p:set>
+                                    <p:animEffect transition="in" filter="fade">
+                                      <p:cBhvr>
+                                        <p:cTn id="33" dur="1000"/>
+                                        <p:tgtEl>
+                                          <p:spTgt spid="7">
+                                            <p:txEl>
+                                              <p:pRg st="4" end="4"/>
+                                            </p:txEl>
+                                          </p:spTgt>
+                                        </p:tgtEl>
+                                      </p:cBhvr>
+                                    </p:animEffect>
+                                    <p:anim calcmode="lin" valueType="num">
+                                      <p:cBhvr>
+                                        <p:cTn id="34" dur="1000" fill="hold"/>
+                                        <p:tgtEl>
+                                          <p:spTgt spid="7">
+                                            <p:txEl>
+                                              <p:pRg st="4" end="4"/>
+                                            </p:txEl>
+                                          </p:spTgt>
+                                        </p:tgtEl>
+                                        <p:attrNameLst>
+                                          <p:attrName>ppt_x</p:attrName>
+                                        </p:attrNameLst>
+                                      </p:cBhvr>
+                                      <p:tavLst>
+                                        <p:tav tm="0">
+                                          <p:val>
+                                            <p:strVal val="#ppt_x"/>
+                                          </p:val>
+                                        </p:tav>
+                                        <p:tav tm="100000">
+                                          <p:val>
+                                            <p:strVal val="#ppt_x"/>
+                                          </p:val>
+                                        </p:tav>
+                                      </p:tavLst>
+                                    </p:anim>
+                                    <p:anim calcmode="lin" valueType="num">
+                                      <p:cBhvr>
+                                        <p:cTn id="35" dur="1000" fill="hold"/>
+                                        <p:tgtEl>
+                                          <p:spTgt spid="7">
+                                            <p:txEl>
+                                              <p:pRg st="4" end="4"/>
+                                            </p:txEl>
+                                          </p:spTgt>
+                                        </p:tgtEl>
+                                        <p:attrNameLst>
+                                          <p:attrName>ppt_y</p:attrName>
+                                        </p:attrNameLst>
+                                      </p:cBhvr>
+                                      <p:tavLst>
+                                        <p:tav tm="0">
+                                          <p:val>
+                                            <p:strVal val="#ppt_y+.1"/>
+                                          </p:val>
+                                        </p:tav>
+                                        <p:tav tm="100000">
+                                          <p:val>
+                                            <p:strVal val="#ppt_y"/>
+                                          </p:val>
+                                        </p:tav>
+                                      </p:tavLst>
+                                    </p:anim>
+                                  </p:childTnLst>
+                                </p:cTn>
+                              </p:par>
+                              <p:par>
+                                <p:cTn id="36" presetID="42" presetClass="entr" presetSubtype="0" fill="hold" grpId="0" nodeType="withEffect">
+                                  <p:stCondLst>
+                                    <p:cond delay="0"/>
+                                  </p:stCondLst>
+                                  <p:childTnLst>
+                                    <p:set>
+                                      <p:cBhvr>
+                                        <p:cTn id="37" dur="1" fill="hold">
+                                          <p:stCondLst>
+                                            <p:cond delay="0"/>
+                                          </p:stCondLst>
+                                        </p:cTn>
+                                        <p:tgtEl>
+                                          <p:spTgt spid="7">
+                                            <p:txEl>
+                                              <p:pRg st="5" end="5"/>
+                                            </p:txEl>
+                                          </p:spTgt>
+                                        </p:tgtEl>
+                                        <p:attrNameLst>
+                                          <p:attrName>style.visibility</p:attrName>
+                                        </p:attrNameLst>
+                                      </p:cBhvr>
+                                      <p:to>
+                                        <p:strVal val="visible"/>
+                                      </p:to>
+                                    </p:set>
+                                    <p:animEffect transition="in" filter="fade">
+                                      <p:cBhvr>
+                                        <p:cTn id="38" dur="1000"/>
+                                        <p:tgtEl>
+                                          <p:spTgt spid="7">
+                                            <p:txEl>
+                                              <p:pRg st="5" end="5"/>
+                                            </p:txEl>
+                                          </p:spTgt>
+                                        </p:tgtEl>
+                                      </p:cBhvr>
+                                    </p:animEffect>
+                                    <p:anim calcmode="lin" valueType="num">
+                                      <p:cBhvr>
+                                        <p:cTn id="39" dur="1000" fill="hold"/>
+                                        <p:tgtEl>
+                                          <p:spTgt spid="7">
+                                            <p:txEl>
+                                              <p:pRg st="5" end="5"/>
+                                            </p:txEl>
+                                          </p:spTgt>
+                                        </p:tgtEl>
+                                        <p:attrNameLst>
+                                          <p:attrName>ppt_x</p:attrName>
+                                        </p:attrNameLst>
+                                      </p:cBhvr>
+                                      <p:tavLst>
+                                        <p:tav tm="0">
+                                          <p:val>
+                                            <p:strVal val="#ppt_x"/>
+                                          </p:val>
+                                        </p:tav>
+                                        <p:tav tm="100000">
+                                          <p:val>
+                                            <p:strVal val="#ppt_x"/>
+                                          </p:val>
+                                        </p:tav>
+                                      </p:tavLst>
+                                    </p:anim>
+                                    <p:anim calcmode="lin" valueType="num">
+                                      <p:cBhvr>
+                                        <p:cTn id="40" dur="1000" fill="hold"/>
+                                        <p:tgtEl>
+                                          <p:spTgt spid="7">
+                                            <p:txEl>
+                                              <p:pRg st="5" end="5"/>
+                                            </p:txEl>
+                                          </p:spTgt>
+                                        </p:tgtEl>
+                                        <p:attrNameLst>
+                                          <p:attrName>ppt_y</p:attrName>
+                                        </p:attrNameLst>
+                                      </p:cBhvr>
+                                      <p:tavLst>
+                                        <p:tav tm="0">
+                                          <p:val>
+                                            <p:strVal val="#ppt_y+.1"/>
+                                          </p:val>
+                                        </p:tav>
+                                        <p:tav tm="100000">
+                                          <p:val>
+                                            <p:strVal val="#ppt_y"/>
+                                          </p:val>
+                                        </p:tav>
+                                      </p:tavLst>
+                                    </p:anim>
+                                  </p:childTnLst>
+                                </p:cTn>
+                              </p:par>
+                              <p:par>
+                                <p:cTn id="41" presetID="42" presetClass="entr" presetSubtype="0" fill="hold" grpId="0" nodeType="withEffect">
+                                  <p:stCondLst>
+                                    <p:cond delay="0"/>
+                                  </p:stCondLst>
+                                  <p:childTnLst>
+                                    <p:set>
+                                      <p:cBhvr>
+                                        <p:cTn id="42" dur="1" fill="hold">
+                                          <p:stCondLst>
+                                            <p:cond delay="0"/>
+                                          </p:stCondLst>
+                                        </p:cTn>
+                                        <p:tgtEl>
+                                          <p:spTgt spid="7">
+                                            <p:txEl>
+                                              <p:pRg st="6" end="6"/>
+                                            </p:txEl>
+                                          </p:spTgt>
+                                        </p:tgtEl>
+                                        <p:attrNameLst>
+                                          <p:attrName>style.visibility</p:attrName>
+                                        </p:attrNameLst>
+                                      </p:cBhvr>
+                                      <p:to>
+                                        <p:strVal val="visible"/>
+                                      </p:to>
+                                    </p:set>
+                                    <p:animEffect transition="in" filter="fade">
+                                      <p:cBhvr>
+                                        <p:cTn id="43" dur="1000"/>
+                                        <p:tgtEl>
+                                          <p:spTgt spid="7">
+                                            <p:txEl>
+                                              <p:pRg st="6" end="6"/>
+                                            </p:txEl>
+                                          </p:spTgt>
+                                        </p:tgtEl>
+                                      </p:cBhvr>
+                                    </p:animEffect>
+                                    <p:anim calcmode="lin" valueType="num">
+                                      <p:cBhvr>
+                                        <p:cTn id="44" dur="1000" fill="hold"/>
+                                        <p:tgtEl>
+                                          <p:spTgt spid="7">
+                                            <p:txEl>
+                                              <p:pRg st="6" end="6"/>
+                                            </p:txEl>
+                                          </p:spTgt>
+                                        </p:tgtEl>
+                                        <p:attrNameLst>
+                                          <p:attrName>ppt_x</p:attrName>
+                                        </p:attrNameLst>
+                                      </p:cBhvr>
+                                      <p:tavLst>
+                                        <p:tav tm="0">
+                                          <p:val>
+                                            <p:strVal val="#ppt_x"/>
+                                          </p:val>
+                                        </p:tav>
+                                        <p:tav tm="100000">
+                                          <p:val>
+                                            <p:strVal val="#ppt_x"/>
+                                          </p:val>
+                                        </p:tav>
+                                      </p:tavLst>
+                                    </p:anim>
+                                    <p:anim calcmode="lin" valueType="num">
+                                      <p:cBhvr>
+                                        <p:cTn id="45" dur="1000" fill="hold"/>
+                                        <p:tgtEl>
+                                          <p:spTgt spid="7">
+                                            <p:txEl>
+                                              <p:pRg st="6" end="6"/>
+                                            </p:txEl>
+                                          </p:spTgt>
+                                        </p:tgtEl>
+                                        <p:attrNameLst>
+                                          <p:attrName>ppt_y</p:attrName>
+                                        </p:attrNameLst>
+                                      </p:cBhvr>
+                                      <p:tavLst>
+                                        <p:tav tm="0">
+                                          <p:val>
+                                            <p:strVal val="#ppt_y+.1"/>
+                                          </p:val>
+                                        </p:tav>
+                                        <p:tav tm="100000">
+                                          <p:val>
+                                            <p:strVal val="#ppt_y"/>
+                                          </p:val>
+                                        </p:tav>
+                                      </p:tavLst>
+                                    </p:anim>
+                                  </p:childTnLst>
+                                </p:cTn>
+                              </p:par>
+                              <p:par>
+                                <p:cTn id="46" presetID="42" presetClass="entr" presetSubtype="0" fill="hold" grpId="0" nodeType="withEffect">
+                                  <p:stCondLst>
+                                    <p:cond delay="0"/>
+                                  </p:stCondLst>
+                                  <p:childTnLst>
+                                    <p:set>
+                                      <p:cBhvr>
+                                        <p:cTn id="47" dur="1" fill="hold">
+                                          <p:stCondLst>
+                                            <p:cond delay="0"/>
+                                          </p:stCondLst>
+                                        </p:cTn>
+                                        <p:tgtEl>
+                                          <p:spTgt spid="7">
+                                            <p:txEl>
+                                              <p:pRg st="7" end="7"/>
+                                            </p:txEl>
+                                          </p:spTgt>
+                                        </p:tgtEl>
+                                        <p:attrNameLst>
+                                          <p:attrName>style.visibility</p:attrName>
+                                        </p:attrNameLst>
+                                      </p:cBhvr>
+                                      <p:to>
+                                        <p:strVal val="visible"/>
+                                      </p:to>
+                                    </p:set>
+                                    <p:animEffect transition="in" filter="fade">
+                                      <p:cBhvr>
+                                        <p:cTn id="48" dur="1000"/>
+                                        <p:tgtEl>
+                                          <p:spTgt spid="7">
+                                            <p:txEl>
+                                              <p:pRg st="7" end="7"/>
+                                            </p:txEl>
+                                          </p:spTgt>
+                                        </p:tgtEl>
+                                      </p:cBhvr>
+                                    </p:animEffect>
+                                    <p:anim calcmode="lin" valueType="num">
+                                      <p:cBhvr>
+                                        <p:cTn id="49" dur="1000" fill="hold"/>
+                                        <p:tgtEl>
+                                          <p:spTgt spid="7">
+                                            <p:txEl>
+                                              <p:pRg st="7" end="7"/>
+                                            </p:txEl>
+                                          </p:spTgt>
+                                        </p:tgtEl>
+                                        <p:attrNameLst>
+                                          <p:attrName>ppt_x</p:attrName>
+                                        </p:attrNameLst>
+                                      </p:cBhvr>
+                                      <p:tavLst>
+                                        <p:tav tm="0">
+                                          <p:val>
+                                            <p:strVal val="#ppt_x"/>
+                                          </p:val>
+                                        </p:tav>
+                                        <p:tav tm="100000">
+                                          <p:val>
+                                            <p:strVal val="#ppt_x"/>
+                                          </p:val>
+                                        </p:tav>
+                                      </p:tavLst>
+                                    </p:anim>
+                                    <p:anim calcmode="lin" valueType="num">
+                                      <p:cBhvr>
+                                        <p:cTn id="50" dur="1000" fill="hold"/>
+                                        <p:tgtEl>
+                                          <p:spTgt spid="7">
+                                            <p:txEl>
+                                              <p:pRg st="7" end="7"/>
+                                            </p:txEl>
+                                          </p:spTgt>
+                                        </p:tgtEl>
+                                        <p:attrNameLst>
+                                          <p:attrName>ppt_y</p:attrName>
+                                        </p:attrNameLst>
+                                      </p:cBhvr>
+                                      <p:tavLst>
+                                        <p:tav tm="0">
+                                          <p:val>
+                                            <p:strVal val="#ppt_y+.1"/>
+                                          </p:val>
+                                        </p:tav>
+                                        <p:tav tm="100000">
+                                          <p:val>
+                                            <p:strVal val="#ppt_y"/>
+                                          </p:val>
+                                        </p:tav>
+                                      </p:tavLst>
+                                    </p:anim>
+                                  </p:childTnLst>
+                                </p:cTn>
+                              </p:par>
+                              <p:par>
+                                <p:cTn id="51" presetID="42" presetClass="entr" presetSubtype="0" fill="hold" grpId="0" nodeType="withEffect">
+                                  <p:stCondLst>
+                                    <p:cond delay="0"/>
+                                  </p:stCondLst>
+                                  <p:childTnLst>
+                                    <p:set>
+                                      <p:cBhvr>
+                                        <p:cTn id="52" dur="1" fill="hold">
+                                          <p:stCondLst>
+                                            <p:cond delay="0"/>
+                                          </p:stCondLst>
+                                        </p:cTn>
+                                        <p:tgtEl>
+                                          <p:spTgt spid="7">
+                                            <p:txEl>
+                                              <p:pRg st="8" end="8"/>
+                                            </p:txEl>
+                                          </p:spTgt>
+                                        </p:tgtEl>
+                                        <p:attrNameLst>
+                                          <p:attrName>style.visibility</p:attrName>
+                                        </p:attrNameLst>
+                                      </p:cBhvr>
+                                      <p:to>
+                                        <p:strVal val="visible"/>
+                                      </p:to>
+                                    </p:set>
+                                    <p:animEffect transition="in" filter="fade">
+                                      <p:cBhvr>
+                                        <p:cTn id="53" dur="1000"/>
+                                        <p:tgtEl>
+                                          <p:spTgt spid="7">
+                                            <p:txEl>
+                                              <p:pRg st="8" end="8"/>
+                                            </p:txEl>
+                                          </p:spTgt>
+                                        </p:tgtEl>
+                                      </p:cBhvr>
+                                    </p:animEffect>
+                                    <p:anim calcmode="lin" valueType="num">
+                                      <p:cBhvr>
+                                        <p:cTn id="54" dur="1000" fill="hold"/>
+                                        <p:tgtEl>
+                                          <p:spTgt spid="7">
+                                            <p:txEl>
+                                              <p:pRg st="8" end="8"/>
+                                            </p:txEl>
+                                          </p:spTgt>
+                                        </p:tgtEl>
+                                        <p:attrNameLst>
+                                          <p:attrName>ppt_x</p:attrName>
+                                        </p:attrNameLst>
+                                      </p:cBhvr>
+                                      <p:tavLst>
+                                        <p:tav tm="0">
+                                          <p:val>
+                                            <p:strVal val="#ppt_x"/>
+                                          </p:val>
+                                        </p:tav>
+                                        <p:tav tm="100000">
+                                          <p:val>
+                                            <p:strVal val="#ppt_x"/>
+                                          </p:val>
+                                        </p:tav>
+                                      </p:tavLst>
+                                    </p:anim>
+                                    <p:anim calcmode="lin" valueType="num">
+                                      <p:cBhvr>
+                                        <p:cTn id="55" dur="1000" fill="hold"/>
+                                        <p:tgtEl>
+                                          <p:spTgt spid="7">
+                                            <p:txEl>
+                                              <p:pRg st="8" end="8"/>
+                                            </p:txEl>
+                                          </p:spTgt>
+                                        </p:tgtEl>
+                                        <p:attrNameLst>
+                                          <p:attrName>ppt_y</p:attrName>
+                                        </p:attrNameLst>
+                                      </p:cBhvr>
+                                      <p:tavLst>
+                                        <p:tav tm="0">
+                                          <p:val>
+                                            <p:strVal val="#ppt_y+.1"/>
+                                          </p:val>
+                                        </p:tav>
+                                        <p:tav tm="100000">
+                                          <p:val>
+                                            <p:strVal val="#ppt_y"/>
+                                          </p:val>
+                                        </p:tav>
+                                      </p:tavLst>
+                                    </p:anim>
+                                  </p:childTnLst>
+                                </p:cTn>
+                              </p:par>
+                              <p:par>
+                                <p:cTn id="56" presetID="42" presetClass="entr" presetSubtype="0" fill="hold" grpId="0" nodeType="withEffect">
+                                  <p:stCondLst>
+                                    <p:cond delay="0"/>
+                                  </p:stCondLst>
+                                  <p:childTnLst>
+                                    <p:set>
+                                      <p:cBhvr>
+                                        <p:cTn id="57" dur="1" fill="hold">
+                                          <p:stCondLst>
+                                            <p:cond delay="0"/>
+                                          </p:stCondLst>
+                                        </p:cTn>
+                                        <p:tgtEl>
+                                          <p:spTgt spid="7">
+                                            <p:txEl>
+                                              <p:pRg st="9" end="9"/>
+                                            </p:txEl>
+                                          </p:spTgt>
+                                        </p:tgtEl>
+                                        <p:attrNameLst>
+                                          <p:attrName>style.visibility</p:attrName>
+                                        </p:attrNameLst>
+                                      </p:cBhvr>
+                                      <p:to>
+                                        <p:strVal val="visible"/>
+                                      </p:to>
+                                    </p:set>
+                                    <p:animEffect transition="in" filter="fade">
+                                      <p:cBhvr>
+                                        <p:cTn id="58" dur="1000"/>
+                                        <p:tgtEl>
+                                          <p:spTgt spid="7">
+                                            <p:txEl>
+                                              <p:pRg st="9" end="9"/>
+                                            </p:txEl>
+                                          </p:spTgt>
+                                        </p:tgtEl>
+                                      </p:cBhvr>
+                                    </p:animEffect>
+                                    <p:anim calcmode="lin" valueType="num">
+                                      <p:cBhvr>
+                                        <p:cTn id="59" dur="1000" fill="hold"/>
+                                        <p:tgtEl>
+                                          <p:spTgt spid="7">
+                                            <p:txEl>
+                                              <p:pRg st="9" end="9"/>
+                                            </p:txEl>
+                                          </p:spTgt>
+                                        </p:tgtEl>
+                                        <p:attrNameLst>
+                                          <p:attrName>ppt_x</p:attrName>
+                                        </p:attrNameLst>
+                                      </p:cBhvr>
+                                      <p:tavLst>
+                                        <p:tav tm="0">
+                                          <p:val>
+                                            <p:strVal val="#ppt_x"/>
+                                          </p:val>
+                                        </p:tav>
+                                        <p:tav tm="100000">
+                                          <p:val>
+                                            <p:strVal val="#ppt_x"/>
+                                          </p:val>
+                                        </p:tav>
+                                      </p:tavLst>
+                                    </p:anim>
+                                    <p:anim calcmode="lin" valueType="num">
+                                      <p:cBhvr>
+                                        <p:cTn id="60" dur="1000" fill="hold"/>
+                                        <p:tgtEl>
+                                          <p:spTgt spid="7">
+                                            <p:txEl>
+                                              <p:pRg st="9" end="9"/>
+                                            </p:txEl>
+                                          </p:spTgt>
+                                        </p:tgtEl>
+                                        <p:attrNameLst>
+                                          <p:attrName>ppt_y</p:attrName>
+                                        </p:attrNameLst>
+                                      </p:cBhvr>
+                                      <p:tavLst>
+                                        <p:tav tm="0">
+                                          <p:val>
+                                            <p:strVal val="#ppt_y+.1"/>
+                                          </p:val>
+                                        </p:tav>
+                                        <p:tav tm="100000">
+                                          <p:val>
+                                            <p:strVal val="#ppt_y"/>
+                                          </p:val>
+                                        </p:tav>
+                                      </p:tavLst>
+                                    </p:anim>
+                                  </p:childTnLst>
+                                </p:cTn>
+                              </p:par>
+                              <p:par>
+                                <p:cTn id="61" presetID="42" presetClass="entr" presetSubtype="0" fill="hold" grpId="0" nodeType="withEffect">
+                                  <p:stCondLst>
+                                    <p:cond delay="0"/>
+                                  </p:stCondLst>
+                                  <p:childTnLst>
+                                    <p:set>
+                                      <p:cBhvr>
+                                        <p:cTn id="62" dur="1" fill="hold">
+                                          <p:stCondLst>
+                                            <p:cond delay="0"/>
+                                          </p:stCondLst>
+                                        </p:cTn>
+                                        <p:tgtEl>
+                                          <p:spTgt spid="7">
+                                            <p:txEl>
+                                              <p:pRg st="10" end="10"/>
+                                            </p:txEl>
+                                          </p:spTgt>
+                                        </p:tgtEl>
+                                        <p:attrNameLst>
+                                          <p:attrName>style.visibility</p:attrName>
+                                        </p:attrNameLst>
+                                      </p:cBhvr>
+                                      <p:to>
+                                        <p:strVal val="visible"/>
+                                      </p:to>
+                                    </p:set>
+                                    <p:animEffect transition="in" filter="fade">
+                                      <p:cBhvr>
+                                        <p:cTn id="63" dur="1000"/>
+                                        <p:tgtEl>
+                                          <p:spTgt spid="7">
+                                            <p:txEl>
+                                              <p:pRg st="10" end="10"/>
+                                            </p:txEl>
+                                          </p:spTgt>
+                                        </p:tgtEl>
+                                      </p:cBhvr>
+                                    </p:animEffect>
+                                    <p:anim calcmode="lin" valueType="num">
+                                      <p:cBhvr>
+                                        <p:cTn id="64" dur="1000" fill="hold"/>
+                                        <p:tgtEl>
+                                          <p:spTgt spid="7">
+                                            <p:txEl>
+                                              <p:pRg st="10" end="10"/>
+                                            </p:txEl>
+                                          </p:spTgt>
+                                        </p:tgtEl>
+                                        <p:attrNameLst>
+                                          <p:attrName>ppt_x</p:attrName>
+                                        </p:attrNameLst>
+                                      </p:cBhvr>
+                                      <p:tavLst>
+                                        <p:tav tm="0">
+                                          <p:val>
+                                            <p:strVal val="#ppt_x"/>
+                                          </p:val>
+                                        </p:tav>
+                                        <p:tav tm="100000">
+                                          <p:val>
+                                            <p:strVal val="#ppt_x"/>
+                                          </p:val>
+                                        </p:tav>
+                                      </p:tavLst>
+                                    </p:anim>
+                                    <p:anim calcmode="lin" valueType="num">
+                                      <p:cBhvr>
+                                        <p:cTn id="65" dur="1000" fill="hold"/>
+                                        <p:tgtEl>
+                                          <p:spTgt spid="7">
+                                            <p:txEl>
+                                              <p:pRg st="10" end="10"/>
+                                            </p:txEl>
+                                          </p:spTgt>
+                                        </p:tgtEl>
+                                        <p:attrNameLst>
+                                          <p:attrName>ppt_y</p:attrName>
+                                        </p:attrNameLst>
+                                      </p:cBhvr>
+                                      <p:tavLst>
+                                        <p:tav tm="0">
+                                          <p:val>
+                                            <p:strVal val="#ppt_y+.1"/>
+                                          </p:val>
+                                        </p:tav>
+                                        <p:tav tm="100000">
+                                          <p:val>
+                                            <p:strVal val="#ppt_y"/>
+                                          </p:val>
+                                        </p:tav>
+                                      </p:tavLst>
+                                    </p:anim>
+                                  </p:childTnLst>
+                                </p:cTn>
+                              </p:par>
+                              <p:par>
+                                <p:cTn id="66" presetID="42" presetClass="entr" presetSubtype="0" fill="hold" grpId="0" nodeType="withEffect">
+                                  <p:stCondLst>
+                                    <p:cond delay="0"/>
+                                  </p:stCondLst>
+                                  <p:childTnLst>
+                                    <p:set>
+                                      <p:cBhvr>
+                                        <p:cTn id="67" dur="1" fill="hold">
+                                          <p:stCondLst>
+                                            <p:cond delay="0"/>
+                                          </p:stCondLst>
+                                        </p:cTn>
+                                        <p:tgtEl>
+                                          <p:spTgt spid="7">
+                                            <p:txEl>
+                                              <p:pRg st="11" end="11"/>
+                                            </p:txEl>
+                                          </p:spTgt>
+                                        </p:tgtEl>
+                                        <p:attrNameLst>
+                                          <p:attrName>style.visibility</p:attrName>
+                                        </p:attrNameLst>
+                                      </p:cBhvr>
+                                      <p:to>
+                                        <p:strVal val="visible"/>
+                                      </p:to>
+                                    </p:set>
+                                    <p:animEffect transition="in" filter="fade">
+                                      <p:cBhvr>
+                                        <p:cTn id="68" dur="1000"/>
+                                        <p:tgtEl>
+                                          <p:spTgt spid="7">
+                                            <p:txEl>
+                                              <p:pRg st="11" end="11"/>
+                                            </p:txEl>
+                                          </p:spTgt>
+                                        </p:tgtEl>
+                                      </p:cBhvr>
+                                    </p:animEffect>
+                                    <p:anim calcmode="lin" valueType="num">
+                                      <p:cBhvr>
+                                        <p:cTn id="69" dur="1000" fill="hold"/>
+                                        <p:tgtEl>
+                                          <p:spTgt spid="7">
+                                            <p:txEl>
+                                              <p:pRg st="11" end="11"/>
+                                            </p:txEl>
+                                          </p:spTgt>
+                                        </p:tgtEl>
+                                        <p:attrNameLst>
+                                          <p:attrName>ppt_x</p:attrName>
+                                        </p:attrNameLst>
+                                      </p:cBhvr>
+                                      <p:tavLst>
+                                        <p:tav tm="0">
+                                          <p:val>
+                                            <p:strVal val="#ppt_x"/>
+                                          </p:val>
+                                        </p:tav>
+                                        <p:tav tm="100000">
+                                          <p:val>
+                                            <p:strVal val="#ppt_x"/>
+                                          </p:val>
+                                        </p:tav>
+                                      </p:tavLst>
+                                    </p:anim>
+                                    <p:anim calcmode="lin" valueType="num">
+                                      <p:cBhvr>
+                                        <p:cTn id="70" dur="1000" fill="hold"/>
+                                        <p:tgtEl>
+                                          <p:spTgt spid="7">
+                                            <p:txEl>
+                                              <p:pRg st="11" end="11"/>
+                                            </p:txEl>
+                                          </p:spTgt>
+                                        </p:tgtEl>
+                                        <p:attrNameLst>
+                                          <p:attrName>ppt_y</p:attrName>
+                                        </p:attrNameLst>
+                                      </p:cBhvr>
+                                      <p:tavLst>
+                                        <p:tav tm="0">
+                                          <p:val>
+                                            <p:strVal val="#ppt_y+.1"/>
+                                          </p:val>
+                                        </p:tav>
+                                        <p:tav tm="100000">
+                                          <p:val>
+                                            <p:strVal val="#ppt_y"/>
+                                          </p:val>
+                                        </p:tav>
+                                      </p:tavLst>
+                                    </p:anim>
+                                  </p:childTnLst>
+                                </p:cTn>
+                              </p:par>
+                              <p:par>
+                                <p:cTn id="71" presetID="42" presetClass="entr" presetSubtype="0" fill="hold" grpId="0" nodeType="withEffect">
+                                  <p:stCondLst>
+                                    <p:cond delay="0"/>
+                                  </p:stCondLst>
+                                  <p:childTnLst>
+                                    <p:set>
+                                      <p:cBhvr>
+                                        <p:cTn id="72" dur="1" fill="hold">
+                                          <p:stCondLst>
+                                            <p:cond delay="0"/>
+                                          </p:stCondLst>
+                                        </p:cTn>
+                                        <p:tgtEl>
+                                          <p:spTgt spid="7">
+                                            <p:txEl>
+                                              <p:pRg st="12" end="12"/>
+                                            </p:txEl>
+                                          </p:spTgt>
+                                        </p:tgtEl>
+                                        <p:attrNameLst>
+                                          <p:attrName>style.visibility</p:attrName>
+                                        </p:attrNameLst>
+                                      </p:cBhvr>
+                                      <p:to>
+                                        <p:strVal val="visible"/>
+                                      </p:to>
+                                    </p:set>
+                                    <p:animEffect transition="in" filter="fade">
+                                      <p:cBhvr>
+                                        <p:cTn id="73" dur="1000"/>
+                                        <p:tgtEl>
+                                          <p:spTgt spid="7">
+                                            <p:txEl>
+                                              <p:pRg st="12" end="12"/>
+                                            </p:txEl>
+                                          </p:spTgt>
+                                        </p:tgtEl>
+                                      </p:cBhvr>
+                                    </p:animEffect>
+                                    <p:anim calcmode="lin" valueType="num">
+                                      <p:cBhvr>
+                                        <p:cTn id="74" dur="1000" fill="hold"/>
+                                        <p:tgtEl>
+                                          <p:spTgt spid="7">
+                                            <p:txEl>
+                                              <p:pRg st="12" end="12"/>
+                                            </p:txEl>
+                                          </p:spTgt>
+                                        </p:tgtEl>
+                                        <p:attrNameLst>
+                                          <p:attrName>ppt_x</p:attrName>
+                                        </p:attrNameLst>
+                                      </p:cBhvr>
+                                      <p:tavLst>
+                                        <p:tav tm="0">
+                                          <p:val>
+                                            <p:strVal val="#ppt_x"/>
+                                          </p:val>
+                                        </p:tav>
+                                        <p:tav tm="100000">
+                                          <p:val>
+                                            <p:strVal val="#ppt_x"/>
+                                          </p:val>
+                                        </p:tav>
+                                      </p:tavLst>
+                                    </p:anim>
+                                    <p:anim calcmode="lin" valueType="num">
+                                      <p:cBhvr>
+                                        <p:cTn id="75" dur="1000" fill="hold"/>
+                                        <p:tgtEl>
+                                          <p:spTgt spid="7">
+                                            <p:txEl>
+                                              <p:pRg st="12" end="12"/>
+                                            </p:txEl>
+                                          </p:spTgt>
+                                        </p:tgtEl>
+                                        <p:attrNameLst>
+                                          <p:attrName>ppt_y</p:attrName>
+                                        </p:attrNameLst>
+                                      </p:cBhvr>
+                                      <p:tavLst>
+                                        <p:tav tm="0">
+                                          <p:val>
+                                            <p:strVal val="#ppt_y+.1"/>
+                                          </p:val>
+                                        </p:tav>
+                                        <p:tav tm="100000">
+                                          <p:val>
+                                            <p:strVal val="#ppt_y"/>
+                                          </p:val>
+                                        </p:tav>
+                                      </p:tavLst>
+                                    </p:anim>
+                                  </p:childTnLst>
+                                </p:cTn>
+                              </p:par>
+                            </p:childTnLst>
+                          </p:cTn>
+                        </p:par>
+                      </p:childTnLst>
+                    </p:cTn>
+                  </p:par>
                 </p:childTnLst>
               </p:cTn>
               <p:prevCondLst>
@@ -19359,6 +24101,7 @@
     </p:tnLst>
     <p:bldLst>
       <p:bldP spid="2" grpId="0"/>
+      <p:bldP spid="7" grpId="0" build="p"/>
     </p:bldLst>
   </p:timing>
 </p:sld>
@@ -23319,6 +28062,1188 @@
                       </p:childTnLst>
                     </p:cTn>
                   </p:par>
+                  <p:par>
+                    <p:cTn id="9" fill="hold">
+                      <p:stCondLst>
+                        <p:cond delay="indefinite"/>
+                      </p:stCondLst>
+                      <p:childTnLst>
+                        <p:par>
+                          <p:cTn id="10" fill="hold">
+                            <p:stCondLst>
+                              <p:cond delay="0"/>
+                            </p:stCondLst>
+                            <p:childTnLst>
+                              <p:par>
+                                <p:cTn id="11" presetID="42" presetClass="entr" presetSubtype="0" fill="hold" grpId="0" nodeType="clickEffect">
+                                  <p:stCondLst>
+                                    <p:cond delay="0"/>
+                                  </p:stCondLst>
+                                  <p:childTnLst>
+                                    <p:set>
+                                      <p:cBhvr>
+                                        <p:cTn id="12" dur="1" fill="hold">
+                                          <p:stCondLst>
+                                            <p:cond delay="0"/>
+                                          </p:stCondLst>
+                                        </p:cTn>
+                                        <p:tgtEl>
+                                          <p:spTgt spid="7">
+                                            <p:txEl>
+                                              <p:pRg st="0" end="0"/>
+                                            </p:txEl>
+                                          </p:spTgt>
+                                        </p:tgtEl>
+                                        <p:attrNameLst>
+                                          <p:attrName>style.visibility</p:attrName>
+                                        </p:attrNameLst>
+                                      </p:cBhvr>
+                                      <p:to>
+                                        <p:strVal val="visible"/>
+                                      </p:to>
+                                    </p:set>
+                                    <p:animEffect transition="in" filter="fade">
+                                      <p:cBhvr>
+                                        <p:cTn id="13" dur="1000"/>
+                                        <p:tgtEl>
+                                          <p:spTgt spid="7">
+                                            <p:txEl>
+                                              <p:pRg st="0" end="0"/>
+                                            </p:txEl>
+                                          </p:spTgt>
+                                        </p:tgtEl>
+                                      </p:cBhvr>
+                                    </p:animEffect>
+                                    <p:anim calcmode="lin" valueType="num">
+                                      <p:cBhvr>
+                                        <p:cTn id="14" dur="1000" fill="hold"/>
+                                        <p:tgtEl>
+                                          <p:spTgt spid="7">
+                                            <p:txEl>
+                                              <p:pRg st="0" end="0"/>
+                                            </p:txEl>
+                                          </p:spTgt>
+                                        </p:tgtEl>
+                                        <p:attrNameLst>
+                                          <p:attrName>ppt_x</p:attrName>
+                                        </p:attrNameLst>
+                                      </p:cBhvr>
+                                      <p:tavLst>
+                                        <p:tav tm="0">
+                                          <p:val>
+                                            <p:strVal val="#ppt_x"/>
+                                          </p:val>
+                                        </p:tav>
+                                        <p:tav tm="100000">
+                                          <p:val>
+                                            <p:strVal val="#ppt_x"/>
+                                          </p:val>
+                                        </p:tav>
+                                      </p:tavLst>
+                                    </p:anim>
+                                    <p:anim calcmode="lin" valueType="num">
+                                      <p:cBhvr>
+                                        <p:cTn id="15" dur="1000" fill="hold"/>
+                                        <p:tgtEl>
+                                          <p:spTgt spid="7">
+                                            <p:txEl>
+                                              <p:pRg st="0" end="0"/>
+                                            </p:txEl>
+                                          </p:spTgt>
+                                        </p:tgtEl>
+                                        <p:attrNameLst>
+                                          <p:attrName>ppt_y</p:attrName>
+                                        </p:attrNameLst>
+                                      </p:cBhvr>
+                                      <p:tavLst>
+                                        <p:tav tm="0">
+                                          <p:val>
+                                            <p:strVal val="#ppt_y+.1"/>
+                                          </p:val>
+                                        </p:tav>
+                                        <p:tav tm="100000">
+                                          <p:val>
+                                            <p:strVal val="#ppt_y"/>
+                                          </p:val>
+                                        </p:tav>
+                                      </p:tavLst>
+                                    </p:anim>
+                                  </p:childTnLst>
+                                </p:cTn>
+                              </p:par>
+                              <p:par>
+                                <p:cTn id="16" presetID="42" presetClass="entr" presetSubtype="0" fill="hold" grpId="0" nodeType="withEffect">
+                                  <p:stCondLst>
+                                    <p:cond delay="0"/>
+                                  </p:stCondLst>
+                                  <p:childTnLst>
+                                    <p:set>
+                                      <p:cBhvr>
+                                        <p:cTn id="17" dur="1" fill="hold">
+                                          <p:stCondLst>
+                                            <p:cond delay="0"/>
+                                          </p:stCondLst>
+                                        </p:cTn>
+                                        <p:tgtEl>
+                                          <p:spTgt spid="7">
+                                            <p:txEl>
+                                              <p:pRg st="1" end="1"/>
+                                            </p:txEl>
+                                          </p:spTgt>
+                                        </p:tgtEl>
+                                        <p:attrNameLst>
+                                          <p:attrName>style.visibility</p:attrName>
+                                        </p:attrNameLst>
+                                      </p:cBhvr>
+                                      <p:to>
+                                        <p:strVal val="visible"/>
+                                      </p:to>
+                                    </p:set>
+                                    <p:animEffect transition="in" filter="fade">
+                                      <p:cBhvr>
+                                        <p:cTn id="18" dur="1000"/>
+                                        <p:tgtEl>
+                                          <p:spTgt spid="7">
+                                            <p:txEl>
+                                              <p:pRg st="1" end="1"/>
+                                            </p:txEl>
+                                          </p:spTgt>
+                                        </p:tgtEl>
+                                      </p:cBhvr>
+                                    </p:animEffect>
+                                    <p:anim calcmode="lin" valueType="num">
+                                      <p:cBhvr>
+                                        <p:cTn id="19" dur="1000" fill="hold"/>
+                                        <p:tgtEl>
+                                          <p:spTgt spid="7">
+                                            <p:txEl>
+                                              <p:pRg st="1" end="1"/>
+                                            </p:txEl>
+                                          </p:spTgt>
+                                        </p:tgtEl>
+                                        <p:attrNameLst>
+                                          <p:attrName>ppt_x</p:attrName>
+                                        </p:attrNameLst>
+                                      </p:cBhvr>
+                                      <p:tavLst>
+                                        <p:tav tm="0">
+                                          <p:val>
+                                            <p:strVal val="#ppt_x"/>
+                                          </p:val>
+                                        </p:tav>
+                                        <p:tav tm="100000">
+                                          <p:val>
+                                            <p:strVal val="#ppt_x"/>
+                                          </p:val>
+                                        </p:tav>
+                                      </p:tavLst>
+                                    </p:anim>
+                                    <p:anim calcmode="lin" valueType="num">
+                                      <p:cBhvr>
+                                        <p:cTn id="20" dur="1000" fill="hold"/>
+                                        <p:tgtEl>
+                                          <p:spTgt spid="7">
+                                            <p:txEl>
+                                              <p:pRg st="1" end="1"/>
+                                            </p:txEl>
+                                          </p:spTgt>
+                                        </p:tgtEl>
+                                        <p:attrNameLst>
+                                          <p:attrName>ppt_y</p:attrName>
+                                        </p:attrNameLst>
+                                      </p:cBhvr>
+                                      <p:tavLst>
+                                        <p:tav tm="0">
+                                          <p:val>
+                                            <p:strVal val="#ppt_y+.1"/>
+                                          </p:val>
+                                        </p:tav>
+                                        <p:tav tm="100000">
+                                          <p:val>
+                                            <p:strVal val="#ppt_y"/>
+                                          </p:val>
+                                        </p:tav>
+                                      </p:tavLst>
+                                    </p:anim>
+                                  </p:childTnLst>
+                                </p:cTn>
+                              </p:par>
+                              <p:par>
+                                <p:cTn id="21" presetID="42" presetClass="entr" presetSubtype="0" fill="hold" grpId="0" nodeType="withEffect">
+                                  <p:stCondLst>
+                                    <p:cond delay="0"/>
+                                  </p:stCondLst>
+                                  <p:childTnLst>
+                                    <p:set>
+                                      <p:cBhvr>
+                                        <p:cTn id="22" dur="1" fill="hold">
+                                          <p:stCondLst>
+                                            <p:cond delay="0"/>
+                                          </p:stCondLst>
+                                        </p:cTn>
+                                        <p:tgtEl>
+                                          <p:spTgt spid="7">
+                                            <p:txEl>
+                                              <p:pRg st="2" end="2"/>
+                                            </p:txEl>
+                                          </p:spTgt>
+                                        </p:tgtEl>
+                                        <p:attrNameLst>
+                                          <p:attrName>style.visibility</p:attrName>
+                                        </p:attrNameLst>
+                                      </p:cBhvr>
+                                      <p:to>
+                                        <p:strVal val="visible"/>
+                                      </p:to>
+                                    </p:set>
+                                    <p:animEffect transition="in" filter="fade">
+                                      <p:cBhvr>
+                                        <p:cTn id="23" dur="1000"/>
+                                        <p:tgtEl>
+                                          <p:spTgt spid="7">
+                                            <p:txEl>
+                                              <p:pRg st="2" end="2"/>
+                                            </p:txEl>
+                                          </p:spTgt>
+                                        </p:tgtEl>
+                                      </p:cBhvr>
+                                    </p:animEffect>
+                                    <p:anim calcmode="lin" valueType="num">
+                                      <p:cBhvr>
+                                        <p:cTn id="24" dur="1000" fill="hold"/>
+                                        <p:tgtEl>
+                                          <p:spTgt spid="7">
+                                            <p:txEl>
+                                              <p:pRg st="2" end="2"/>
+                                            </p:txEl>
+                                          </p:spTgt>
+                                        </p:tgtEl>
+                                        <p:attrNameLst>
+                                          <p:attrName>ppt_x</p:attrName>
+                                        </p:attrNameLst>
+                                      </p:cBhvr>
+                                      <p:tavLst>
+                                        <p:tav tm="0">
+                                          <p:val>
+                                            <p:strVal val="#ppt_x"/>
+                                          </p:val>
+                                        </p:tav>
+                                        <p:tav tm="100000">
+                                          <p:val>
+                                            <p:strVal val="#ppt_x"/>
+                                          </p:val>
+                                        </p:tav>
+                                      </p:tavLst>
+                                    </p:anim>
+                                    <p:anim calcmode="lin" valueType="num">
+                                      <p:cBhvr>
+                                        <p:cTn id="25" dur="1000" fill="hold"/>
+                                        <p:tgtEl>
+                                          <p:spTgt spid="7">
+                                            <p:txEl>
+                                              <p:pRg st="2" end="2"/>
+                                            </p:txEl>
+                                          </p:spTgt>
+                                        </p:tgtEl>
+                                        <p:attrNameLst>
+                                          <p:attrName>ppt_y</p:attrName>
+                                        </p:attrNameLst>
+                                      </p:cBhvr>
+                                      <p:tavLst>
+                                        <p:tav tm="0">
+                                          <p:val>
+                                            <p:strVal val="#ppt_y+.1"/>
+                                          </p:val>
+                                        </p:tav>
+                                        <p:tav tm="100000">
+                                          <p:val>
+                                            <p:strVal val="#ppt_y"/>
+                                          </p:val>
+                                        </p:tav>
+                                      </p:tavLst>
+                                    </p:anim>
+                                  </p:childTnLst>
+                                </p:cTn>
+                              </p:par>
+                              <p:par>
+                                <p:cTn id="26" presetID="42" presetClass="entr" presetSubtype="0" fill="hold" grpId="0" nodeType="withEffect">
+                                  <p:stCondLst>
+                                    <p:cond delay="0"/>
+                                  </p:stCondLst>
+                                  <p:childTnLst>
+                                    <p:set>
+                                      <p:cBhvr>
+                                        <p:cTn id="27" dur="1" fill="hold">
+                                          <p:stCondLst>
+                                            <p:cond delay="0"/>
+                                          </p:stCondLst>
+                                        </p:cTn>
+                                        <p:tgtEl>
+                                          <p:spTgt spid="7">
+                                            <p:txEl>
+                                              <p:pRg st="3" end="3"/>
+                                            </p:txEl>
+                                          </p:spTgt>
+                                        </p:tgtEl>
+                                        <p:attrNameLst>
+                                          <p:attrName>style.visibility</p:attrName>
+                                        </p:attrNameLst>
+                                      </p:cBhvr>
+                                      <p:to>
+                                        <p:strVal val="visible"/>
+                                      </p:to>
+                                    </p:set>
+                                    <p:animEffect transition="in" filter="fade">
+                                      <p:cBhvr>
+                                        <p:cTn id="28" dur="1000"/>
+                                        <p:tgtEl>
+                                          <p:spTgt spid="7">
+                                            <p:txEl>
+                                              <p:pRg st="3" end="3"/>
+                                            </p:txEl>
+                                          </p:spTgt>
+                                        </p:tgtEl>
+                                      </p:cBhvr>
+                                    </p:animEffect>
+                                    <p:anim calcmode="lin" valueType="num">
+                                      <p:cBhvr>
+                                        <p:cTn id="29" dur="1000" fill="hold"/>
+                                        <p:tgtEl>
+                                          <p:spTgt spid="7">
+                                            <p:txEl>
+                                              <p:pRg st="3" end="3"/>
+                                            </p:txEl>
+                                          </p:spTgt>
+                                        </p:tgtEl>
+                                        <p:attrNameLst>
+                                          <p:attrName>ppt_x</p:attrName>
+                                        </p:attrNameLst>
+                                      </p:cBhvr>
+                                      <p:tavLst>
+                                        <p:tav tm="0">
+                                          <p:val>
+                                            <p:strVal val="#ppt_x"/>
+                                          </p:val>
+                                        </p:tav>
+                                        <p:tav tm="100000">
+                                          <p:val>
+                                            <p:strVal val="#ppt_x"/>
+                                          </p:val>
+                                        </p:tav>
+                                      </p:tavLst>
+                                    </p:anim>
+                                    <p:anim calcmode="lin" valueType="num">
+                                      <p:cBhvr>
+                                        <p:cTn id="30" dur="1000" fill="hold"/>
+                                        <p:tgtEl>
+                                          <p:spTgt spid="7">
+                                            <p:txEl>
+                                              <p:pRg st="3" end="3"/>
+                                            </p:txEl>
+                                          </p:spTgt>
+                                        </p:tgtEl>
+                                        <p:attrNameLst>
+                                          <p:attrName>ppt_y</p:attrName>
+                                        </p:attrNameLst>
+                                      </p:cBhvr>
+                                      <p:tavLst>
+                                        <p:tav tm="0">
+                                          <p:val>
+                                            <p:strVal val="#ppt_y+.1"/>
+                                          </p:val>
+                                        </p:tav>
+                                        <p:tav tm="100000">
+                                          <p:val>
+                                            <p:strVal val="#ppt_y"/>
+                                          </p:val>
+                                        </p:tav>
+                                      </p:tavLst>
+                                    </p:anim>
+                                  </p:childTnLst>
+                                </p:cTn>
+                              </p:par>
+                              <p:par>
+                                <p:cTn id="31" presetID="42" presetClass="entr" presetSubtype="0" fill="hold" grpId="0" nodeType="withEffect">
+                                  <p:stCondLst>
+                                    <p:cond delay="0"/>
+                                  </p:stCondLst>
+                                  <p:childTnLst>
+                                    <p:set>
+                                      <p:cBhvr>
+                                        <p:cTn id="32" dur="1" fill="hold">
+                                          <p:stCondLst>
+                                            <p:cond delay="0"/>
+                                          </p:stCondLst>
+                                        </p:cTn>
+                                        <p:tgtEl>
+                                          <p:spTgt spid="7">
+                                            <p:txEl>
+                                              <p:pRg st="4" end="4"/>
+                                            </p:txEl>
+                                          </p:spTgt>
+                                        </p:tgtEl>
+                                        <p:attrNameLst>
+                                          <p:attrName>style.visibility</p:attrName>
+                                        </p:attrNameLst>
+                                      </p:cBhvr>
+                                      <p:to>
+                                        <p:strVal val="visible"/>
+                                      </p:to>
+                                    </p:set>
+                                    <p:animEffect transition="in" filter="fade">
+                                      <p:cBhvr>
+                                        <p:cTn id="33" dur="1000"/>
+                                        <p:tgtEl>
+                                          <p:spTgt spid="7">
+                                            <p:txEl>
+                                              <p:pRg st="4" end="4"/>
+                                            </p:txEl>
+                                          </p:spTgt>
+                                        </p:tgtEl>
+                                      </p:cBhvr>
+                                    </p:animEffect>
+                                    <p:anim calcmode="lin" valueType="num">
+                                      <p:cBhvr>
+                                        <p:cTn id="34" dur="1000" fill="hold"/>
+                                        <p:tgtEl>
+                                          <p:spTgt spid="7">
+                                            <p:txEl>
+                                              <p:pRg st="4" end="4"/>
+                                            </p:txEl>
+                                          </p:spTgt>
+                                        </p:tgtEl>
+                                        <p:attrNameLst>
+                                          <p:attrName>ppt_x</p:attrName>
+                                        </p:attrNameLst>
+                                      </p:cBhvr>
+                                      <p:tavLst>
+                                        <p:tav tm="0">
+                                          <p:val>
+                                            <p:strVal val="#ppt_x"/>
+                                          </p:val>
+                                        </p:tav>
+                                        <p:tav tm="100000">
+                                          <p:val>
+                                            <p:strVal val="#ppt_x"/>
+                                          </p:val>
+                                        </p:tav>
+                                      </p:tavLst>
+                                    </p:anim>
+                                    <p:anim calcmode="lin" valueType="num">
+                                      <p:cBhvr>
+                                        <p:cTn id="35" dur="1000" fill="hold"/>
+                                        <p:tgtEl>
+                                          <p:spTgt spid="7">
+                                            <p:txEl>
+                                              <p:pRg st="4" end="4"/>
+                                            </p:txEl>
+                                          </p:spTgt>
+                                        </p:tgtEl>
+                                        <p:attrNameLst>
+                                          <p:attrName>ppt_y</p:attrName>
+                                        </p:attrNameLst>
+                                      </p:cBhvr>
+                                      <p:tavLst>
+                                        <p:tav tm="0">
+                                          <p:val>
+                                            <p:strVal val="#ppt_y+.1"/>
+                                          </p:val>
+                                        </p:tav>
+                                        <p:tav tm="100000">
+                                          <p:val>
+                                            <p:strVal val="#ppt_y"/>
+                                          </p:val>
+                                        </p:tav>
+                                      </p:tavLst>
+                                    </p:anim>
+                                  </p:childTnLst>
+                                </p:cTn>
+                              </p:par>
+                              <p:par>
+                                <p:cTn id="36" presetID="42" presetClass="entr" presetSubtype="0" fill="hold" grpId="0" nodeType="withEffect">
+                                  <p:stCondLst>
+                                    <p:cond delay="0"/>
+                                  </p:stCondLst>
+                                  <p:childTnLst>
+                                    <p:set>
+                                      <p:cBhvr>
+                                        <p:cTn id="37" dur="1" fill="hold">
+                                          <p:stCondLst>
+                                            <p:cond delay="0"/>
+                                          </p:stCondLst>
+                                        </p:cTn>
+                                        <p:tgtEl>
+                                          <p:spTgt spid="7">
+                                            <p:txEl>
+                                              <p:pRg st="5" end="5"/>
+                                            </p:txEl>
+                                          </p:spTgt>
+                                        </p:tgtEl>
+                                        <p:attrNameLst>
+                                          <p:attrName>style.visibility</p:attrName>
+                                        </p:attrNameLst>
+                                      </p:cBhvr>
+                                      <p:to>
+                                        <p:strVal val="visible"/>
+                                      </p:to>
+                                    </p:set>
+                                    <p:animEffect transition="in" filter="fade">
+                                      <p:cBhvr>
+                                        <p:cTn id="38" dur="1000"/>
+                                        <p:tgtEl>
+                                          <p:spTgt spid="7">
+                                            <p:txEl>
+                                              <p:pRg st="5" end="5"/>
+                                            </p:txEl>
+                                          </p:spTgt>
+                                        </p:tgtEl>
+                                      </p:cBhvr>
+                                    </p:animEffect>
+                                    <p:anim calcmode="lin" valueType="num">
+                                      <p:cBhvr>
+                                        <p:cTn id="39" dur="1000" fill="hold"/>
+                                        <p:tgtEl>
+                                          <p:spTgt spid="7">
+                                            <p:txEl>
+                                              <p:pRg st="5" end="5"/>
+                                            </p:txEl>
+                                          </p:spTgt>
+                                        </p:tgtEl>
+                                        <p:attrNameLst>
+                                          <p:attrName>ppt_x</p:attrName>
+                                        </p:attrNameLst>
+                                      </p:cBhvr>
+                                      <p:tavLst>
+                                        <p:tav tm="0">
+                                          <p:val>
+                                            <p:strVal val="#ppt_x"/>
+                                          </p:val>
+                                        </p:tav>
+                                        <p:tav tm="100000">
+                                          <p:val>
+                                            <p:strVal val="#ppt_x"/>
+                                          </p:val>
+                                        </p:tav>
+                                      </p:tavLst>
+                                    </p:anim>
+                                    <p:anim calcmode="lin" valueType="num">
+                                      <p:cBhvr>
+                                        <p:cTn id="40" dur="1000" fill="hold"/>
+                                        <p:tgtEl>
+                                          <p:spTgt spid="7">
+                                            <p:txEl>
+                                              <p:pRg st="5" end="5"/>
+                                            </p:txEl>
+                                          </p:spTgt>
+                                        </p:tgtEl>
+                                        <p:attrNameLst>
+                                          <p:attrName>ppt_y</p:attrName>
+                                        </p:attrNameLst>
+                                      </p:cBhvr>
+                                      <p:tavLst>
+                                        <p:tav tm="0">
+                                          <p:val>
+                                            <p:strVal val="#ppt_y+.1"/>
+                                          </p:val>
+                                        </p:tav>
+                                        <p:tav tm="100000">
+                                          <p:val>
+                                            <p:strVal val="#ppt_y"/>
+                                          </p:val>
+                                        </p:tav>
+                                      </p:tavLst>
+                                    </p:anim>
+                                  </p:childTnLst>
+                                </p:cTn>
+                              </p:par>
+                              <p:par>
+                                <p:cTn id="41" presetID="42" presetClass="entr" presetSubtype="0" fill="hold" grpId="0" nodeType="withEffect">
+                                  <p:stCondLst>
+                                    <p:cond delay="0"/>
+                                  </p:stCondLst>
+                                  <p:childTnLst>
+                                    <p:set>
+                                      <p:cBhvr>
+                                        <p:cTn id="42" dur="1" fill="hold">
+                                          <p:stCondLst>
+                                            <p:cond delay="0"/>
+                                          </p:stCondLst>
+                                        </p:cTn>
+                                        <p:tgtEl>
+                                          <p:spTgt spid="7">
+                                            <p:txEl>
+                                              <p:pRg st="6" end="6"/>
+                                            </p:txEl>
+                                          </p:spTgt>
+                                        </p:tgtEl>
+                                        <p:attrNameLst>
+                                          <p:attrName>style.visibility</p:attrName>
+                                        </p:attrNameLst>
+                                      </p:cBhvr>
+                                      <p:to>
+                                        <p:strVal val="visible"/>
+                                      </p:to>
+                                    </p:set>
+                                    <p:animEffect transition="in" filter="fade">
+                                      <p:cBhvr>
+                                        <p:cTn id="43" dur="1000"/>
+                                        <p:tgtEl>
+                                          <p:spTgt spid="7">
+                                            <p:txEl>
+                                              <p:pRg st="6" end="6"/>
+                                            </p:txEl>
+                                          </p:spTgt>
+                                        </p:tgtEl>
+                                      </p:cBhvr>
+                                    </p:animEffect>
+                                    <p:anim calcmode="lin" valueType="num">
+                                      <p:cBhvr>
+                                        <p:cTn id="44" dur="1000" fill="hold"/>
+                                        <p:tgtEl>
+                                          <p:spTgt spid="7">
+                                            <p:txEl>
+                                              <p:pRg st="6" end="6"/>
+                                            </p:txEl>
+                                          </p:spTgt>
+                                        </p:tgtEl>
+                                        <p:attrNameLst>
+                                          <p:attrName>ppt_x</p:attrName>
+                                        </p:attrNameLst>
+                                      </p:cBhvr>
+                                      <p:tavLst>
+                                        <p:tav tm="0">
+                                          <p:val>
+                                            <p:strVal val="#ppt_x"/>
+                                          </p:val>
+                                        </p:tav>
+                                        <p:tav tm="100000">
+                                          <p:val>
+                                            <p:strVal val="#ppt_x"/>
+                                          </p:val>
+                                        </p:tav>
+                                      </p:tavLst>
+                                    </p:anim>
+                                    <p:anim calcmode="lin" valueType="num">
+                                      <p:cBhvr>
+                                        <p:cTn id="45" dur="1000" fill="hold"/>
+                                        <p:tgtEl>
+                                          <p:spTgt spid="7">
+                                            <p:txEl>
+                                              <p:pRg st="6" end="6"/>
+                                            </p:txEl>
+                                          </p:spTgt>
+                                        </p:tgtEl>
+                                        <p:attrNameLst>
+                                          <p:attrName>ppt_y</p:attrName>
+                                        </p:attrNameLst>
+                                      </p:cBhvr>
+                                      <p:tavLst>
+                                        <p:tav tm="0">
+                                          <p:val>
+                                            <p:strVal val="#ppt_y+.1"/>
+                                          </p:val>
+                                        </p:tav>
+                                        <p:tav tm="100000">
+                                          <p:val>
+                                            <p:strVal val="#ppt_y"/>
+                                          </p:val>
+                                        </p:tav>
+                                      </p:tavLst>
+                                    </p:anim>
+                                  </p:childTnLst>
+                                </p:cTn>
+                              </p:par>
+                              <p:par>
+                                <p:cTn id="46" presetID="42" presetClass="entr" presetSubtype="0" fill="hold" grpId="0" nodeType="withEffect">
+                                  <p:stCondLst>
+                                    <p:cond delay="0"/>
+                                  </p:stCondLst>
+                                  <p:childTnLst>
+                                    <p:set>
+                                      <p:cBhvr>
+                                        <p:cTn id="47" dur="1" fill="hold">
+                                          <p:stCondLst>
+                                            <p:cond delay="0"/>
+                                          </p:stCondLst>
+                                        </p:cTn>
+                                        <p:tgtEl>
+                                          <p:spTgt spid="7">
+                                            <p:txEl>
+                                              <p:pRg st="7" end="7"/>
+                                            </p:txEl>
+                                          </p:spTgt>
+                                        </p:tgtEl>
+                                        <p:attrNameLst>
+                                          <p:attrName>style.visibility</p:attrName>
+                                        </p:attrNameLst>
+                                      </p:cBhvr>
+                                      <p:to>
+                                        <p:strVal val="visible"/>
+                                      </p:to>
+                                    </p:set>
+                                    <p:animEffect transition="in" filter="fade">
+                                      <p:cBhvr>
+                                        <p:cTn id="48" dur="1000"/>
+                                        <p:tgtEl>
+                                          <p:spTgt spid="7">
+                                            <p:txEl>
+                                              <p:pRg st="7" end="7"/>
+                                            </p:txEl>
+                                          </p:spTgt>
+                                        </p:tgtEl>
+                                      </p:cBhvr>
+                                    </p:animEffect>
+                                    <p:anim calcmode="lin" valueType="num">
+                                      <p:cBhvr>
+                                        <p:cTn id="49" dur="1000" fill="hold"/>
+                                        <p:tgtEl>
+                                          <p:spTgt spid="7">
+                                            <p:txEl>
+                                              <p:pRg st="7" end="7"/>
+                                            </p:txEl>
+                                          </p:spTgt>
+                                        </p:tgtEl>
+                                        <p:attrNameLst>
+                                          <p:attrName>ppt_x</p:attrName>
+                                        </p:attrNameLst>
+                                      </p:cBhvr>
+                                      <p:tavLst>
+                                        <p:tav tm="0">
+                                          <p:val>
+                                            <p:strVal val="#ppt_x"/>
+                                          </p:val>
+                                        </p:tav>
+                                        <p:tav tm="100000">
+                                          <p:val>
+                                            <p:strVal val="#ppt_x"/>
+                                          </p:val>
+                                        </p:tav>
+                                      </p:tavLst>
+                                    </p:anim>
+                                    <p:anim calcmode="lin" valueType="num">
+                                      <p:cBhvr>
+                                        <p:cTn id="50" dur="1000" fill="hold"/>
+                                        <p:tgtEl>
+                                          <p:spTgt spid="7">
+                                            <p:txEl>
+                                              <p:pRg st="7" end="7"/>
+                                            </p:txEl>
+                                          </p:spTgt>
+                                        </p:tgtEl>
+                                        <p:attrNameLst>
+                                          <p:attrName>ppt_y</p:attrName>
+                                        </p:attrNameLst>
+                                      </p:cBhvr>
+                                      <p:tavLst>
+                                        <p:tav tm="0">
+                                          <p:val>
+                                            <p:strVal val="#ppt_y+.1"/>
+                                          </p:val>
+                                        </p:tav>
+                                        <p:tav tm="100000">
+                                          <p:val>
+                                            <p:strVal val="#ppt_y"/>
+                                          </p:val>
+                                        </p:tav>
+                                      </p:tavLst>
+                                    </p:anim>
+                                  </p:childTnLst>
+                                </p:cTn>
+                              </p:par>
+                              <p:par>
+                                <p:cTn id="51" presetID="42" presetClass="entr" presetSubtype="0" fill="hold" grpId="0" nodeType="withEffect">
+                                  <p:stCondLst>
+                                    <p:cond delay="0"/>
+                                  </p:stCondLst>
+                                  <p:childTnLst>
+                                    <p:set>
+                                      <p:cBhvr>
+                                        <p:cTn id="52" dur="1" fill="hold">
+                                          <p:stCondLst>
+                                            <p:cond delay="0"/>
+                                          </p:stCondLst>
+                                        </p:cTn>
+                                        <p:tgtEl>
+                                          <p:spTgt spid="7">
+                                            <p:txEl>
+                                              <p:pRg st="8" end="8"/>
+                                            </p:txEl>
+                                          </p:spTgt>
+                                        </p:tgtEl>
+                                        <p:attrNameLst>
+                                          <p:attrName>style.visibility</p:attrName>
+                                        </p:attrNameLst>
+                                      </p:cBhvr>
+                                      <p:to>
+                                        <p:strVal val="visible"/>
+                                      </p:to>
+                                    </p:set>
+                                    <p:animEffect transition="in" filter="fade">
+                                      <p:cBhvr>
+                                        <p:cTn id="53" dur="1000"/>
+                                        <p:tgtEl>
+                                          <p:spTgt spid="7">
+                                            <p:txEl>
+                                              <p:pRg st="8" end="8"/>
+                                            </p:txEl>
+                                          </p:spTgt>
+                                        </p:tgtEl>
+                                      </p:cBhvr>
+                                    </p:animEffect>
+                                    <p:anim calcmode="lin" valueType="num">
+                                      <p:cBhvr>
+                                        <p:cTn id="54" dur="1000" fill="hold"/>
+                                        <p:tgtEl>
+                                          <p:spTgt spid="7">
+                                            <p:txEl>
+                                              <p:pRg st="8" end="8"/>
+                                            </p:txEl>
+                                          </p:spTgt>
+                                        </p:tgtEl>
+                                        <p:attrNameLst>
+                                          <p:attrName>ppt_x</p:attrName>
+                                        </p:attrNameLst>
+                                      </p:cBhvr>
+                                      <p:tavLst>
+                                        <p:tav tm="0">
+                                          <p:val>
+                                            <p:strVal val="#ppt_x"/>
+                                          </p:val>
+                                        </p:tav>
+                                        <p:tav tm="100000">
+                                          <p:val>
+                                            <p:strVal val="#ppt_x"/>
+                                          </p:val>
+                                        </p:tav>
+                                      </p:tavLst>
+                                    </p:anim>
+                                    <p:anim calcmode="lin" valueType="num">
+                                      <p:cBhvr>
+                                        <p:cTn id="55" dur="1000" fill="hold"/>
+                                        <p:tgtEl>
+                                          <p:spTgt spid="7">
+                                            <p:txEl>
+                                              <p:pRg st="8" end="8"/>
+                                            </p:txEl>
+                                          </p:spTgt>
+                                        </p:tgtEl>
+                                        <p:attrNameLst>
+                                          <p:attrName>ppt_y</p:attrName>
+                                        </p:attrNameLst>
+                                      </p:cBhvr>
+                                      <p:tavLst>
+                                        <p:tav tm="0">
+                                          <p:val>
+                                            <p:strVal val="#ppt_y+.1"/>
+                                          </p:val>
+                                        </p:tav>
+                                        <p:tav tm="100000">
+                                          <p:val>
+                                            <p:strVal val="#ppt_y"/>
+                                          </p:val>
+                                        </p:tav>
+                                      </p:tavLst>
+                                    </p:anim>
+                                  </p:childTnLst>
+                                </p:cTn>
+                              </p:par>
+                              <p:par>
+                                <p:cTn id="56" presetID="42" presetClass="entr" presetSubtype="0" fill="hold" grpId="0" nodeType="withEffect">
+                                  <p:stCondLst>
+                                    <p:cond delay="0"/>
+                                  </p:stCondLst>
+                                  <p:childTnLst>
+                                    <p:set>
+                                      <p:cBhvr>
+                                        <p:cTn id="57" dur="1" fill="hold">
+                                          <p:stCondLst>
+                                            <p:cond delay="0"/>
+                                          </p:stCondLst>
+                                        </p:cTn>
+                                        <p:tgtEl>
+                                          <p:spTgt spid="7">
+                                            <p:txEl>
+                                              <p:pRg st="9" end="9"/>
+                                            </p:txEl>
+                                          </p:spTgt>
+                                        </p:tgtEl>
+                                        <p:attrNameLst>
+                                          <p:attrName>style.visibility</p:attrName>
+                                        </p:attrNameLst>
+                                      </p:cBhvr>
+                                      <p:to>
+                                        <p:strVal val="visible"/>
+                                      </p:to>
+                                    </p:set>
+                                    <p:animEffect transition="in" filter="fade">
+                                      <p:cBhvr>
+                                        <p:cTn id="58" dur="1000"/>
+                                        <p:tgtEl>
+                                          <p:spTgt spid="7">
+                                            <p:txEl>
+                                              <p:pRg st="9" end="9"/>
+                                            </p:txEl>
+                                          </p:spTgt>
+                                        </p:tgtEl>
+                                      </p:cBhvr>
+                                    </p:animEffect>
+                                    <p:anim calcmode="lin" valueType="num">
+                                      <p:cBhvr>
+                                        <p:cTn id="59" dur="1000" fill="hold"/>
+                                        <p:tgtEl>
+                                          <p:spTgt spid="7">
+                                            <p:txEl>
+                                              <p:pRg st="9" end="9"/>
+                                            </p:txEl>
+                                          </p:spTgt>
+                                        </p:tgtEl>
+                                        <p:attrNameLst>
+                                          <p:attrName>ppt_x</p:attrName>
+                                        </p:attrNameLst>
+                                      </p:cBhvr>
+                                      <p:tavLst>
+                                        <p:tav tm="0">
+                                          <p:val>
+                                            <p:strVal val="#ppt_x"/>
+                                          </p:val>
+                                        </p:tav>
+                                        <p:tav tm="100000">
+                                          <p:val>
+                                            <p:strVal val="#ppt_x"/>
+                                          </p:val>
+                                        </p:tav>
+                                      </p:tavLst>
+                                    </p:anim>
+                                    <p:anim calcmode="lin" valueType="num">
+                                      <p:cBhvr>
+                                        <p:cTn id="60" dur="1000" fill="hold"/>
+                                        <p:tgtEl>
+                                          <p:spTgt spid="7">
+                                            <p:txEl>
+                                              <p:pRg st="9" end="9"/>
+                                            </p:txEl>
+                                          </p:spTgt>
+                                        </p:tgtEl>
+                                        <p:attrNameLst>
+                                          <p:attrName>ppt_y</p:attrName>
+                                        </p:attrNameLst>
+                                      </p:cBhvr>
+                                      <p:tavLst>
+                                        <p:tav tm="0">
+                                          <p:val>
+                                            <p:strVal val="#ppt_y+.1"/>
+                                          </p:val>
+                                        </p:tav>
+                                        <p:tav tm="100000">
+                                          <p:val>
+                                            <p:strVal val="#ppt_y"/>
+                                          </p:val>
+                                        </p:tav>
+                                      </p:tavLst>
+                                    </p:anim>
+                                  </p:childTnLst>
+                                </p:cTn>
+                              </p:par>
+                              <p:par>
+                                <p:cTn id="61" presetID="42" presetClass="entr" presetSubtype="0" fill="hold" grpId="0" nodeType="withEffect">
+                                  <p:stCondLst>
+                                    <p:cond delay="0"/>
+                                  </p:stCondLst>
+                                  <p:childTnLst>
+                                    <p:set>
+                                      <p:cBhvr>
+                                        <p:cTn id="62" dur="1" fill="hold">
+                                          <p:stCondLst>
+                                            <p:cond delay="0"/>
+                                          </p:stCondLst>
+                                        </p:cTn>
+                                        <p:tgtEl>
+                                          <p:spTgt spid="7">
+                                            <p:txEl>
+                                              <p:pRg st="10" end="10"/>
+                                            </p:txEl>
+                                          </p:spTgt>
+                                        </p:tgtEl>
+                                        <p:attrNameLst>
+                                          <p:attrName>style.visibility</p:attrName>
+                                        </p:attrNameLst>
+                                      </p:cBhvr>
+                                      <p:to>
+                                        <p:strVal val="visible"/>
+                                      </p:to>
+                                    </p:set>
+                                    <p:animEffect transition="in" filter="fade">
+                                      <p:cBhvr>
+                                        <p:cTn id="63" dur="1000"/>
+                                        <p:tgtEl>
+                                          <p:spTgt spid="7">
+                                            <p:txEl>
+                                              <p:pRg st="10" end="10"/>
+                                            </p:txEl>
+                                          </p:spTgt>
+                                        </p:tgtEl>
+                                      </p:cBhvr>
+                                    </p:animEffect>
+                                    <p:anim calcmode="lin" valueType="num">
+                                      <p:cBhvr>
+                                        <p:cTn id="64" dur="1000" fill="hold"/>
+                                        <p:tgtEl>
+                                          <p:spTgt spid="7">
+                                            <p:txEl>
+                                              <p:pRg st="10" end="10"/>
+                                            </p:txEl>
+                                          </p:spTgt>
+                                        </p:tgtEl>
+                                        <p:attrNameLst>
+                                          <p:attrName>ppt_x</p:attrName>
+                                        </p:attrNameLst>
+                                      </p:cBhvr>
+                                      <p:tavLst>
+                                        <p:tav tm="0">
+                                          <p:val>
+                                            <p:strVal val="#ppt_x"/>
+                                          </p:val>
+                                        </p:tav>
+                                        <p:tav tm="100000">
+                                          <p:val>
+                                            <p:strVal val="#ppt_x"/>
+                                          </p:val>
+                                        </p:tav>
+                                      </p:tavLst>
+                                    </p:anim>
+                                    <p:anim calcmode="lin" valueType="num">
+                                      <p:cBhvr>
+                                        <p:cTn id="65" dur="1000" fill="hold"/>
+                                        <p:tgtEl>
+                                          <p:spTgt spid="7">
+                                            <p:txEl>
+                                              <p:pRg st="10" end="10"/>
+                                            </p:txEl>
+                                          </p:spTgt>
+                                        </p:tgtEl>
+                                        <p:attrNameLst>
+                                          <p:attrName>ppt_y</p:attrName>
+                                        </p:attrNameLst>
+                                      </p:cBhvr>
+                                      <p:tavLst>
+                                        <p:tav tm="0">
+                                          <p:val>
+                                            <p:strVal val="#ppt_y+.1"/>
+                                          </p:val>
+                                        </p:tav>
+                                        <p:tav tm="100000">
+                                          <p:val>
+                                            <p:strVal val="#ppt_y"/>
+                                          </p:val>
+                                        </p:tav>
+                                      </p:tavLst>
+                                    </p:anim>
+                                  </p:childTnLst>
+                                </p:cTn>
+                              </p:par>
+                              <p:par>
+                                <p:cTn id="66" presetID="42" presetClass="entr" presetSubtype="0" fill="hold" grpId="0" nodeType="withEffect">
+                                  <p:stCondLst>
+                                    <p:cond delay="0"/>
+                                  </p:stCondLst>
+                                  <p:childTnLst>
+                                    <p:set>
+                                      <p:cBhvr>
+                                        <p:cTn id="67" dur="1" fill="hold">
+                                          <p:stCondLst>
+                                            <p:cond delay="0"/>
+                                          </p:stCondLst>
+                                        </p:cTn>
+                                        <p:tgtEl>
+                                          <p:spTgt spid="7">
+                                            <p:txEl>
+                                              <p:pRg st="11" end="11"/>
+                                            </p:txEl>
+                                          </p:spTgt>
+                                        </p:tgtEl>
+                                        <p:attrNameLst>
+                                          <p:attrName>style.visibility</p:attrName>
+                                        </p:attrNameLst>
+                                      </p:cBhvr>
+                                      <p:to>
+                                        <p:strVal val="visible"/>
+                                      </p:to>
+                                    </p:set>
+                                    <p:animEffect transition="in" filter="fade">
+                                      <p:cBhvr>
+                                        <p:cTn id="68" dur="1000"/>
+                                        <p:tgtEl>
+                                          <p:spTgt spid="7">
+                                            <p:txEl>
+                                              <p:pRg st="11" end="11"/>
+                                            </p:txEl>
+                                          </p:spTgt>
+                                        </p:tgtEl>
+                                      </p:cBhvr>
+                                    </p:animEffect>
+                                    <p:anim calcmode="lin" valueType="num">
+                                      <p:cBhvr>
+                                        <p:cTn id="69" dur="1000" fill="hold"/>
+                                        <p:tgtEl>
+                                          <p:spTgt spid="7">
+                                            <p:txEl>
+                                              <p:pRg st="11" end="11"/>
+                                            </p:txEl>
+                                          </p:spTgt>
+                                        </p:tgtEl>
+                                        <p:attrNameLst>
+                                          <p:attrName>ppt_x</p:attrName>
+                                        </p:attrNameLst>
+                                      </p:cBhvr>
+                                      <p:tavLst>
+                                        <p:tav tm="0">
+                                          <p:val>
+                                            <p:strVal val="#ppt_x"/>
+                                          </p:val>
+                                        </p:tav>
+                                        <p:tav tm="100000">
+                                          <p:val>
+                                            <p:strVal val="#ppt_x"/>
+                                          </p:val>
+                                        </p:tav>
+                                      </p:tavLst>
+                                    </p:anim>
+                                    <p:anim calcmode="lin" valueType="num">
+                                      <p:cBhvr>
+                                        <p:cTn id="70" dur="1000" fill="hold"/>
+                                        <p:tgtEl>
+                                          <p:spTgt spid="7">
+                                            <p:txEl>
+                                              <p:pRg st="11" end="11"/>
+                                            </p:txEl>
+                                          </p:spTgt>
+                                        </p:tgtEl>
+                                        <p:attrNameLst>
+                                          <p:attrName>ppt_y</p:attrName>
+                                        </p:attrNameLst>
+                                      </p:cBhvr>
+                                      <p:tavLst>
+                                        <p:tav tm="0">
+                                          <p:val>
+                                            <p:strVal val="#ppt_y+.1"/>
+                                          </p:val>
+                                        </p:tav>
+                                        <p:tav tm="100000">
+                                          <p:val>
+                                            <p:strVal val="#ppt_y"/>
+                                          </p:val>
+                                        </p:tav>
+                                      </p:tavLst>
+                                    </p:anim>
+                                  </p:childTnLst>
+                                </p:cTn>
+                              </p:par>
+                            </p:childTnLst>
+                          </p:cTn>
+                        </p:par>
+                      </p:childTnLst>
+                    </p:cTn>
+                  </p:par>
                 </p:childTnLst>
               </p:cTn>
               <p:prevCondLst>
@@ -23342,6 +29267,7 @@
     </p:tnLst>
     <p:bldLst>
       <p:bldP spid="2" grpId="0"/>
+      <p:bldP spid="7" grpId="0" build="p"/>
     </p:bldLst>
   </p:timing>
 </p:sld>
@@ -23730,6 +29656,897 @@
                       </p:childTnLst>
                     </p:cTn>
                   </p:par>
+                  <p:par>
+                    <p:cTn id="9" fill="hold">
+                      <p:stCondLst>
+                        <p:cond delay="indefinite"/>
+                      </p:stCondLst>
+                      <p:childTnLst>
+                        <p:par>
+                          <p:cTn id="10" fill="hold">
+                            <p:stCondLst>
+                              <p:cond delay="0"/>
+                            </p:stCondLst>
+                            <p:childTnLst>
+                              <p:par>
+                                <p:cTn id="11" presetID="42" presetClass="entr" presetSubtype="0" fill="hold" grpId="0" nodeType="clickEffect">
+                                  <p:stCondLst>
+                                    <p:cond delay="0"/>
+                                  </p:stCondLst>
+                                  <p:childTnLst>
+                                    <p:set>
+                                      <p:cBhvr>
+                                        <p:cTn id="12" dur="1" fill="hold">
+                                          <p:stCondLst>
+                                            <p:cond delay="0"/>
+                                          </p:stCondLst>
+                                        </p:cTn>
+                                        <p:tgtEl>
+                                          <p:spTgt spid="7">
+                                            <p:txEl>
+                                              <p:pRg st="0" end="0"/>
+                                            </p:txEl>
+                                          </p:spTgt>
+                                        </p:tgtEl>
+                                        <p:attrNameLst>
+                                          <p:attrName>style.visibility</p:attrName>
+                                        </p:attrNameLst>
+                                      </p:cBhvr>
+                                      <p:to>
+                                        <p:strVal val="visible"/>
+                                      </p:to>
+                                    </p:set>
+                                    <p:animEffect transition="in" filter="fade">
+                                      <p:cBhvr>
+                                        <p:cTn id="13" dur="1000"/>
+                                        <p:tgtEl>
+                                          <p:spTgt spid="7">
+                                            <p:txEl>
+                                              <p:pRg st="0" end="0"/>
+                                            </p:txEl>
+                                          </p:spTgt>
+                                        </p:tgtEl>
+                                      </p:cBhvr>
+                                    </p:animEffect>
+                                    <p:anim calcmode="lin" valueType="num">
+                                      <p:cBhvr>
+                                        <p:cTn id="14" dur="1000" fill="hold"/>
+                                        <p:tgtEl>
+                                          <p:spTgt spid="7">
+                                            <p:txEl>
+                                              <p:pRg st="0" end="0"/>
+                                            </p:txEl>
+                                          </p:spTgt>
+                                        </p:tgtEl>
+                                        <p:attrNameLst>
+                                          <p:attrName>ppt_x</p:attrName>
+                                        </p:attrNameLst>
+                                      </p:cBhvr>
+                                      <p:tavLst>
+                                        <p:tav tm="0">
+                                          <p:val>
+                                            <p:strVal val="#ppt_x"/>
+                                          </p:val>
+                                        </p:tav>
+                                        <p:tav tm="100000">
+                                          <p:val>
+                                            <p:strVal val="#ppt_x"/>
+                                          </p:val>
+                                        </p:tav>
+                                      </p:tavLst>
+                                    </p:anim>
+                                    <p:anim calcmode="lin" valueType="num">
+                                      <p:cBhvr>
+                                        <p:cTn id="15" dur="1000" fill="hold"/>
+                                        <p:tgtEl>
+                                          <p:spTgt spid="7">
+                                            <p:txEl>
+                                              <p:pRg st="0" end="0"/>
+                                            </p:txEl>
+                                          </p:spTgt>
+                                        </p:tgtEl>
+                                        <p:attrNameLst>
+                                          <p:attrName>ppt_y</p:attrName>
+                                        </p:attrNameLst>
+                                      </p:cBhvr>
+                                      <p:tavLst>
+                                        <p:tav tm="0">
+                                          <p:val>
+                                            <p:strVal val="#ppt_y+.1"/>
+                                          </p:val>
+                                        </p:tav>
+                                        <p:tav tm="100000">
+                                          <p:val>
+                                            <p:strVal val="#ppt_y"/>
+                                          </p:val>
+                                        </p:tav>
+                                      </p:tavLst>
+                                    </p:anim>
+                                  </p:childTnLst>
+                                </p:cTn>
+                              </p:par>
+                              <p:par>
+                                <p:cTn id="16" presetID="42" presetClass="entr" presetSubtype="0" fill="hold" grpId="0" nodeType="withEffect">
+                                  <p:stCondLst>
+                                    <p:cond delay="0"/>
+                                  </p:stCondLst>
+                                  <p:childTnLst>
+                                    <p:set>
+                                      <p:cBhvr>
+                                        <p:cTn id="17" dur="1" fill="hold">
+                                          <p:stCondLst>
+                                            <p:cond delay="0"/>
+                                          </p:stCondLst>
+                                        </p:cTn>
+                                        <p:tgtEl>
+                                          <p:spTgt spid="7">
+                                            <p:txEl>
+                                              <p:pRg st="1" end="1"/>
+                                            </p:txEl>
+                                          </p:spTgt>
+                                        </p:tgtEl>
+                                        <p:attrNameLst>
+                                          <p:attrName>style.visibility</p:attrName>
+                                        </p:attrNameLst>
+                                      </p:cBhvr>
+                                      <p:to>
+                                        <p:strVal val="visible"/>
+                                      </p:to>
+                                    </p:set>
+                                    <p:animEffect transition="in" filter="fade">
+                                      <p:cBhvr>
+                                        <p:cTn id="18" dur="1000"/>
+                                        <p:tgtEl>
+                                          <p:spTgt spid="7">
+                                            <p:txEl>
+                                              <p:pRg st="1" end="1"/>
+                                            </p:txEl>
+                                          </p:spTgt>
+                                        </p:tgtEl>
+                                      </p:cBhvr>
+                                    </p:animEffect>
+                                    <p:anim calcmode="lin" valueType="num">
+                                      <p:cBhvr>
+                                        <p:cTn id="19" dur="1000" fill="hold"/>
+                                        <p:tgtEl>
+                                          <p:spTgt spid="7">
+                                            <p:txEl>
+                                              <p:pRg st="1" end="1"/>
+                                            </p:txEl>
+                                          </p:spTgt>
+                                        </p:tgtEl>
+                                        <p:attrNameLst>
+                                          <p:attrName>ppt_x</p:attrName>
+                                        </p:attrNameLst>
+                                      </p:cBhvr>
+                                      <p:tavLst>
+                                        <p:tav tm="0">
+                                          <p:val>
+                                            <p:strVal val="#ppt_x"/>
+                                          </p:val>
+                                        </p:tav>
+                                        <p:tav tm="100000">
+                                          <p:val>
+                                            <p:strVal val="#ppt_x"/>
+                                          </p:val>
+                                        </p:tav>
+                                      </p:tavLst>
+                                    </p:anim>
+                                    <p:anim calcmode="lin" valueType="num">
+                                      <p:cBhvr>
+                                        <p:cTn id="20" dur="1000" fill="hold"/>
+                                        <p:tgtEl>
+                                          <p:spTgt spid="7">
+                                            <p:txEl>
+                                              <p:pRg st="1" end="1"/>
+                                            </p:txEl>
+                                          </p:spTgt>
+                                        </p:tgtEl>
+                                        <p:attrNameLst>
+                                          <p:attrName>ppt_y</p:attrName>
+                                        </p:attrNameLst>
+                                      </p:cBhvr>
+                                      <p:tavLst>
+                                        <p:tav tm="0">
+                                          <p:val>
+                                            <p:strVal val="#ppt_y+.1"/>
+                                          </p:val>
+                                        </p:tav>
+                                        <p:tav tm="100000">
+                                          <p:val>
+                                            <p:strVal val="#ppt_y"/>
+                                          </p:val>
+                                        </p:tav>
+                                      </p:tavLst>
+                                    </p:anim>
+                                  </p:childTnLst>
+                                </p:cTn>
+                              </p:par>
+                              <p:par>
+                                <p:cTn id="21" presetID="42" presetClass="entr" presetSubtype="0" fill="hold" grpId="0" nodeType="withEffect">
+                                  <p:stCondLst>
+                                    <p:cond delay="0"/>
+                                  </p:stCondLst>
+                                  <p:childTnLst>
+                                    <p:set>
+                                      <p:cBhvr>
+                                        <p:cTn id="22" dur="1" fill="hold">
+                                          <p:stCondLst>
+                                            <p:cond delay="0"/>
+                                          </p:stCondLst>
+                                        </p:cTn>
+                                        <p:tgtEl>
+                                          <p:spTgt spid="7">
+                                            <p:txEl>
+                                              <p:pRg st="2" end="2"/>
+                                            </p:txEl>
+                                          </p:spTgt>
+                                        </p:tgtEl>
+                                        <p:attrNameLst>
+                                          <p:attrName>style.visibility</p:attrName>
+                                        </p:attrNameLst>
+                                      </p:cBhvr>
+                                      <p:to>
+                                        <p:strVal val="visible"/>
+                                      </p:to>
+                                    </p:set>
+                                    <p:animEffect transition="in" filter="fade">
+                                      <p:cBhvr>
+                                        <p:cTn id="23" dur="1000"/>
+                                        <p:tgtEl>
+                                          <p:spTgt spid="7">
+                                            <p:txEl>
+                                              <p:pRg st="2" end="2"/>
+                                            </p:txEl>
+                                          </p:spTgt>
+                                        </p:tgtEl>
+                                      </p:cBhvr>
+                                    </p:animEffect>
+                                    <p:anim calcmode="lin" valueType="num">
+                                      <p:cBhvr>
+                                        <p:cTn id="24" dur="1000" fill="hold"/>
+                                        <p:tgtEl>
+                                          <p:spTgt spid="7">
+                                            <p:txEl>
+                                              <p:pRg st="2" end="2"/>
+                                            </p:txEl>
+                                          </p:spTgt>
+                                        </p:tgtEl>
+                                        <p:attrNameLst>
+                                          <p:attrName>ppt_x</p:attrName>
+                                        </p:attrNameLst>
+                                      </p:cBhvr>
+                                      <p:tavLst>
+                                        <p:tav tm="0">
+                                          <p:val>
+                                            <p:strVal val="#ppt_x"/>
+                                          </p:val>
+                                        </p:tav>
+                                        <p:tav tm="100000">
+                                          <p:val>
+                                            <p:strVal val="#ppt_x"/>
+                                          </p:val>
+                                        </p:tav>
+                                      </p:tavLst>
+                                    </p:anim>
+                                    <p:anim calcmode="lin" valueType="num">
+                                      <p:cBhvr>
+                                        <p:cTn id="25" dur="1000" fill="hold"/>
+                                        <p:tgtEl>
+                                          <p:spTgt spid="7">
+                                            <p:txEl>
+                                              <p:pRg st="2" end="2"/>
+                                            </p:txEl>
+                                          </p:spTgt>
+                                        </p:tgtEl>
+                                        <p:attrNameLst>
+                                          <p:attrName>ppt_y</p:attrName>
+                                        </p:attrNameLst>
+                                      </p:cBhvr>
+                                      <p:tavLst>
+                                        <p:tav tm="0">
+                                          <p:val>
+                                            <p:strVal val="#ppt_y+.1"/>
+                                          </p:val>
+                                        </p:tav>
+                                        <p:tav tm="100000">
+                                          <p:val>
+                                            <p:strVal val="#ppt_y"/>
+                                          </p:val>
+                                        </p:tav>
+                                      </p:tavLst>
+                                    </p:anim>
+                                  </p:childTnLst>
+                                </p:cTn>
+                              </p:par>
+                              <p:par>
+                                <p:cTn id="26" presetID="42" presetClass="entr" presetSubtype="0" fill="hold" grpId="0" nodeType="withEffect">
+                                  <p:stCondLst>
+                                    <p:cond delay="0"/>
+                                  </p:stCondLst>
+                                  <p:childTnLst>
+                                    <p:set>
+                                      <p:cBhvr>
+                                        <p:cTn id="27" dur="1" fill="hold">
+                                          <p:stCondLst>
+                                            <p:cond delay="0"/>
+                                          </p:stCondLst>
+                                        </p:cTn>
+                                        <p:tgtEl>
+                                          <p:spTgt spid="7">
+                                            <p:txEl>
+                                              <p:pRg st="3" end="3"/>
+                                            </p:txEl>
+                                          </p:spTgt>
+                                        </p:tgtEl>
+                                        <p:attrNameLst>
+                                          <p:attrName>style.visibility</p:attrName>
+                                        </p:attrNameLst>
+                                      </p:cBhvr>
+                                      <p:to>
+                                        <p:strVal val="visible"/>
+                                      </p:to>
+                                    </p:set>
+                                    <p:animEffect transition="in" filter="fade">
+                                      <p:cBhvr>
+                                        <p:cTn id="28" dur="1000"/>
+                                        <p:tgtEl>
+                                          <p:spTgt spid="7">
+                                            <p:txEl>
+                                              <p:pRg st="3" end="3"/>
+                                            </p:txEl>
+                                          </p:spTgt>
+                                        </p:tgtEl>
+                                      </p:cBhvr>
+                                    </p:animEffect>
+                                    <p:anim calcmode="lin" valueType="num">
+                                      <p:cBhvr>
+                                        <p:cTn id="29" dur="1000" fill="hold"/>
+                                        <p:tgtEl>
+                                          <p:spTgt spid="7">
+                                            <p:txEl>
+                                              <p:pRg st="3" end="3"/>
+                                            </p:txEl>
+                                          </p:spTgt>
+                                        </p:tgtEl>
+                                        <p:attrNameLst>
+                                          <p:attrName>ppt_x</p:attrName>
+                                        </p:attrNameLst>
+                                      </p:cBhvr>
+                                      <p:tavLst>
+                                        <p:tav tm="0">
+                                          <p:val>
+                                            <p:strVal val="#ppt_x"/>
+                                          </p:val>
+                                        </p:tav>
+                                        <p:tav tm="100000">
+                                          <p:val>
+                                            <p:strVal val="#ppt_x"/>
+                                          </p:val>
+                                        </p:tav>
+                                      </p:tavLst>
+                                    </p:anim>
+                                    <p:anim calcmode="lin" valueType="num">
+                                      <p:cBhvr>
+                                        <p:cTn id="30" dur="1000" fill="hold"/>
+                                        <p:tgtEl>
+                                          <p:spTgt spid="7">
+                                            <p:txEl>
+                                              <p:pRg st="3" end="3"/>
+                                            </p:txEl>
+                                          </p:spTgt>
+                                        </p:tgtEl>
+                                        <p:attrNameLst>
+                                          <p:attrName>ppt_y</p:attrName>
+                                        </p:attrNameLst>
+                                      </p:cBhvr>
+                                      <p:tavLst>
+                                        <p:tav tm="0">
+                                          <p:val>
+                                            <p:strVal val="#ppt_y+.1"/>
+                                          </p:val>
+                                        </p:tav>
+                                        <p:tav tm="100000">
+                                          <p:val>
+                                            <p:strVal val="#ppt_y"/>
+                                          </p:val>
+                                        </p:tav>
+                                      </p:tavLst>
+                                    </p:anim>
+                                  </p:childTnLst>
+                                </p:cTn>
+                              </p:par>
+                              <p:par>
+                                <p:cTn id="31" presetID="42" presetClass="entr" presetSubtype="0" fill="hold" grpId="0" nodeType="withEffect">
+                                  <p:stCondLst>
+                                    <p:cond delay="0"/>
+                                  </p:stCondLst>
+                                  <p:childTnLst>
+                                    <p:set>
+                                      <p:cBhvr>
+                                        <p:cTn id="32" dur="1" fill="hold">
+                                          <p:stCondLst>
+                                            <p:cond delay="0"/>
+                                          </p:stCondLst>
+                                        </p:cTn>
+                                        <p:tgtEl>
+                                          <p:spTgt spid="7">
+                                            <p:txEl>
+                                              <p:pRg st="4" end="4"/>
+                                            </p:txEl>
+                                          </p:spTgt>
+                                        </p:tgtEl>
+                                        <p:attrNameLst>
+                                          <p:attrName>style.visibility</p:attrName>
+                                        </p:attrNameLst>
+                                      </p:cBhvr>
+                                      <p:to>
+                                        <p:strVal val="visible"/>
+                                      </p:to>
+                                    </p:set>
+                                    <p:animEffect transition="in" filter="fade">
+                                      <p:cBhvr>
+                                        <p:cTn id="33" dur="1000"/>
+                                        <p:tgtEl>
+                                          <p:spTgt spid="7">
+                                            <p:txEl>
+                                              <p:pRg st="4" end="4"/>
+                                            </p:txEl>
+                                          </p:spTgt>
+                                        </p:tgtEl>
+                                      </p:cBhvr>
+                                    </p:animEffect>
+                                    <p:anim calcmode="lin" valueType="num">
+                                      <p:cBhvr>
+                                        <p:cTn id="34" dur="1000" fill="hold"/>
+                                        <p:tgtEl>
+                                          <p:spTgt spid="7">
+                                            <p:txEl>
+                                              <p:pRg st="4" end="4"/>
+                                            </p:txEl>
+                                          </p:spTgt>
+                                        </p:tgtEl>
+                                        <p:attrNameLst>
+                                          <p:attrName>ppt_x</p:attrName>
+                                        </p:attrNameLst>
+                                      </p:cBhvr>
+                                      <p:tavLst>
+                                        <p:tav tm="0">
+                                          <p:val>
+                                            <p:strVal val="#ppt_x"/>
+                                          </p:val>
+                                        </p:tav>
+                                        <p:tav tm="100000">
+                                          <p:val>
+                                            <p:strVal val="#ppt_x"/>
+                                          </p:val>
+                                        </p:tav>
+                                      </p:tavLst>
+                                    </p:anim>
+                                    <p:anim calcmode="lin" valueType="num">
+                                      <p:cBhvr>
+                                        <p:cTn id="35" dur="1000" fill="hold"/>
+                                        <p:tgtEl>
+                                          <p:spTgt spid="7">
+                                            <p:txEl>
+                                              <p:pRg st="4" end="4"/>
+                                            </p:txEl>
+                                          </p:spTgt>
+                                        </p:tgtEl>
+                                        <p:attrNameLst>
+                                          <p:attrName>ppt_y</p:attrName>
+                                        </p:attrNameLst>
+                                      </p:cBhvr>
+                                      <p:tavLst>
+                                        <p:tav tm="0">
+                                          <p:val>
+                                            <p:strVal val="#ppt_y+.1"/>
+                                          </p:val>
+                                        </p:tav>
+                                        <p:tav tm="100000">
+                                          <p:val>
+                                            <p:strVal val="#ppt_y"/>
+                                          </p:val>
+                                        </p:tav>
+                                      </p:tavLst>
+                                    </p:anim>
+                                  </p:childTnLst>
+                                </p:cTn>
+                              </p:par>
+                              <p:par>
+                                <p:cTn id="36" presetID="42" presetClass="entr" presetSubtype="0" fill="hold" grpId="0" nodeType="withEffect">
+                                  <p:stCondLst>
+                                    <p:cond delay="0"/>
+                                  </p:stCondLst>
+                                  <p:childTnLst>
+                                    <p:set>
+                                      <p:cBhvr>
+                                        <p:cTn id="37" dur="1" fill="hold">
+                                          <p:stCondLst>
+                                            <p:cond delay="0"/>
+                                          </p:stCondLst>
+                                        </p:cTn>
+                                        <p:tgtEl>
+                                          <p:spTgt spid="7">
+                                            <p:txEl>
+                                              <p:pRg st="5" end="5"/>
+                                            </p:txEl>
+                                          </p:spTgt>
+                                        </p:tgtEl>
+                                        <p:attrNameLst>
+                                          <p:attrName>style.visibility</p:attrName>
+                                        </p:attrNameLst>
+                                      </p:cBhvr>
+                                      <p:to>
+                                        <p:strVal val="visible"/>
+                                      </p:to>
+                                    </p:set>
+                                    <p:animEffect transition="in" filter="fade">
+                                      <p:cBhvr>
+                                        <p:cTn id="38" dur="1000"/>
+                                        <p:tgtEl>
+                                          <p:spTgt spid="7">
+                                            <p:txEl>
+                                              <p:pRg st="5" end="5"/>
+                                            </p:txEl>
+                                          </p:spTgt>
+                                        </p:tgtEl>
+                                      </p:cBhvr>
+                                    </p:animEffect>
+                                    <p:anim calcmode="lin" valueType="num">
+                                      <p:cBhvr>
+                                        <p:cTn id="39" dur="1000" fill="hold"/>
+                                        <p:tgtEl>
+                                          <p:spTgt spid="7">
+                                            <p:txEl>
+                                              <p:pRg st="5" end="5"/>
+                                            </p:txEl>
+                                          </p:spTgt>
+                                        </p:tgtEl>
+                                        <p:attrNameLst>
+                                          <p:attrName>ppt_x</p:attrName>
+                                        </p:attrNameLst>
+                                      </p:cBhvr>
+                                      <p:tavLst>
+                                        <p:tav tm="0">
+                                          <p:val>
+                                            <p:strVal val="#ppt_x"/>
+                                          </p:val>
+                                        </p:tav>
+                                        <p:tav tm="100000">
+                                          <p:val>
+                                            <p:strVal val="#ppt_x"/>
+                                          </p:val>
+                                        </p:tav>
+                                      </p:tavLst>
+                                    </p:anim>
+                                    <p:anim calcmode="lin" valueType="num">
+                                      <p:cBhvr>
+                                        <p:cTn id="40" dur="1000" fill="hold"/>
+                                        <p:tgtEl>
+                                          <p:spTgt spid="7">
+                                            <p:txEl>
+                                              <p:pRg st="5" end="5"/>
+                                            </p:txEl>
+                                          </p:spTgt>
+                                        </p:tgtEl>
+                                        <p:attrNameLst>
+                                          <p:attrName>ppt_y</p:attrName>
+                                        </p:attrNameLst>
+                                      </p:cBhvr>
+                                      <p:tavLst>
+                                        <p:tav tm="0">
+                                          <p:val>
+                                            <p:strVal val="#ppt_y+.1"/>
+                                          </p:val>
+                                        </p:tav>
+                                        <p:tav tm="100000">
+                                          <p:val>
+                                            <p:strVal val="#ppt_y"/>
+                                          </p:val>
+                                        </p:tav>
+                                      </p:tavLst>
+                                    </p:anim>
+                                  </p:childTnLst>
+                                </p:cTn>
+                              </p:par>
+                              <p:par>
+                                <p:cTn id="41" presetID="42" presetClass="entr" presetSubtype="0" fill="hold" grpId="0" nodeType="withEffect">
+                                  <p:stCondLst>
+                                    <p:cond delay="0"/>
+                                  </p:stCondLst>
+                                  <p:childTnLst>
+                                    <p:set>
+                                      <p:cBhvr>
+                                        <p:cTn id="42" dur="1" fill="hold">
+                                          <p:stCondLst>
+                                            <p:cond delay="0"/>
+                                          </p:stCondLst>
+                                        </p:cTn>
+                                        <p:tgtEl>
+                                          <p:spTgt spid="7">
+                                            <p:txEl>
+                                              <p:pRg st="6" end="6"/>
+                                            </p:txEl>
+                                          </p:spTgt>
+                                        </p:tgtEl>
+                                        <p:attrNameLst>
+                                          <p:attrName>style.visibility</p:attrName>
+                                        </p:attrNameLst>
+                                      </p:cBhvr>
+                                      <p:to>
+                                        <p:strVal val="visible"/>
+                                      </p:to>
+                                    </p:set>
+                                    <p:animEffect transition="in" filter="fade">
+                                      <p:cBhvr>
+                                        <p:cTn id="43" dur="1000"/>
+                                        <p:tgtEl>
+                                          <p:spTgt spid="7">
+                                            <p:txEl>
+                                              <p:pRg st="6" end="6"/>
+                                            </p:txEl>
+                                          </p:spTgt>
+                                        </p:tgtEl>
+                                      </p:cBhvr>
+                                    </p:animEffect>
+                                    <p:anim calcmode="lin" valueType="num">
+                                      <p:cBhvr>
+                                        <p:cTn id="44" dur="1000" fill="hold"/>
+                                        <p:tgtEl>
+                                          <p:spTgt spid="7">
+                                            <p:txEl>
+                                              <p:pRg st="6" end="6"/>
+                                            </p:txEl>
+                                          </p:spTgt>
+                                        </p:tgtEl>
+                                        <p:attrNameLst>
+                                          <p:attrName>ppt_x</p:attrName>
+                                        </p:attrNameLst>
+                                      </p:cBhvr>
+                                      <p:tavLst>
+                                        <p:tav tm="0">
+                                          <p:val>
+                                            <p:strVal val="#ppt_x"/>
+                                          </p:val>
+                                        </p:tav>
+                                        <p:tav tm="100000">
+                                          <p:val>
+                                            <p:strVal val="#ppt_x"/>
+                                          </p:val>
+                                        </p:tav>
+                                      </p:tavLst>
+                                    </p:anim>
+                                    <p:anim calcmode="lin" valueType="num">
+                                      <p:cBhvr>
+                                        <p:cTn id="45" dur="1000" fill="hold"/>
+                                        <p:tgtEl>
+                                          <p:spTgt spid="7">
+                                            <p:txEl>
+                                              <p:pRg st="6" end="6"/>
+                                            </p:txEl>
+                                          </p:spTgt>
+                                        </p:tgtEl>
+                                        <p:attrNameLst>
+                                          <p:attrName>ppt_y</p:attrName>
+                                        </p:attrNameLst>
+                                      </p:cBhvr>
+                                      <p:tavLst>
+                                        <p:tav tm="0">
+                                          <p:val>
+                                            <p:strVal val="#ppt_y+.1"/>
+                                          </p:val>
+                                        </p:tav>
+                                        <p:tav tm="100000">
+                                          <p:val>
+                                            <p:strVal val="#ppt_y"/>
+                                          </p:val>
+                                        </p:tav>
+                                      </p:tavLst>
+                                    </p:anim>
+                                  </p:childTnLst>
+                                </p:cTn>
+                              </p:par>
+                              <p:par>
+                                <p:cTn id="46" presetID="42" presetClass="entr" presetSubtype="0" fill="hold" grpId="0" nodeType="withEffect">
+                                  <p:stCondLst>
+                                    <p:cond delay="0"/>
+                                  </p:stCondLst>
+                                  <p:childTnLst>
+                                    <p:set>
+                                      <p:cBhvr>
+                                        <p:cTn id="47" dur="1" fill="hold">
+                                          <p:stCondLst>
+                                            <p:cond delay="0"/>
+                                          </p:stCondLst>
+                                        </p:cTn>
+                                        <p:tgtEl>
+                                          <p:spTgt spid="7">
+                                            <p:txEl>
+                                              <p:pRg st="7" end="7"/>
+                                            </p:txEl>
+                                          </p:spTgt>
+                                        </p:tgtEl>
+                                        <p:attrNameLst>
+                                          <p:attrName>style.visibility</p:attrName>
+                                        </p:attrNameLst>
+                                      </p:cBhvr>
+                                      <p:to>
+                                        <p:strVal val="visible"/>
+                                      </p:to>
+                                    </p:set>
+                                    <p:animEffect transition="in" filter="fade">
+                                      <p:cBhvr>
+                                        <p:cTn id="48" dur="1000"/>
+                                        <p:tgtEl>
+                                          <p:spTgt spid="7">
+                                            <p:txEl>
+                                              <p:pRg st="7" end="7"/>
+                                            </p:txEl>
+                                          </p:spTgt>
+                                        </p:tgtEl>
+                                      </p:cBhvr>
+                                    </p:animEffect>
+                                    <p:anim calcmode="lin" valueType="num">
+                                      <p:cBhvr>
+                                        <p:cTn id="49" dur="1000" fill="hold"/>
+                                        <p:tgtEl>
+                                          <p:spTgt spid="7">
+                                            <p:txEl>
+                                              <p:pRg st="7" end="7"/>
+                                            </p:txEl>
+                                          </p:spTgt>
+                                        </p:tgtEl>
+                                        <p:attrNameLst>
+                                          <p:attrName>ppt_x</p:attrName>
+                                        </p:attrNameLst>
+                                      </p:cBhvr>
+                                      <p:tavLst>
+                                        <p:tav tm="0">
+                                          <p:val>
+                                            <p:strVal val="#ppt_x"/>
+                                          </p:val>
+                                        </p:tav>
+                                        <p:tav tm="100000">
+                                          <p:val>
+                                            <p:strVal val="#ppt_x"/>
+                                          </p:val>
+                                        </p:tav>
+                                      </p:tavLst>
+                                    </p:anim>
+                                    <p:anim calcmode="lin" valueType="num">
+                                      <p:cBhvr>
+                                        <p:cTn id="50" dur="1000" fill="hold"/>
+                                        <p:tgtEl>
+                                          <p:spTgt spid="7">
+                                            <p:txEl>
+                                              <p:pRg st="7" end="7"/>
+                                            </p:txEl>
+                                          </p:spTgt>
+                                        </p:tgtEl>
+                                        <p:attrNameLst>
+                                          <p:attrName>ppt_y</p:attrName>
+                                        </p:attrNameLst>
+                                      </p:cBhvr>
+                                      <p:tavLst>
+                                        <p:tav tm="0">
+                                          <p:val>
+                                            <p:strVal val="#ppt_y+.1"/>
+                                          </p:val>
+                                        </p:tav>
+                                        <p:tav tm="100000">
+                                          <p:val>
+                                            <p:strVal val="#ppt_y"/>
+                                          </p:val>
+                                        </p:tav>
+                                      </p:tavLst>
+                                    </p:anim>
+                                  </p:childTnLst>
+                                </p:cTn>
+                              </p:par>
+                              <p:par>
+                                <p:cTn id="51" presetID="42" presetClass="entr" presetSubtype="0" fill="hold" grpId="0" nodeType="withEffect">
+                                  <p:stCondLst>
+                                    <p:cond delay="0"/>
+                                  </p:stCondLst>
+                                  <p:childTnLst>
+                                    <p:set>
+                                      <p:cBhvr>
+                                        <p:cTn id="52" dur="1" fill="hold">
+                                          <p:stCondLst>
+                                            <p:cond delay="0"/>
+                                          </p:stCondLst>
+                                        </p:cTn>
+                                        <p:tgtEl>
+                                          <p:spTgt spid="7">
+                                            <p:txEl>
+                                              <p:pRg st="8" end="8"/>
+                                            </p:txEl>
+                                          </p:spTgt>
+                                        </p:tgtEl>
+                                        <p:attrNameLst>
+                                          <p:attrName>style.visibility</p:attrName>
+                                        </p:attrNameLst>
+                                      </p:cBhvr>
+                                      <p:to>
+                                        <p:strVal val="visible"/>
+                                      </p:to>
+                                    </p:set>
+                                    <p:animEffect transition="in" filter="fade">
+                                      <p:cBhvr>
+                                        <p:cTn id="53" dur="1000"/>
+                                        <p:tgtEl>
+                                          <p:spTgt spid="7">
+                                            <p:txEl>
+                                              <p:pRg st="8" end="8"/>
+                                            </p:txEl>
+                                          </p:spTgt>
+                                        </p:tgtEl>
+                                      </p:cBhvr>
+                                    </p:animEffect>
+                                    <p:anim calcmode="lin" valueType="num">
+                                      <p:cBhvr>
+                                        <p:cTn id="54" dur="1000" fill="hold"/>
+                                        <p:tgtEl>
+                                          <p:spTgt spid="7">
+                                            <p:txEl>
+                                              <p:pRg st="8" end="8"/>
+                                            </p:txEl>
+                                          </p:spTgt>
+                                        </p:tgtEl>
+                                        <p:attrNameLst>
+                                          <p:attrName>ppt_x</p:attrName>
+                                        </p:attrNameLst>
+                                      </p:cBhvr>
+                                      <p:tavLst>
+                                        <p:tav tm="0">
+                                          <p:val>
+                                            <p:strVal val="#ppt_x"/>
+                                          </p:val>
+                                        </p:tav>
+                                        <p:tav tm="100000">
+                                          <p:val>
+                                            <p:strVal val="#ppt_x"/>
+                                          </p:val>
+                                        </p:tav>
+                                      </p:tavLst>
+                                    </p:anim>
+                                    <p:anim calcmode="lin" valueType="num">
+                                      <p:cBhvr>
+                                        <p:cTn id="55" dur="1000" fill="hold"/>
+                                        <p:tgtEl>
+                                          <p:spTgt spid="7">
+                                            <p:txEl>
+                                              <p:pRg st="8" end="8"/>
+                                            </p:txEl>
+                                          </p:spTgt>
+                                        </p:tgtEl>
+                                        <p:attrNameLst>
+                                          <p:attrName>ppt_y</p:attrName>
+                                        </p:attrNameLst>
+                                      </p:cBhvr>
+                                      <p:tavLst>
+                                        <p:tav tm="0">
+                                          <p:val>
+                                            <p:strVal val="#ppt_y+.1"/>
+                                          </p:val>
+                                        </p:tav>
+                                        <p:tav tm="100000">
+                                          <p:val>
+                                            <p:strVal val="#ppt_y"/>
+                                          </p:val>
+                                        </p:tav>
+                                      </p:tavLst>
+                                    </p:anim>
+                                  </p:childTnLst>
+                                </p:cTn>
+                              </p:par>
+                            </p:childTnLst>
+                          </p:cTn>
+                        </p:par>
+                      </p:childTnLst>
+                    </p:cTn>
+                  </p:par>
                 </p:childTnLst>
               </p:cTn>
               <p:prevCondLst>
@@ -23753,6 +30570,7 @@
     </p:tnLst>
     <p:bldLst>
       <p:bldP spid="2" grpId="0"/>
+      <p:bldP spid="7" grpId="0" build="p"/>
     </p:bldLst>
   </p:timing>
 </p:sld>
@@ -24138,6 +30956,800 @@
                       </p:childTnLst>
                     </p:cTn>
                   </p:par>
+                  <p:par>
+                    <p:cTn id="9" fill="hold">
+                      <p:stCondLst>
+                        <p:cond delay="indefinite"/>
+                      </p:stCondLst>
+                      <p:childTnLst>
+                        <p:par>
+                          <p:cTn id="10" fill="hold">
+                            <p:stCondLst>
+                              <p:cond delay="0"/>
+                            </p:stCondLst>
+                            <p:childTnLst>
+                              <p:par>
+                                <p:cTn id="11" presetID="42" presetClass="entr" presetSubtype="0" fill="hold" grpId="0" nodeType="clickEffect">
+                                  <p:stCondLst>
+                                    <p:cond delay="0"/>
+                                  </p:stCondLst>
+                                  <p:childTnLst>
+                                    <p:set>
+                                      <p:cBhvr>
+                                        <p:cTn id="12" dur="1" fill="hold">
+                                          <p:stCondLst>
+                                            <p:cond delay="0"/>
+                                          </p:stCondLst>
+                                        </p:cTn>
+                                        <p:tgtEl>
+                                          <p:spTgt spid="7">
+                                            <p:txEl>
+                                              <p:pRg st="0" end="0"/>
+                                            </p:txEl>
+                                          </p:spTgt>
+                                        </p:tgtEl>
+                                        <p:attrNameLst>
+                                          <p:attrName>style.visibility</p:attrName>
+                                        </p:attrNameLst>
+                                      </p:cBhvr>
+                                      <p:to>
+                                        <p:strVal val="visible"/>
+                                      </p:to>
+                                    </p:set>
+                                    <p:animEffect transition="in" filter="fade">
+                                      <p:cBhvr>
+                                        <p:cTn id="13" dur="1000"/>
+                                        <p:tgtEl>
+                                          <p:spTgt spid="7">
+                                            <p:txEl>
+                                              <p:pRg st="0" end="0"/>
+                                            </p:txEl>
+                                          </p:spTgt>
+                                        </p:tgtEl>
+                                      </p:cBhvr>
+                                    </p:animEffect>
+                                    <p:anim calcmode="lin" valueType="num">
+                                      <p:cBhvr>
+                                        <p:cTn id="14" dur="1000" fill="hold"/>
+                                        <p:tgtEl>
+                                          <p:spTgt spid="7">
+                                            <p:txEl>
+                                              <p:pRg st="0" end="0"/>
+                                            </p:txEl>
+                                          </p:spTgt>
+                                        </p:tgtEl>
+                                        <p:attrNameLst>
+                                          <p:attrName>ppt_x</p:attrName>
+                                        </p:attrNameLst>
+                                      </p:cBhvr>
+                                      <p:tavLst>
+                                        <p:tav tm="0">
+                                          <p:val>
+                                            <p:strVal val="#ppt_x"/>
+                                          </p:val>
+                                        </p:tav>
+                                        <p:tav tm="100000">
+                                          <p:val>
+                                            <p:strVal val="#ppt_x"/>
+                                          </p:val>
+                                        </p:tav>
+                                      </p:tavLst>
+                                    </p:anim>
+                                    <p:anim calcmode="lin" valueType="num">
+                                      <p:cBhvr>
+                                        <p:cTn id="15" dur="1000" fill="hold"/>
+                                        <p:tgtEl>
+                                          <p:spTgt spid="7">
+                                            <p:txEl>
+                                              <p:pRg st="0" end="0"/>
+                                            </p:txEl>
+                                          </p:spTgt>
+                                        </p:tgtEl>
+                                        <p:attrNameLst>
+                                          <p:attrName>ppt_y</p:attrName>
+                                        </p:attrNameLst>
+                                      </p:cBhvr>
+                                      <p:tavLst>
+                                        <p:tav tm="0">
+                                          <p:val>
+                                            <p:strVal val="#ppt_y+.1"/>
+                                          </p:val>
+                                        </p:tav>
+                                        <p:tav tm="100000">
+                                          <p:val>
+                                            <p:strVal val="#ppt_y"/>
+                                          </p:val>
+                                        </p:tav>
+                                      </p:tavLst>
+                                    </p:anim>
+                                  </p:childTnLst>
+                                </p:cTn>
+                              </p:par>
+                              <p:par>
+                                <p:cTn id="16" presetID="42" presetClass="entr" presetSubtype="0" fill="hold" grpId="0" nodeType="withEffect">
+                                  <p:stCondLst>
+                                    <p:cond delay="0"/>
+                                  </p:stCondLst>
+                                  <p:childTnLst>
+                                    <p:set>
+                                      <p:cBhvr>
+                                        <p:cTn id="17" dur="1" fill="hold">
+                                          <p:stCondLst>
+                                            <p:cond delay="0"/>
+                                          </p:stCondLst>
+                                        </p:cTn>
+                                        <p:tgtEl>
+                                          <p:spTgt spid="7">
+                                            <p:txEl>
+                                              <p:pRg st="1" end="1"/>
+                                            </p:txEl>
+                                          </p:spTgt>
+                                        </p:tgtEl>
+                                        <p:attrNameLst>
+                                          <p:attrName>style.visibility</p:attrName>
+                                        </p:attrNameLst>
+                                      </p:cBhvr>
+                                      <p:to>
+                                        <p:strVal val="visible"/>
+                                      </p:to>
+                                    </p:set>
+                                    <p:animEffect transition="in" filter="fade">
+                                      <p:cBhvr>
+                                        <p:cTn id="18" dur="1000"/>
+                                        <p:tgtEl>
+                                          <p:spTgt spid="7">
+                                            <p:txEl>
+                                              <p:pRg st="1" end="1"/>
+                                            </p:txEl>
+                                          </p:spTgt>
+                                        </p:tgtEl>
+                                      </p:cBhvr>
+                                    </p:animEffect>
+                                    <p:anim calcmode="lin" valueType="num">
+                                      <p:cBhvr>
+                                        <p:cTn id="19" dur="1000" fill="hold"/>
+                                        <p:tgtEl>
+                                          <p:spTgt spid="7">
+                                            <p:txEl>
+                                              <p:pRg st="1" end="1"/>
+                                            </p:txEl>
+                                          </p:spTgt>
+                                        </p:tgtEl>
+                                        <p:attrNameLst>
+                                          <p:attrName>ppt_x</p:attrName>
+                                        </p:attrNameLst>
+                                      </p:cBhvr>
+                                      <p:tavLst>
+                                        <p:tav tm="0">
+                                          <p:val>
+                                            <p:strVal val="#ppt_x"/>
+                                          </p:val>
+                                        </p:tav>
+                                        <p:tav tm="100000">
+                                          <p:val>
+                                            <p:strVal val="#ppt_x"/>
+                                          </p:val>
+                                        </p:tav>
+                                      </p:tavLst>
+                                    </p:anim>
+                                    <p:anim calcmode="lin" valueType="num">
+                                      <p:cBhvr>
+                                        <p:cTn id="20" dur="1000" fill="hold"/>
+                                        <p:tgtEl>
+                                          <p:spTgt spid="7">
+                                            <p:txEl>
+                                              <p:pRg st="1" end="1"/>
+                                            </p:txEl>
+                                          </p:spTgt>
+                                        </p:tgtEl>
+                                        <p:attrNameLst>
+                                          <p:attrName>ppt_y</p:attrName>
+                                        </p:attrNameLst>
+                                      </p:cBhvr>
+                                      <p:tavLst>
+                                        <p:tav tm="0">
+                                          <p:val>
+                                            <p:strVal val="#ppt_y+.1"/>
+                                          </p:val>
+                                        </p:tav>
+                                        <p:tav tm="100000">
+                                          <p:val>
+                                            <p:strVal val="#ppt_y"/>
+                                          </p:val>
+                                        </p:tav>
+                                      </p:tavLst>
+                                    </p:anim>
+                                  </p:childTnLst>
+                                </p:cTn>
+                              </p:par>
+                              <p:par>
+                                <p:cTn id="21" presetID="42" presetClass="entr" presetSubtype="0" fill="hold" grpId="0" nodeType="withEffect">
+                                  <p:stCondLst>
+                                    <p:cond delay="0"/>
+                                  </p:stCondLst>
+                                  <p:childTnLst>
+                                    <p:set>
+                                      <p:cBhvr>
+                                        <p:cTn id="22" dur="1" fill="hold">
+                                          <p:stCondLst>
+                                            <p:cond delay="0"/>
+                                          </p:stCondLst>
+                                        </p:cTn>
+                                        <p:tgtEl>
+                                          <p:spTgt spid="7">
+                                            <p:txEl>
+                                              <p:pRg st="2" end="2"/>
+                                            </p:txEl>
+                                          </p:spTgt>
+                                        </p:tgtEl>
+                                        <p:attrNameLst>
+                                          <p:attrName>style.visibility</p:attrName>
+                                        </p:attrNameLst>
+                                      </p:cBhvr>
+                                      <p:to>
+                                        <p:strVal val="visible"/>
+                                      </p:to>
+                                    </p:set>
+                                    <p:animEffect transition="in" filter="fade">
+                                      <p:cBhvr>
+                                        <p:cTn id="23" dur="1000"/>
+                                        <p:tgtEl>
+                                          <p:spTgt spid="7">
+                                            <p:txEl>
+                                              <p:pRg st="2" end="2"/>
+                                            </p:txEl>
+                                          </p:spTgt>
+                                        </p:tgtEl>
+                                      </p:cBhvr>
+                                    </p:animEffect>
+                                    <p:anim calcmode="lin" valueType="num">
+                                      <p:cBhvr>
+                                        <p:cTn id="24" dur="1000" fill="hold"/>
+                                        <p:tgtEl>
+                                          <p:spTgt spid="7">
+                                            <p:txEl>
+                                              <p:pRg st="2" end="2"/>
+                                            </p:txEl>
+                                          </p:spTgt>
+                                        </p:tgtEl>
+                                        <p:attrNameLst>
+                                          <p:attrName>ppt_x</p:attrName>
+                                        </p:attrNameLst>
+                                      </p:cBhvr>
+                                      <p:tavLst>
+                                        <p:tav tm="0">
+                                          <p:val>
+                                            <p:strVal val="#ppt_x"/>
+                                          </p:val>
+                                        </p:tav>
+                                        <p:tav tm="100000">
+                                          <p:val>
+                                            <p:strVal val="#ppt_x"/>
+                                          </p:val>
+                                        </p:tav>
+                                      </p:tavLst>
+                                    </p:anim>
+                                    <p:anim calcmode="lin" valueType="num">
+                                      <p:cBhvr>
+                                        <p:cTn id="25" dur="1000" fill="hold"/>
+                                        <p:tgtEl>
+                                          <p:spTgt spid="7">
+                                            <p:txEl>
+                                              <p:pRg st="2" end="2"/>
+                                            </p:txEl>
+                                          </p:spTgt>
+                                        </p:tgtEl>
+                                        <p:attrNameLst>
+                                          <p:attrName>ppt_y</p:attrName>
+                                        </p:attrNameLst>
+                                      </p:cBhvr>
+                                      <p:tavLst>
+                                        <p:tav tm="0">
+                                          <p:val>
+                                            <p:strVal val="#ppt_y+.1"/>
+                                          </p:val>
+                                        </p:tav>
+                                        <p:tav tm="100000">
+                                          <p:val>
+                                            <p:strVal val="#ppt_y"/>
+                                          </p:val>
+                                        </p:tav>
+                                      </p:tavLst>
+                                    </p:anim>
+                                  </p:childTnLst>
+                                </p:cTn>
+                              </p:par>
+                              <p:par>
+                                <p:cTn id="26" presetID="42" presetClass="entr" presetSubtype="0" fill="hold" grpId="0" nodeType="withEffect">
+                                  <p:stCondLst>
+                                    <p:cond delay="0"/>
+                                  </p:stCondLst>
+                                  <p:childTnLst>
+                                    <p:set>
+                                      <p:cBhvr>
+                                        <p:cTn id="27" dur="1" fill="hold">
+                                          <p:stCondLst>
+                                            <p:cond delay="0"/>
+                                          </p:stCondLst>
+                                        </p:cTn>
+                                        <p:tgtEl>
+                                          <p:spTgt spid="7">
+                                            <p:txEl>
+                                              <p:pRg st="3" end="3"/>
+                                            </p:txEl>
+                                          </p:spTgt>
+                                        </p:tgtEl>
+                                        <p:attrNameLst>
+                                          <p:attrName>style.visibility</p:attrName>
+                                        </p:attrNameLst>
+                                      </p:cBhvr>
+                                      <p:to>
+                                        <p:strVal val="visible"/>
+                                      </p:to>
+                                    </p:set>
+                                    <p:animEffect transition="in" filter="fade">
+                                      <p:cBhvr>
+                                        <p:cTn id="28" dur="1000"/>
+                                        <p:tgtEl>
+                                          <p:spTgt spid="7">
+                                            <p:txEl>
+                                              <p:pRg st="3" end="3"/>
+                                            </p:txEl>
+                                          </p:spTgt>
+                                        </p:tgtEl>
+                                      </p:cBhvr>
+                                    </p:animEffect>
+                                    <p:anim calcmode="lin" valueType="num">
+                                      <p:cBhvr>
+                                        <p:cTn id="29" dur="1000" fill="hold"/>
+                                        <p:tgtEl>
+                                          <p:spTgt spid="7">
+                                            <p:txEl>
+                                              <p:pRg st="3" end="3"/>
+                                            </p:txEl>
+                                          </p:spTgt>
+                                        </p:tgtEl>
+                                        <p:attrNameLst>
+                                          <p:attrName>ppt_x</p:attrName>
+                                        </p:attrNameLst>
+                                      </p:cBhvr>
+                                      <p:tavLst>
+                                        <p:tav tm="0">
+                                          <p:val>
+                                            <p:strVal val="#ppt_x"/>
+                                          </p:val>
+                                        </p:tav>
+                                        <p:tav tm="100000">
+                                          <p:val>
+                                            <p:strVal val="#ppt_x"/>
+                                          </p:val>
+                                        </p:tav>
+                                      </p:tavLst>
+                                    </p:anim>
+                                    <p:anim calcmode="lin" valueType="num">
+                                      <p:cBhvr>
+                                        <p:cTn id="30" dur="1000" fill="hold"/>
+                                        <p:tgtEl>
+                                          <p:spTgt spid="7">
+                                            <p:txEl>
+                                              <p:pRg st="3" end="3"/>
+                                            </p:txEl>
+                                          </p:spTgt>
+                                        </p:tgtEl>
+                                        <p:attrNameLst>
+                                          <p:attrName>ppt_y</p:attrName>
+                                        </p:attrNameLst>
+                                      </p:cBhvr>
+                                      <p:tavLst>
+                                        <p:tav tm="0">
+                                          <p:val>
+                                            <p:strVal val="#ppt_y+.1"/>
+                                          </p:val>
+                                        </p:tav>
+                                        <p:tav tm="100000">
+                                          <p:val>
+                                            <p:strVal val="#ppt_y"/>
+                                          </p:val>
+                                        </p:tav>
+                                      </p:tavLst>
+                                    </p:anim>
+                                  </p:childTnLst>
+                                </p:cTn>
+                              </p:par>
+                              <p:par>
+                                <p:cTn id="31" presetID="42" presetClass="entr" presetSubtype="0" fill="hold" grpId="0" nodeType="withEffect">
+                                  <p:stCondLst>
+                                    <p:cond delay="0"/>
+                                  </p:stCondLst>
+                                  <p:childTnLst>
+                                    <p:set>
+                                      <p:cBhvr>
+                                        <p:cTn id="32" dur="1" fill="hold">
+                                          <p:stCondLst>
+                                            <p:cond delay="0"/>
+                                          </p:stCondLst>
+                                        </p:cTn>
+                                        <p:tgtEl>
+                                          <p:spTgt spid="7">
+                                            <p:txEl>
+                                              <p:pRg st="4" end="4"/>
+                                            </p:txEl>
+                                          </p:spTgt>
+                                        </p:tgtEl>
+                                        <p:attrNameLst>
+                                          <p:attrName>style.visibility</p:attrName>
+                                        </p:attrNameLst>
+                                      </p:cBhvr>
+                                      <p:to>
+                                        <p:strVal val="visible"/>
+                                      </p:to>
+                                    </p:set>
+                                    <p:animEffect transition="in" filter="fade">
+                                      <p:cBhvr>
+                                        <p:cTn id="33" dur="1000"/>
+                                        <p:tgtEl>
+                                          <p:spTgt spid="7">
+                                            <p:txEl>
+                                              <p:pRg st="4" end="4"/>
+                                            </p:txEl>
+                                          </p:spTgt>
+                                        </p:tgtEl>
+                                      </p:cBhvr>
+                                    </p:animEffect>
+                                    <p:anim calcmode="lin" valueType="num">
+                                      <p:cBhvr>
+                                        <p:cTn id="34" dur="1000" fill="hold"/>
+                                        <p:tgtEl>
+                                          <p:spTgt spid="7">
+                                            <p:txEl>
+                                              <p:pRg st="4" end="4"/>
+                                            </p:txEl>
+                                          </p:spTgt>
+                                        </p:tgtEl>
+                                        <p:attrNameLst>
+                                          <p:attrName>ppt_x</p:attrName>
+                                        </p:attrNameLst>
+                                      </p:cBhvr>
+                                      <p:tavLst>
+                                        <p:tav tm="0">
+                                          <p:val>
+                                            <p:strVal val="#ppt_x"/>
+                                          </p:val>
+                                        </p:tav>
+                                        <p:tav tm="100000">
+                                          <p:val>
+                                            <p:strVal val="#ppt_x"/>
+                                          </p:val>
+                                        </p:tav>
+                                      </p:tavLst>
+                                    </p:anim>
+                                    <p:anim calcmode="lin" valueType="num">
+                                      <p:cBhvr>
+                                        <p:cTn id="35" dur="1000" fill="hold"/>
+                                        <p:tgtEl>
+                                          <p:spTgt spid="7">
+                                            <p:txEl>
+                                              <p:pRg st="4" end="4"/>
+                                            </p:txEl>
+                                          </p:spTgt>
+                                        </p:tgtEl>
+                                        <p:attrNameLst>
+                                          <p:attrName>ppt_y</p:attrName>
+                                        </p:attrNameLst>
+                                      </p:cBhvr>
+                                      <p:tavLst>
+                                        <p:tav tm="0">
+                                          <p:val>
+                                            <p:strVal val="#ppt_y+.1"/>
+                                          </p:val>
+                                        </p:tav>
+                                        <p:tav tm="100000">
+                                          <p:val>
+                                            <p:strVal val="#ppt_y"/>
+                                          </p:val>
+                                        </p:tav>
+                                      </p:tavLst>
+                                    </p:anim>
+                                  </p:childTnLst>
+                                </p:cTn>
+                              </p:par>
+                              <p:par>
+                                <p:cTn id="36" presetID="42" presetClass="entr" presetSubtype="0" fill="hold" grpId="0" nodeType="withEffect">
+                                  <p:stCondLst>
+                                    <p:cond delay="0"/>
+                                  </p:stCondLst>
+                                  <p:childTnLst>
+                                    <p:set>
+                                      <p:cBhvr>
+                                        <p:cTn id="37" dur="1" fill="hold">
+                                          <p:stCondLst>
+                                            <p:cond delay="0"/>
+                                          </p:stCondLst>
+                                        </p:cTn>
+                                        <p:tgtEl>
+                                          <p:spTgt spid="7">
+                                            <p:txEl>
+                                              <p:pRg st="5" end="5"/>
+                                            </p:txEl>
+                                          </p:spTgt>
+                                        </p:tgtEl>
+                                        <p:attrNameLst>
+                                          <p:attrName>style.visibility</p:attrName>
+                                        </p:attrNameLst>
+                                      </p:cBhvr>
+                                      <p:to>
+                                        <p:strVal val="visible"/>
+                                      </p:to>
+                                    </p:set>
+                                    <p:animEffect transition="in" filter="fade">
+                                      <p:cBhvr>
+                                        <p:cTn id="38" dur="1000"/>
+                                        <p:tgtEl>
+                                          <p:spTgt spid="7">
+                                            <p:txEl>
+                                              <p:pRg st="5" end="5"/>
+                                            </p:txEl>
+                                          </p:spTgt>
+                                        </p:tgtEl>
+                                      </p:cBhvr>
+                                    </p:animEffect>
+                                    <p:anim calcmode="lin" valueType="num">
+                                      <p:cBhvr>
+                                        <p:cTn id="39" dur="1000" fill="hold"/>
+                                        <p:tgtEl>
+                                          <p:spTgt spid="7">
+                                            <p:txEl>
+                                              <p:pRg st="5" end="5"/>
+                                            </p:txEl>
+                                          </p:spTgt>
+                                        </p:tgtEl>
+                                        <p:attrNameLst>
+                                          <p:attrName>ppt_x</p:attrName>
+                                        </p:attrNameLst>
+                                      </p:cBhvr>
+                                      <p:tavLst>
+                                        <p:tav tm="0">
+                                          <p:val>
+                                            <p:strVal val="#ppt_x"/>
+                                          </p:val>
+                                        </p:tav>
+                                        <p:tav tm="100000">
+                                          <p:val>
+                                            <p:strVal val="#ppt_x"/>
+                                          </p:val>
+                                        </p:tav>
+                                      </p:tavLst>
+                                    </p:anim>
+                                    <p:anim calcmode="lin" valueType="num">
+                                      <p:cBhvr>
+                                        <p:cTn id="40" dur="1000" fill="hold"/>
+                                        <p:tgtEl>
+                                          <p:spTgt spid="7">
+                                            <p:txEl>
+                                              <p:pRg st="5" end="5"/>
+                                            </p:txEl>
+                                          </p:spTgt>
+                                        </p:tgtEl>
+                                        <p:attrNameLst>
+                                          <p:attrName>ppt_y</p:attrName>
+                                        </p:attrNameLst>
+                                      </p:cBhvr>
+                                      <p:tavLst>
+                                        <p:tav tm="0">
+                                          <p:val>
+                                            <p:strVal val="#ppt_y+.1"/>
+                                          </p:val>
+                                        </p:tav>
+                                        <p:tav tm="100000">
+                                          <p:val>
+                                            <p:strVal val="#ppt_y"/>
+                                          </p:val>
+                                        </p:tav>
+                                      </p:tavLst>
+                                    </p:anim>
+                                  </p:childTnLst>
+                                </p:cTn>
+                              </p:par>
+                              <p:par>
+                                <p:cTn id="41" presetID="42" presetClass="entr" presetSubtype="0" fill="hold" grpId="0" nodeType="withEffect">
+                                  <p:stCondLst>
+                                    <p:cond delay="0"/>
+                                  </p:stCondLst>
+                                  <p:childTnLst>
+                                    <p:set>
+                                      <p:cBhvr>
+                                        <p:cTn id="42" dur="1" fill="hold">
+                                          <p:stCondLst>
+                                            <p:cond delay="0"/>
+                                          </p:stCondLst>
+                                        </p:cTn>
+                                        <p:tgtEl>
+                                          <p:spTgt spid="7">
+                                            <p:txEl>
+                                              <p:pRg st="6" end="6"/>
+                                            </p:txEl>
+                                          </p:spTgt>
+                                        </p:tgtEl>
+                                        <p:attrNameLst>
+                                          <p:attrName>style.visibility</p:attrName>
+                                        </p:attrNameLst>
+                                      </p:cBhvr>
+                                      <p:to>
+                                        <p:strVal val="visible"/>
+                                      </p:to>
+                                    </p:set>
+                                    <p:animEffect transition="in" filter="fade">
+                                      <p:cBhvr>
+                                        <p:cTn id="43" dur="1000"/>
+                                        <p:tgtEl>
+                                          <p:spTgt spid="7">
+                                            <p:txEl>
+                                              <p:pRg st="6" end="6"/>
+                                            </p:txEl>
+                                          </p:spTgt>
+                                        </p:tgtEl>
+                                      </p:cBhvr>
+                                    </p:animEffect>
+                                    <p:anim calcmode="lin" valueType="num">
+                                      <p:cBhvr>
+                                        <p:cTn id="44" dur="1000" fill="hold"/>
+                                        <p:tgtEl>
+                                          <p:spTgt spid="7">
+                                            <p:txEl>
+                                              <p:pRg st="6" end="6"/>
+                                            </p:txEl>
+                                          </p:spTgt>
+                                        </p:tgtEl>
+                                        <p:attrNameLst>
+                                          <p:attrName>ppt_x</p:attrName>
+                                        </p:attrNameLst>
+                                      </p:cBhvr>
+                                      <p:tavLst>
+                                        <p:tav tm="0">
+                                          <p:val>
+                                            <p:strVal val="#ppt_x"/>
+                                          </p:val>
+                                        </p:tav>
+                                        <p:tav tm="100000">
+                                          <p:val>
+                                            <p:strVal val="#ppt_x"/>
+                                          </p:val>
+                                        </p:tav>
+                                      </p:tavLst>
+                                    </p:anim>
+                                    <p:anim calcmode="lin" valueType="num">
+                                      <p:cBhvr>
+                                        <p:cTn id="45" dur="1000" fill="hold"/>
+                                        <p:tgtEl>
+                                          <p:spTgt spid="7">
+                                            <p:txEl>
+                                              <p:pRg st="6" end="6"/>
+                                            </p:txEl>
+                                          </p:spTgt>
+                                        </p:tgtEl>
+                                        <p:attrNameLst>
+                                          <p:attrName>ppt_y</p:attrName>
+                                        </p:attrNameLst>
+                                      </p:cBhvr>
+                                      <p:tavLst>
+                                        <p:tav tm="0">
+                                          <p:val>
+                                            <p:strVal val="#ppt_y+.1"/>
+                                          </p:val>
+                                        </p:tav>
+                                        <p:tav tm="100000">
+                                          <p:val>
+                                            <p:strVal val="#ppt_y"/>
+                                          </p:val>
+                                        </p:tav>
+                                      </p:tavLst>
+                                    </p:anim>
+                                  </p:childTnLst>
+                                </p:cTn>
+                              </p:par>
+                              <p:par>
+                                <p:cTn id="46" presetID="42" presetClass="entr" presetSubtype="0" fill="hold" grpId="0" nodeType="withEffect">
+                                  <p:stCondLst>
+                                    <p:cond delay="0"/>
+                                  </p:stCondLst>
+                                  <p:childTnLst>
+                                    <p:set>
+                                      <p:cBhvr>
+                                        <p:cTn id="47" dur="1" fill="hold">
+                                          <p:stCondLst>
+                                            <p:cond delay="0"/>
+                                          </p:stCondLst>
+                                        </p:cTn>
+                                        <p:tgtEl>
+                                          <p:spTgt spid="7">
+                                            <p:txEl>
+                                              <p:pRg st="7" end="7"/>
+                                            </p:txEl>
+                                          </p:spTgt>
+                                        </p:tgtEl>
+                                        <p:attrNameLst>
+                                          <p:attrName>style.visibility</p:attrName>
+                                        </p:attrNameLst>
+                                      </p:cBhvr>
+                                      <p:to>
+                                        <p:strVal val="visible"/>
+                                      </p:to>
+                                    </p:set>
+                                    <p:animEffect transition="in" filter="fade">
+                                      <p:cBhvr>
+                                        <p:cTn id="48" dur="1000"/>
+                                        <p:tgtEl>
+                                          <p:spTgt spid="7">
+                                            <p:txEl>
+                                              <p:pRg st="7" end="7"/>
+                                            </p:txEl>
+                                          </p:spTgt>
+                                        </p:tgtEl>
+                                      </p:cBhvr>
+                                    </p:animEffect>
+                                    <p:anim calcmode="lin" valueType="num">
+                                      <p:cBhvr>
+                                        <p:cTn id="49" dur="1000" fill="hold"/>
+                                        <p:tgtEl>
+                                          <p:spTgt spid="7">
+                                            <p:txEl>
+                                              <p:pRg st="7" end="7"/>
+                                            </p:txEl>
+                                          </p:spTgt>
+                                        </p:tgtEl>
+                                        <p:attrNameLst>
+                                          <p:attrName>ppt_x</p:attrName>
+                                        </p:attrNameLst>
+                                      </p:cBhvr>
+                                      <p:tavLst>
+                                        <p:tav tm="0">
+                                          <p:val>
+                                            <p:strVal val="#ppt_x"/>
+                                          </p:val>
+                                        </p:tav>
+                                        <p:tav tm="100000">
+                                          <p:val>
+                                            <p:strVal val="#ppt_x"/>
+                                          </p:val>
+                                        </p:tav>
+                                      </p:tavLst>
+                                    </p:anim>
+                                    <p:anim calcmode="lin" valueType="num">
+                                      <p:cBhvr>
+                                        <p:cTn id="50" dur="1000" fill="hold"/>
+                                        <p:tgtEl>
+                                          <p:spTgt spid="7">
+                                            <p:txEl>
+                                              <p:pRg st="7" end="7"/>
+                                            </p:txEl>
+                                          </p:spTgt>
+                                        </p:tgtEl>
+                                        <p:attrNameLst>
+                                          <p:attrName>ppt_y</p:attrName>
+                                        </p:attrNameLst>
+                                      </p:cBhvr>
+                                      <p:tavLst>
+                                        <p:tav tm="0">
+                                          <p:val>
+                                            <p:strVal val="#ppt_y+.1"/>
+                                          </p:val>
+                                        </p:tav>
+                                        <p:tav tm="100000">
+                                          <p:val>
+                                            <p:strVal val="#ppt_y"/>
+                                          </p:val>
+                                        </p:tav>
+                                      </p:tavLst>
+                                    </p:anim>
+                                  </p:childTnLst>
+                                </p:cTn>
+                              </p:par>
+                            </p:childTnLst>
+                          </p:cTn>
+                        </p:par>
+                      </p:childTnLst>
+                    </p:cTn>
+                  </p:par>
                 </p:childTnLst>
               </p:cTn>
               <p:prevCondLst>
@@ -24161,6 +31773,7 @@
     </p:tnLst>
     <p:bldLst>
       <p:bldP spid="2" grpId="0"/>
+      <p:bldP spid="7" grpId="0" build="p"/>
     </p:bldLst>
   </p:timing>
 </p:sld>
@@ -24508,6 +32121,128 @@
                       </p:childTnLst>
                     </p:cTn>
                   </p:par>
+                  <p:par>
+                    <p:cTn id="10" fill="hold">
+                      <p:stCondLst>
+                        <p:cond delay="indefinite"/>
+                      </p:stCondLst>
+                      <p:childTnLst>
+                        <p:par>
+                          <p:cTn id="11" fill="hold">
+                            <p:stCondLst>
+                              <p:cond delay="0"/>
+                            </p:stCondLst>
+                            <p:childTnLst>
+                              <p:par>
+                                <p:cTn id="12" presetID="31" presetClass="entr" presetSubtype="0" fill="hold" grpId="0" nodeType="clickEffect">
+                                  <p:stCondLst>
+                                    <p:cond delay="0"/>
+                                  </p:stCondLst>
+                                  <p:childTnLst>
+                                    <p:set>
+                                      <p:cBhvr>
+                                        <p:cTn id="13" dur="1" fill="hold">
+                                          <p:stCondLst>
+                                            <p:cond delay="0"/>
+                                          </p:stCondLst>
+                                        </p:cTn>
+                                        <p:tgtEl>
+                                          <p:spTgt spid="3"/>
+                                        </p:tgtEl>
+                                        <p:attrNameLst>
+                                          <p:attrName>style.visibility</p:attrName>
+                                        </p:attrNameLst>
+                                      </p:cBhvr>
+                                      <p:to>
+                                        <p:strVal val="visible"/>
+                                      </p:to>
+                                    </p:set>
+                                    <p:anim calcmode="lin" valueType="num">
+                                      <p:cBhvr>
+                                        <p:cTn id="14" dur="1000" fill="hold"/>
+                                        <p:tgtEl>
+                                          <p:spTgt spid="3"/>
+                                        </p:tgtEl>
+                                        <p:attrNameLst>
+                                          <p:attrName>ppt_w</p:attrName>
+                                        </p:attrNameLst>
+                                      </p:cBhvr>
+                                      <p:tavLst>
+                                        <p:tav tm="0">
+                                          <p:val>
+                                            <p:fltVal val="0"/>
+                                          </p:val>
+                                        </p:tav>
+                                        <p:tav tm="100000">
+                                          <p:val>
+                                            <p:strVal val="#ppt_w"/>
+                                          </p:val>
+                                        </p:tav>
+                                      </p:tavLst>
+                                    </p:anim>
+                                    <p:anim calcmode="lin" valueType="num">
+                                      <p:cBhvr>
+                                        <p:cTn id="15" dur="1000" fill="hold"/>
+                                        <p:tgtEl>
+                                          <p:spTgt spid="3"/>
+                                        </p:tgtEl>
+                                        <p:attrNameLst>
+                                          <p:attrName>ppt_h</p:attrName>
+                                        </p:attrNameLst>
+                                      </p:cBhvr>
+                                      <p:tavLst>
+                                        <p:tav tm="0">
+                                          <p:val>
+                                            <p:fltVal val="0"/>
+                                          </p:val>
+                                        </p:tav>
+                                        <p:tav tm="100000">
+                                          <p:val>
+                                            <p:strVal val="#ppt_h"/>
+                                          </p:val>
+                                        </p:tav>
+                                      </p:tavLst>
+                                    </p:anim>
+                                    <p:anim calcmode="lin" valueType="num">
+                                      <p:cBhvr>
+                                        <p:cTn id="16" dur="1000" fill="hold"/>
+                                        <p:tgtEl>
+                                          <p:spTgt spid="3"/>
+                                        </p:tgtEl>
+                                        <p:attrNameLst>
+                                          <p:attrName>style.rotation</p:attrName>
+                                        </p:attrNameLst>
+                                      </p:cBhvr>
+                                      <p:tavLst>
+                                        <p:tav tm="0">
+                                          <p:val>
+                                            <p:fltVal val="90"/>
+                                          </p:val>
+                                        </p:tav>
+                                        <p:tav tm="100000">
+                                          <p:val>
+                                            <p:fltVal val="0"/>
+                                          </p:val>
+                                        </p:tav>
+                                      </p:tavLst>
+                                    </p:anim>
+                                    <p:animEffect transition="in" filter="fade">
+                                      <p:cBhvr>
+                                        <p:cTn id="17" dur="1000"/>
+                                        <p:tgtEl>
+                                          <p:spTgt spid="3"/>
+                                        </p:tgtEl>
+                                      </p:cBhvr>
+                                    </p:animEffect>
+                                  </p:childTnLst>
+                                </p:cTn>
+                              </p:par>
+                            </p:childTnLst>
+                          </p:cTn>
+                        </p:par>
+                      </p:childTnLst>
+                    </p:cTn>
+                  </p:par>
                 </p:childTnLst>
               </p:cTn>
               <p:prevCondLst>
@@ -24531,6 +32266,7 @@
     </p:tnLst>
     <p:bldLst>
       <p:bldP spid="2" grpId="0" animBg="1"/>
+      <p:bldP spid="3" grpId="0"/>
     </p:bldLst>
   </p:timing>
 </p:sld>
@@ -24805,7 +32541,7 @@
           <a:p>
             <a:pPr lvl="0" algn="ctr" rtl="0"/>
             <a:r>
-              <a:rPr lang="ar-EG" sz="4400" b="1"/>
+              <a:rPr lang="ar-EG" sz="4400" b="1" dirty="0"/>
               <a:t>الفجوات</a:t>
             </a:r>
             <a:endParaRPr lang="en-US" sz="4400" b="1" dirty="0"/>
@@ -24871,13 +32607,13 @@
   <p:clrMapOvr>
     <a:masterClrMapping/>
   </p:clrMapOvr>
-  <mc:AlternateContent xmlns:mc="http://schemas.openxmlformats.org/markup-compatibility/2006">
-    <mc:Choice xmlns:p15="http://schemas.microsoft.com/office/powerpoint/2012/main" Requires="p15">
+  <mc:AlternateContent xmlns:mc="http://schemas.openxmlformats.org/markup-compatibility/2006" xmlns:p15="http://schemas.microsoft.com/office/powerpoint/2012/main">
+    <mc:Choice Requires="p15">
       <p:transition xmlns:p14="http://schemas.microsoft.com/office/powerpoint/2010/main" spd="slow" p14:dur="1250">
         <p15:prstTrans prst="airplane"/>
       </p:transition>
     </mc:Choice>
-    <mc:Fallback>
+    <mc:Fallback xmlns="">
       <p:transition spd="slow">
         <p:fade/>
       </p:transition>
@@ -25240,13 +32976,13 @@
   <p:clrMapOvr>
     <a:masterClrMapping/>
   </p:clrMapOvr>
-  <mc:AlternateContent xmlns:mc="http://schemas.openxmlformats.org/markup-compatibility/2006">
-    <mc:Choice xmlns:p15="http://schemas.microsoft.com/office/powerpoint/2012/main" Requires="p15">
+  <mc:AlternateContent xmlns:mc="http://schemas.openxmlformats.org/markup-compatibility/2006" xmlns:p15="http://schemas.microsoft.com/office/powerpoint/2012/main">
+    <mc:Choice Requires="p15">
       <p:transition xmlns:p14="http://schemas.microsoft.com/office/powerpoint/2010/main" spd="slow" p14:dur="1250">
         <p15:prstTrans prst="airplane"/>
       </p:transition>
     </mc:Choice>
-    <mc:Fallback>
+    <mc:Fallback xmlns="">
       <p:transition spd="slow">
         <p:fade/>
       </p:transition>
@@ -28284,13 +36020,13 @@
   <p:clrMapOvr>
     <a:masterClrMapping/>
   </p:clrMapOvr>
-  <mc:AlternateContent xmlns:mc="http://schemas.openxmlformats.org/markup-compatibility/2006">
-    <mc:Choice xmlns:p15="http://schemas.microsoft.com/office/powerpoint/2012/main" Requires="p15">
+  <mc:AlternateContent xmlns:mc="http://schemas.openxmlformats.org/markup-compatibility/2006" xmlns:p15="http://schemas.microsoft.com/office/powerpoint/2012/main">
+    <mc:Choice Requires="p15">
       <p:transition xmlns:p14="http://schemas.microsoft.com/office/powerpoint/2010/main" spd="slow" p14:dur="1250">
         <p15:prstTrans prst="airplane"/>
       </p:transition>
     </mc:Choice>
-    <mc:Fallback>
+    <mc:Fallback xmlns="">
       <p:transition spd="slow">
         <p:fade/>
       </p:transition>
@@ -28368,6 +36104,97 @@
                                         <p:cTn id="8" dur="500" fill="hold"/>
                                         <p:tgtEl>
                                           <p:spTgt spid="2"/>
+                                        </p:tgtEl>
+                                        <p:attrNameLst>
+                                          <p:attrName>ppt_y</p:attrName>
+                                        </p:attrNameLst>
+                                      </p:cBhvr>
+                                      <p:tavLst>
+                                        <p:tav tm="0">
+                                          <p:val>
+                                            <p:strVal val="1+#ppt_h/2"/>
+                                          </p:val>
+                                        </p:tav>
+                                        <p:tav tm="100000">
+                                          <p:val>
+                                            <p:strVal val="#ppt_y"/>
+                                          </p:val>
+                                        </p:tav>
+                                      </p:tavLst>
+                                    </p:anim>
+                                  </p:childTnLst>
+                                </p:cTn>
+                              </p:par>
+                            </p:childTnLst>
+                          </p:cTn>
+                        </p:par>
+                      </p:childTnLst>
+                    </p:cTn>
+                  </p:par>
+                  <p:par>
+                    <p:cTn id="9" fill="hold">
+                      <p:stCondLst>
+                        <p:cond delay="indefinite"/>
+                      </p:stCondLst>
+                      <p:childTnLst>
+                        <p:par>
+                          <p:cTn id="10" fill="hold">
+                            <p:stCondLst>
+                              <p:cond delay="0"/>
+                            </p:stCondLst>
+                            <p:childTnLst>
+                              <p:par>
+                                <p:cTn id="11" presetID="2" presetClass="entr" presetSubtype="4" fill="hold" nodeType="clickEffect">
+                                  <p:stCondLst>
+                                    <p:cond delay="0"/>
+                                  </p:stCondLst>
+                                  <p:childTnLst>
+                                    <p:set>
+                                      <p:cBhvr>
+                                        <p:cTn id="12" dur="1" fill="hold">
+                                          <p:stCondLst>
+                                            <p:cond delay="0"/>
+                                          </p:stCondLst>
+                                        </p:cTn>
+                                        <p:tgtEl>
+                                          <p:spTgt spid="23"/>
+                                        </p:tgtEl>
+                                        <p:attrNameLst>
+                                          <p:attrName>style.visibility</p:attrName>
+                                        </p:attrNameLst>
+                                      </p:cBhvr>
+                                      <p:to>
+                                        <p:strVal val="visible"/>
+                                      </p:to>
+                                    </p:set>
+                                    <p:anim calcmode="lin" valueType="num">
+                                      <p:cBhvr additive="base">
+                                        <p:cTn id="13" dur="500" fill="hold"/>
+                                        <p:tgtEl>
+                                          <p:spTgt spid="23"/>
+                                        </p:tgtEl>
+                                        <p:attrNameLst>
+                                          <p:attrName>ppt_x</p:attrName>
+                                        </p:attrNameLst>
+                                      </p:cBhvr>
+                                      <p:tavLst>
+                                        <p:tav tm="0">
+                                          <p:val>
+                                            <p:strVal val="#ppt_x"/>
+                                          </p:val>
+                                        </p:tav>
+                                        <p:tav tm="100000">
+                                          <p:val>
+                                            <p:strVal val="#ppt_x"/>
+                                          </p:val>
+                                        </p:tav>
+                                      </p:tavLst>
+                                    </p:anim>
+                                    <p:anim calcmode="lin" valueType="num">
+                                      <p:cBhvr additive="base">
+                                        <p:cTn id="14" dur="500" fill="hold"/>
+                                        <p:tgtEl>
+                                          <p:spTgt spid="23"/>
                                         </p:tgtEl>
                                         <p:attrNameLst>
                                           <p:attrName>ppt_y</p:attrName>
@@ -28564,13 +36391,13 @@
   <p:clrMapOvr>
     <a:masterClrMapping/>
   </p:clrMapOvr>
-  <mc:AlternateContent xmlns:mc="http://schemas.openxmlformats.org/markup-compatibility/2006">
-    <mc:Choice xmlns:p15="http://schemas.microsoft.com/office/powerpoint/2012/main" Requires="p15">
+  <mc:AlternateContent xmlns:mc="http://schemas.openxmlformats.org/markup-compatibility/2006" xmlns:p15="http://schemas.microsoft.com/office/powerpoint/2012/main">
+    <mc:Choice Requires="p15">
       <p:transition xmlns:p14="http://schemas.microsoft.com/office/powerpoint/2010/main" spd="slow" p14:dur="1250">
         <p15:prstTrans prst="airplane"/>
       </p:transition>
     </mc:Choice>
-    <mc:Fallback>
+    <mc:Fallback xmlns="">
       <p:transition spd="slow">
         <p:fade/>
       </p:transition>
@@ -29038,13 +36865,13 @@
   <p:clrMapOvr>
     <a:masterClrMapping/>
   </p:clrMapOvr>
-  <mc:AlternateContent xmlns:mc="http://schemas.openxmlformats.org/markup-compatibility/2006">
-    <mc:Choice xmlns:p15="http://schemas.microsoft.com/office/powerpoint/2012/main" Requires="p15">
+  <mc:AlternateContent xmlns:mc="http://schemas.openxmlformats.org/markup-compatibility/2006" xmlns:p15="http://schemas.microsoft.com/office/powerpoint/2012/main">
+    <mc:Choice Requires="p15">
       <p:transition xmlns:p14="http://schemas.microsoft.com/office/powerpoint/2010/main" spd="slow" p14:dur="1250">
         <p15:prstTrans prst="airplane"/>
       </p:transition>
     </mc:Choice>
-    <mc:Fallback>
+    <mc:Fallback xmlns="">
       <p:transition spd="slow">
         <p:fade/>
       </p:transition>
@@ -29593,8 +37420,8 @@
           </a:prstGeom>
         </p:spPr>
       </p:pic>
-      <mc:AlternateContent xmlns:mc="http://schemas.openxmlformats.org/markup-compatibility/2006">
-        <mc:Choice xmlns:p14="http://schemas.microsoft.com/office/powerpoint/2010/main" Requires="p14">
+      <mc:AlternateContent xmlns:mc="http://schemas.openxmlformats.org/markup-compatibility/2006" xmlns:p14="http://schemas.microsoft.com/office/powerpoint/2010/main">
+        <mc:Choice Requires="p14">
           <p:contentPart p14:bwMode="auto" r:id="rId5">
             <p14:nvContentPartPr>
               <p14:cNvPr id="10" name="Ink 9">
@@ -29613,7 +37440,7 @@
             </p14:xfrm>
           </p:contentPart>
         </mc:Choice>
-        <mc:Fallback>
+        <mc:Fallback xmlns="">
           <p:pic>
             <p:nvPicPr>
               <p:cNvPr id="10" name="Ink 9">
@@ -29644,8 +37471,8 @@
           </p:pic>
         </mc:Fallback>
       </mc:AlternateContent>
-      <mc:AlternateContent xmlns:mc="http://schemas.openxmlformats.org/markup-compatibility/2006">
-        <mc:Choice xmlns:p14="http://schemas.microsoft.com/office/powerpoint/2010/main" Requires="p14">
+      <mc:AlternateContent xmlns:mc="http://schemas.openxmlformats.org/markup-compatibility/2006" xmlns:p14="http://schemas.microsoft.com/office/powerpoint/2010/main">
+        <mc:Choice Requires="p14">
           <p:contentPart p14:bwMode="auto" r:id="rId7">
             <p14:nvContentPartPr>
               <p14:cNvPr id="11" name="Ink 10">
@@ -29664,7 +37491,7 @@
             </p14:xfrm>
           </p:contentPart>
         </mc:Choice>
-        <mc:Fallback>
+        <mc:Fallback xmlns="">
           <p:pic>
             <p:nvPicPr>
               <p:cNvPr id="11" name="Ink 10">
@@ -29695,8 +37522,8 @@
           </p:pic>
         </mc:Fallback>
       </mc:AlternateContent>
-      <mc:AlternateContent xmlns:mc="http://schemas.openxmlformats.org/markup-compatibility/2006">
-        <mc:Choice xmlns:p14="http://schemas.microsoft.com/office/powerpoint/2010/main" Requires="p14">
+      <mc:AlternateContent xmlns:mc="http://schemas.openxmlformats.org/markup-compatibility/2006" xmlns:p14="http://schemas.microsoft.com/office/powerpoint/2010/main">
+        <mc:Choice Requires="p14">
           <p:contentPart p14:bwMode="auto" r:id="rId9">
             <p14:nvContentPartPr>
               <p14:cNvPr id="12" name="Ink 11">
@@ -29715,7 +37542,7 @@
             </p14:xfrm>
           </p:contentPart>
         </mc:Choice>
-        <mc:Fallback>
+        <mc:Fallback xmlns="">
           <p:pic>
             <p:nvPicPr>
               <p:cNvPr id="12" name="Ink 11">
@@ -29746,8 +37573,8 @@
           </p:pic>
         </mc:Fallback>
       </mc:AlternateContent>
-      <mc:AlternateContent xmlns:mc="http://schemas.openxmlformats.org/markup-compatibility/2006">
-        <mc:Choice xmlns:p14="http://schemas.microsoft.com/office/powerpoint/2010/main" Requires="p14">
+      <mc:AlternateContent xmlns:mc="http://schemas.openxmlformats.org/markup-compatibility/2006" xmlns:p14="http://schemas.microsoft.com/office/powerpoint/2010/main">
+        <mc:Choice Requires="p14">
           <p:contentPart p14:bwMode="auto" r:id="rId11">
             <p14:nvContentPartPr>
               <p14:cNvPr id="13" name="Ink 12">
@@ -29766,7 +37593,7 @@
             </p14:xfrm>
           </p:contentPart>
         </mc:Choice>
-        <mc:Fallback>
+        <mc:Fallback xmlns="">
           <p:pic>
             <p:nvPicPr>
               <p:cNvPr id="13" name="Ink 12">
@@ -29807,13 +37634,13 @@
   <p:clrMapOvr>
     <a:masterClrMapping/>
   </p:clrMapOvr>
-  <mc:AlternateContent xmlns:mc="http://schemas.openxmlformats.org/markup-compatibility/2006">
-    <mc:Choice xmlns:p15="http://schemas.microsoft.com/office/powerpoint/2012/main" Requires="p15">
+  <mc:AlternateContent xmlns:mc="http://schemas.openxmlformats.org/markup-compatibility/2006" xmlns:p15="http://schemas.microsoft.com/office/powerpoint/2012/main">
+    <mc:Choice Requires="p15">
       <p:transition xmlns:p14="http://schemas.microsoft.com/office/powerpoint/2010/main" spd="slow" p14:dur="1250">
         <p15:prstTrans prst="airplane"/>
       </p:transition>
     </mc:Choice>
-    <mc:Fallback>
+    <mc:Fallback xmlns="">
       <p:transition spd="slow">
         <p:fade/>
       </p:transition>
@@ -29909,6 +37736,249 @@
                                         </p:tav>
                                       </p:tavLst>
                                     </p:anim>
+                                  </p:childTnLst>
+                                </p:cTn>
+                              </p:par>
+                            </p:childTnLst>
+                          </p:cTn>
+                        </p:par>
+                      </p:childTnLst>
+                    </p:cTn>
+                  </p:par>
+                  <p:par>
+                    <p:cTn id="9" fill="hold">
+                      <p:stCondLst>
+                        <p:cond delay="indefinite"/>
+                      </p:stCondLst>
+                      <p:childTnLst>
+                        <p:par>
+                          <p:cTn id="10" fill="hold">
+                            <p:stCondLst>
+                              <p:cond delay="0"/>
+                            </p:stCondLst>
+                            <p:childTnLst>
+                              <p:par>
+                                <p:cTn id="11" presetID="42" presetClass="entr" presetSubtype="0" fill="hold" nodeType="clickEffect">
+                                  <p:stCondLst>
+                                    <p:cond delay="0"/>
+                                  </p:stCondLst>
+                                  <p:childTnLst>
+                                    <p:set>
+                                      <p:cBhvr>
+                                        <p:cTn id="12" dur="1" fill="hold">
+                                          <p:stCondLst>
+                                            <p:cond delay="0"/>
+                                          </p:stCondLst>
+                                        </p:cTn>
+                                        <p:tgtEl>
+                                          <p:spTgt spid="9"/>
+                                        </p:tgtEl>
+                                        <p:attrNameLst>
+                                          <p:attrName>style.visibility</p:attrName>
+                                        </p:attrNameLst>
+                                      </p:cBhvr>
+                                      <p:to>
+                                        <p:strVal val="visible"/>
+                                      </p:to>
+                                    </p:set>
+                                    <p:animEffect transition="in" filter="fade">
+                                      <p:cBhvr>
+                                        <p:cTn id="13" dur="1000"/>
+                                        <p:tgtEl>
+                                          <p:spTgt spid="9"/>
+                                        </p:tgtEl>
+                                      </p:cBhvr>
+                                    </p:animEffect>
+                                    <p:anim calcmode="lin" valueType="num">
+                                      <p:cBhvr>
+                                        <p:cTn id="14" dur="1000" fill="hold"/>
+                                        <p:tgtEl>
+                                          <p:spTgt spid="9"/>
+                                        </p:tgtEl>
+                                        <p:attrNameLst>
+                                          <p:attrName>ppt_x</p:attrName>
+                                        </p:attrNameLst>
+                                      </p:cBhvr>
+                                      <p:tavLst>
+                                        <p:tav tm="0">
+                                          <p:val>
+                                            <p:strVal val="#ppt_x"/>
+                                          </p:val>
+                                        </p:tav>
+                                        <p:tav tm="100000">
+                                          <p:val>
+                                            <p:strVal val="#ppt_x"/>
+                                          </p:val>
+                                        </p:tav>
+                                      </p:tavLst>
+                                    </p:anim>
+                                    <p:anim calcmode="lin" valueType="num">
+                                      <p:cBhvr>
+                                        <p:cTn id="15" dur="1000" fill="hold"/>
+                                        <p:tgtEl>
+                                          <p:spTgt spid="9"/>
+                                        </p:tgtEl>
+                                        <p:attrNameLst>
+                                          <p:attrName>ppt_y</p:attrName>
+                                        </p:attrNameLst>
+                                      </p:cBhvr>
+                                      <p:tavLst>
+                                        <p:tav tm="0">
+                                          <p:val>
+                                            <p:strVal val="#ppt_y+.1"/>
+                                          </p:val>
+                                        </p:tav>
+                                        <p:tav tm="100000">
+                                          <p:val>
+                                            <p:strVal val="#ppt_y"/>
+                                          </p:val>
+                                        </p:tav>
+                                      </p:tavLst>
+                                    </p:anim>
+                                  </p:childTnLst>
+                                </p:cTn>
+                              </p:par>
+                            </p:childTnLst>
+                          </p:cTn>
+                        </p:par>
+                      </p:childTnLst>
+                    </p:cTn>
+                  </p:par>
+                  <p:par>
+                    <p:cTn id="16" fill="hold">
+                      <p:stCondLst>
+                        <p:cond delay="indefinite"/>
+                      </p:stCondLst>
+                      <p:childTnLst>
+                        <p:par>
+                          <p:cTn id="17" fill="hold">
+                            <p:stCondLst>
+                              <p:cond delay="0"/>
+                            </p:stCondLst>
+                            <p:childTnLst>
+                              <p:par>
+                                <p:cTn id="18" presetID="2" presetClass="entr" presetSubtype="4" fill="hold" nodeType="clickEffect">
+                                  <p:stCondLst>
+                                    <p:cond delay="0"/>
+                                  </p:stCondLst>
+                                  <p:childTnLst>
+                                    <p:set>
+                                      <p:cBhvr>
+                                        <p:cTn id="19" dur="1" fill="hold">
+                                          <p:stCondLst>
+                                            <p:cond delay="0"/>
+                                          </p:stCondLst>
+                                        </p:cTn>
+                                        <p:tgtEl>
+                                          <p:spTgt spid="4"/>
+                                        </p:tgtEl>
+                                        <p:attrNameLst>
+                                          <p:attrName>style.visibility</p:attrName>
+                                        </p:attrNameLst>
+                                      </p:cBhvr>
+                                      <p:to>
+                                        <p:strVal val="visible"/>
+                                      </p:to>
+                                    </p:set>
+                                    <p:anim calcmode="lin" valueType="num">
+                                      <p:cBhvr additive="base">
+                                        <p:cTn id="20" dur="500" fill="hold"/>
+                                        <p:tgtEl>
+                                          <p:spTgt spid="4"/>
+                                        </p:tgtEl>
+                                        <p:attrNameLst>
+                                          <p:attrName>ppt_x</p:attrName>
+                                        </p:attrNameLst>
+                                      </p:cBhvr>
+                                      <p:tavLst>
+                                        <p:tav tm="0">
+                                          <p:val>
+                                            <p:strVal val="#ppt_x"/>
+                                          </p:val>
+                                        </p:tav>
+                                        <p:tav tm="100000">
+                                          <p:val>
+                                            <p:strVal val="#ppt_x"/>
+                                          </p:val>
+                                        </p:tav>
+                                      </p:tavLst>
+                                    </p:anim>
+                                    <p:anim calcmode="lin" valueType="num">
+                                      <p:cBhvr additive="base">
+                                        <p:cTn id="21" dur="500" fill="hold"/>
+                                        <p:tgtEl>
+                                          <p:spTgt spid="4"/>
+                                        </p:tgtEl>
+                                        <p:attrNameLst>
+                                          <p:attrName>ppt_y</p:attrName>
+                                        </p:attrNameLst>
+                                      </p:cBhvr>
+                                      <p:tavLst>
+                                        <p:tav tm="0">
+                                          <p:val>
+                                            <p:strVal val="1+#ppt_h/2"/>
+                                          </p:val>
+                                        </p:tav>
+                                        <p:tav tm="100000">
+                                          <p:val>
+                                            <p:strVal val="#ppt_y"/>
+                                          </p:val>
+                                        </p:tav>
+                                      </p:tavLst>
+                                    </p:anim>
+                                  </p:childTnLst>
+                                </p:cTn>
+                              </p:par>
+                            </p:childTnLst>
+                          </p:cTn>
+                        </p:par>
+                      </p:childTnLst>
+                    </p:cTn>
+                  </p:par>
+                  <p:par>
+                    <p:cTn id="22" fill="hold">
+                      <p:stCondLst>
+                        <p:cond delay="indefinite"/>
+                      </p:stCondLst>
+                      <p:childTnLst>
+                        <p:par>
+                          <p:cTn id="23" fill="hold">
+                            <p:stCondLst>
+                              <p:cond delay="0"/>
+                            </p:stCondLst>
+                            <p:childTnLst>
+                              <p:par>
+                                <p:cTn id="24" presetID="10" presetClass="entr" presetSubtype="0" fill="hold" nodeType="clickEffect">
+                                  <p:stCondLst>
+                                    <p:cond delay="0"/>
+                                  </p:stCondLst>
+                                  <p:childTnLst>
+                                    <p:set>
+                                      <p:cBhvr>
+                                        <p:cTn id="25" dur="1" fill="hold">
+                                          <p:stCondLst>
+                                            <p:cond delay="0"/>
+                                          </p:stCondLst>
+                                        </p:cTn>
+                                        <p:tgtEl>
+                                          <p:spTgt spid="6"/>
+                                        </p:tgtEl>
+                                        <p:attrNameLst>
+                                          <p:attrName>style.visibility</p:attrName>
+                                        </p:attrNameLst>
+                                      </p:cBhvr>
+                                      <p:to>
+                                        <p:strVal val="visible"/>
+                                      </p:to>
+                                    </p:set>
+                                    <p:animEffect transition="in" filter="fade">
+                                      <p:cBhvr>
+                                        <p:cTn id="26" dur="500"/>
+                                        <p:tgtEl>
+                                          <p:spTgt spid="6"/>
+                                        </p:tgtEl>
+                                      </p:cBhvr>
+                                    </p:animEffect>
                                   </p:childTnLst>
                                 </p:cTn>
                               </p:par>
